--- a/Bai 8 Đánh giá kết quả  tìm kiếm_phần 2.pptx
+++ b/Bai 8 Đánh giá kết quả  tìm kiếm_phần 2.pptx
@@ -5,7 +5,7 @@
     <p:sldMasterId id="2147483649" r:id="rId1"/>
   </p:sldMasterIdLst>
   <p:notesMasterIdLst>
-    <p:notesMasterId r:id="rId25"/>
+    <p:notesMasterId r:id="rId26"/>
   </p:notesMasterIdLst>
   <p:sldIdLst>
     <p:sldId id="256" r:id="rId2"/>
@@ -30,7 +30,8 @@
     <p:sldId id="294" r:id="rId21"/>
     <p:sldId id="296" r:id="rId22"/>
     <p:sldId id="390" r:id="rId23"/>
-    <p:sldId id="329" r:id="rId24"/>
+    <p:sldId id="394" r:id="rId24"/>
+    <p:sldId id="329" r:id="rId25"/>
   </p:sldIdLst>
   <p:sldSz cx="9144000" cy="6858000" type="screen4x3"/>
   <p:notesSz cx="6858000" cy="9144000"/>
@@ -161,7 +162,7 @@
   </p:defaultTextStyle>
   <p:extLst>
     <p:ext uri="{EFAFB233-063F-42B5-8137-9DF3F51BA10A}">
-      <p15:sldGuideLst xmlns:p15="http://schemas.microsoft.com/office/powerpoint/2012/main" xmlns="">
+      <p15:sldGuideLst xmlns:p15="http://schemas.microsoft.com/office/powerpoint/2012/main">
         <p15:guide id="1" orient="horz" pos="2160">
           <p15:clr>
             <a:srgbClr val="A4A3A4"/>
@@ -1457,7 +1458,6 @@
               <a:rPr lang="en-US" baseline="0" dirty="0" smtClean="0"/>
               <a:t>.</a:t>
             </a:r>
-            <a:endParaRPr lang="en-US" baseline="0" dirty="0" smtClean="0"/>
           </a:p>
         </p:txBody>
       </p:sp>
@@ -1555,7 +1555,6 @@
               <a:rPr lang="vi-VN" altLang="ru-RU" noProof="0" dirty="0" smtClean="0"/>
               <a:t>Học xếp hạng là hướng nghiên cứu áp dụng các giải thuật học máy để xếp hạng văn bản. </a:t>
             </a:r>
-            <a:endParaRPr lang="vi-VN" altLang="ru-RU" noProof="0" dirty="0" smtClean="0"/>
           </a:p>
         </p:txBody>
       </p:sp>
@@ -9557,15 +9556,15 @@
         </p:nvSpPr>
         <p:spPr>
           <a:xfrm>
-            <a:off x="1371600" y="3716338"/>
-            <a:ext cx="6400800" cy="1752600"/>
+            <a:off x="467544" y="3716338"/>
+            <a:ext cx="8496944" cy="1752600"/>
           </a:xfrm>
         </p:spPr>
         <p:txBody>
           <a:bodyPr/>
           <a:lstStyle/>
           <a:p>
-            <a:pPr eaLnBrk="1" hangingPunct="1"/>
+            <a:pPr algn="just" eaLnBrk="1" hangingPunct="1"/>
             <a:r>
               <a:rPr lang="en-US" altLang="ru-RU" sz="2800" dirty="0" err="1" smtClean="0"/>
               <a:t>Chương</a:t>
@@ -9621,7 +9620,19 @@
             <a:endParaRPr lang="en-US" altLang="ru-RU" sz="2800" dirty="0" smtClean="0"/>
           </a:p>
           <a:p>
-            <a:pPr eaLnBrk="1" hangingPunct="1"/>
+            <a:pPr algn="just" eaLnBrk="1" hangingPunct="1"/>
+            <a:r>
+              <a:rPr lang="en-US" sz="2800" dirty="0"/>
+              <a:t>IIR.Chap8. Evaluation in information </a:t>
+            </a:r>
+            <a:r>
+              <a:rPr lang="en-US" sz="2800" dirty="0" smtClean="0"/>
+              <a:t>retrieval</a:t>
+            </a:r>
+            <a:endParaRPr lang="en-US" altLang="ru-RU" sz="2800" dirty="0" smtClean="0"/>
+          </a:p>
+          <a:p>
+            <a:pPr algn="just" eaLnBrk="1" hangingPunct="1"/>
             <a:endParaRPr lang="en-US" altLang="ru-RU" sz="3200" dirty="0" smtClean="0"/>
           </a:p>
         </p:txBody>
@@ -10448,8 +10459,8 @@
           </a:p>
         </p:txBody>
       </p:sp>
-      <mc:AlternateContent xmlns:mc="http://schemas.openxmlformats.org/markup-compatibility/2006">
-        <mc:Choice xmlns:a14="http://schemas.microsoft.com/office/drawing/2010/main" Requires="a14">
+      <mc:AlternateContent xmlns:mc="http://schemas.openxmlformats.org/markup-compatibility/2006" xmlns:a14="http://schemas.microsoft.com/office/drawing/2010/main">
+        <mc:Choice Requires="a14">
           <p:sp>
             <p:nvSpPr>
               <p:cNvPr id="16388" name="Rectangle 3"/>
@@ -10563,7 +10574,7 @@
                       <m:sSubPr>
                         <m:ctrlPr>
                           <a:rPr lang="en-US" sz="3200" b="0" i="1" smtClean="0">
-                            <a:latin typeface="Cambria Math"/>
+                            <a:latin typeface="Cambria Math" panose="02040503050406030204" pitchFamily="18" charset="0"/>
                           </a:rPr>
                         </m:ctrlPr>
                       </m:sSubPr>
@@ -10594,7 +10605,7 @@
                       <m:sSubPr>
                         <m:ctrlPr>
                           <a:rPr lang="en-US" sz="3200" b="0" i="1" smtClean="0">
-                            <a:latin typeface="Cambria Math"/>
+                            <a:latin typeface="Cambria Math" panose="02040503050406030204" pitchFamily="18" charset="0"/>
                           </a:rPr>
                         </m:ctrlPr>
                       </m:sSubPr>
@@ -10626,7 +10637,7 @@
                         <m:chr m:val="∑"/>
                         <m:ctrlPr>
                           <a:rPr lang="en-US" sz="3200" b="0" i="1" smtClean="0">
-                            <a:latin typeface="Cambria Math"/>
+                            <a:latin typeface="Cambria Math" panose="02040503050406030204" pitchFamily="18" charset="0"/>
                           </a:rPr>
                         </m:ctrlPr>
                       </m:naryPr>
@@ -10644,13 +10655,7 @@
                           <a:rPr lang="en-US" sz="3200" b="0" i="1" smtClean="0">
                             <a:latin typeface="Cambria Math" panose="02040503050406030204" pitchFamily="18" charset="0"/>
                           </a:rPr>
-                          <m:t>=</m:t>
-                        </m:r>
-                        <m:r>
-                          <a:rPr lang="en-US" sz="3200" b="0" i="1" smtClean="0">
-                            <a:latin typeface="Cambria Math" panose="02040503050406030204" pitchFamily="18" charset="0"/>
-                          </a:rPr>
-                          <m:t>2</m:t>
+                          <m:t>=2</m:t>
                         </m:r>
                       </m:sub>
                       <m:sup>
@@ -10666,7 +10671,7 @@
                           <m:fPr>
                             <m:ctrlPr>
                               <a:rPr lang="en-US" sz="3200" b="0" i="1" smtClean="0">
-                                <a:latin typeface="Cambria Math"/>
+                                <a:latin typeface="Cambria Math" panose="02040503050406030204" pitchFamily="18" charset="0"/>
                               </a:rPr>
                             </m:ctrlPr>
                           </m:fPr>
@@ -10675,7 +10680,7 @@
                               <m:sSubPr>
                                 <m:ctrlPr>
                                   <a:rPr lang="en-US" sz="3200" b="0" i="1" smtClean="0">
-                                    <a:latin typeface="Cambria Math"/>
+                                    <a:latin typeface="Cambria Math" panose="02040503050406030204" pitchFamily="18" charset="0"/>
                                   </a:rPr>
                                 </m:ctrlPr>
                               </m:sSubPr>
@@ -10702,7 +10707,7 @@
                               <m:sSubPr>
                                 <m:ctrlPr>
                                   <a:rPr lang="en-US" sz="3200" b="0" i="1" smtClean="0">
-                                    <a:latin typeface="Cambria Math"/>
+                                    <a:latin typeface="Cambria Math" panose="02040503050406030204" pitchFamily="18" charset="0"/>
                                   </a:rPr>
                                 </m:ctrlPr>
                               </m:sSubPr>
@@ -10740,7 +10745,7 @@
             </p:txBody>
           </p:sp>
         </mc:Choice>
-        <mc:Fallback>
+        <mc:Fallback xmlns="">
           <p:sp>
             <p:nvSpPr>
               <p:cNvPr id="16388" name="Rectangle 3"/>
@@ -11642,7 +11647,6 @@
               <a:rPr lang="en-US" altLang="ru-RU" dirty="0" smtClean="0"/>
               <a:t>:</a:t>
             </a:r>
-            <a:endParaRPr lang="en-US" altLang="ru-RU" dirty="0" smtClean="0"/>
           </a:p>
           <a:p>
             <a:pPr eaLnBrk="1" hangingPunct="1"/>
@@ -24283,7 +24287,7 @@
           <a:graphicData uri="http://schemas.openxmlformats.org/presentationml/2006/ole">
             <mc:AlternateContent xmlns:mc="http://schemas.openxmlformats.org/markup-compatibility/2006">
               <mc:Choice xmlns:v="urn:schemas-microsoft-com:vml" Requires="v">
-                <p:oleObj spid="_x0000_s24877" name="Equation" r:id="rId4" imgW="3009900" imgH="482600" progId="Equation.3">
+                <p:oleObj spid="_x0000_s24917" name="Equation" r:id="rId4" imgW="3009900" imgH="482600" progId="Equation.3">
                   <p:embed/>
                 </p:oleObj>
               </mc:Choice>
@@ -24366,7 +24370,7 @@
           <a:graphicData uri="http://schemas.openxmlformats.org/presentationml/2006/ole">
             <mc:AlternateContent xmlns:mc="http://schemas.openxmlformats.org/markup-compatibility/2006">
               <mc:Choice xmlns:v="urn:schemas-microsoft-com:vml" Requires="v">
-                <p:oleObj spid="_x0000_s24878" name="Equation" r:id="rId6" imgW="3035300" imgH="482600" progId="Equation.3">
+                <p:oleObj spid="_x0000_s24918" name="Equation" r:id="rId6" imgW="3035300" imgH="482600" progId="Equation.3">
                   <p:embed/>
                 </p:oleObj>
               </mc:Choice>
@@ -24449,7 +24453,7 @@
           <a:graphicData uri="http://schemas.openxmlformats.org/presentationml/2006/ole">
             <mc:AlternateContent xmlns:mc="http://schemas.openxmlformats.org/markup-compatibility/2006">
               <mc:Choice xmlns:v="urn:schemas-microsoft-com:vml" Requires="v">
-                <p:oleObj spid="_x0000_s24879" name="Equation" r:id="rId8" imgW="3048000" imgH="482600" progId="Equation.3">
+                <p:oleObj spid="_x0000_s24919" name="Equation" r:id="rId8" imgW="3048000" imgH="482600" progId="Equation.3">
                   <p:embed/>
                 </p:oleObj>
               </mc:Choice>
@@ -24532,7 +24536,7 @@
           <a:graphicData uri="http://schemas.openxmlformats.org/presentationml/2006/ole">
             <mc:AlternateContent xmlns:mc="http://schemas.openxmlformats.org/markup-compatibility/2006">
               <mc:Choice xmlns:v="urn:schemas-microsoft-com:vml" Requires="v">
-                <p:oleObj spid="_x0000_s24880" name="Equation" r:id="rId10" imgW="1841500" imgH="228600" progId="Equation.3">
+                <p:oleObj spid="_x0000_s24920" name="Equation" r:id="rId10" imgW="1841500" imgH="228600" progId="Equation.3">
                   <p:embed/>
                 </p:oleObj>
               </mc:Choice>
@@ -25192,25 +25196,8 @@
                   </a:schemeClr>
                 </a:solidFill>
               </a:rPr>
-              <a:t>1. </a:t>
-            </a:r>
-            <a:r>
-              <a:rPr lang="en-US" sz="2800" dirty="0" smtClean="0">
-                <a:solidFill>
-                  <a:schemeClr val="bg1">
-                    <a:lumMod val="75000"/>
-                  </a:schemeClr>
-                </a:solidFill>
-              </a:rPr>
-              <a:t>MRR</a:t>
-            </a:r>
-            <a:endParaRPr lang="en-US" sz="2800" dirty="0" smtClean="0">
-              <a:solidFill>
-                <a:schemeClr val="bg1">
-                  <a:lumMod val="75000"/>
-                </a:schemeClr>
-              </a:solidFill>
-            </a:endParaRPr>
+              <a:t>1. MRR</a:t>
+            </a:r>
           </a:p>
           <a:p>
             <a:pPr eaLnBrk="1" hangingPunct="1">
@@ -25224,25 +25211,8 @@
                   </a:schemeClr>
                 </a:solidFill>
               </a:rPr>
-              <a:t>2. </a:t>
-            </a:r>
-            <a:r>
-              <a:rPr lang="en-US" sz="2800" dirty="0" smtClean="0">
-                <a:solidFill>
-                  <a:schemeClr val="bg1">
-                    <a:lumMod val="85000"/>
-                  </a:schemeClr>
-                </a:solidFill>
-              </a:rPr>
-              <a:t>NDCG</a:t>
-            </a:r>
-            <a:endParaRPr lang="en-US" sz="2800" dirty="0" smtClean="0">
-              <a:solidFill>
-                <a:schemeClr val="bg1">
-                  <a:lumMod val="85000"/>
-                </a:schemeClr>
-              </a:solidFill>
-            </a:endParaRPr>
+              <a:t>2. NDCG</a:t>
+            </a:r>
           </a:p>
           <a:p>
             <a:pPr eaLnBrk="1" hangingPunct="1">
@@ -25628,7 +25598,6 @@
               <a:rPr lang="vi-VN" altLang="ru-RU" dirty="0" smtClean="0"/>
               <a:t>Cần sử dụng chung một định nghĩa tường minh thế nào là văn bản phù hợp cho cả nhóm xây dựng tập kết quả mẫu.</a:t>
             </a:r>
-            <a:endParaRPr lang="vi-VN" altLang="ru-RU" dirty="0" smtClean="0"/>
           </a:p>
         </p:txBody>
       </p:sp>
@@ -27438,7 +27407,6 @@
               <a:rPr lang="de-DE" altLang="ru-RU" dirty="0" smtClean="0"/>
               <a:t>?</a:t>
             </a:r>
-            <a:endParaRPr lang="de-DE" altLang="ru-RU" dirty="0" smtClean="0"/>
           </a:p>
         </p:txBody>
       </p:sp>
@@ -27986,13 +27954,8 @@
             </a:pPr>
             <a:r>
               <a:rPr lang="en-US" sz="2800" dirty="0" smtClean="0"/>
-              <a:t>1. </a:t>
-            </a:r>
-            <a:r>
-              <a:rPr lang="en-US" sz="2800" dirty="0" smtClean="0"/>
-              <a:t>MRR</a:t>
-            </a:r>
-            <a:endParaRPr lang="en-US" sz="2800" dirty="0" smtClean="0"/>
+              <a:t>1. MRR</a:t>
+            </a:r>
           </a:p>
           <a:p>
             <a:pPr eaLnBrk="1" hangingPunct="1">
@@ -28006,25 +27969,8 @@
                   </a:schemeClr>
                 </a:solidFill>
               </a:rPr>
-              <a:t>2. </a:t>
-            </a:r>
-            <a:r>
-              <a:rPr lang="en-US" sz="2800" dirty="0" smtClean="0">
-                <a:solidFill>
-                  <a:schemeClr val="bg1">
-                    <a:lumMod val="85000"/>
-                  </a:schemeClr>
-                </a:solidFill>
-              </a:rPr>
-              <a:t>NDCG</a:t>
-            </a:r>
-            <a:endParaRPr lang="en-US" sz="2800" dirty="0" smtClean="0">
-              <a:solidFill>
-                <a:schemeClr val="bg1">
-                  <a:lumMod val="85000"/>
-                </a:schemeClr>
-              </a:solidFill>
-            </a:endParaRPr>
+              <a:t>2. NDCG</a:t>
+            </a:r>
           </a:p>
           <a:p>
             <a:pPr eaLnBrk="1" hangingPunct="1">
@@ -28038,17 +27984,7 @@
                   </a:schemeClr>
                 </a:solidFill>
               </a:rPr>
-              <a:t>3</a:t>
-            </a:r>
-            <a:r>
-              <a:rPr lang="en-US" sz="2800" dirty="0" smtClean="0">
-                <a:solidFill>
-                  <a:schemeClr val="bg1">
-                    <a:lumMod val="85000"/>
-                  </a:schemeClr>
-                </a:solidFill>
-              </a:rPr>
-              <a:t>. </a:t>
+              <a:t>3. </a:t>
             </a:r>
             <a:r>
               <a:rPr lang="en-US" sz="2800" dirty="0" err="1" smtClean="0">
@@ -28604,11 +28540,7 @@
             </a:r>
             <a:r>
               <a:rPr lang="en-US" sz="2400" dirty="0" smtClean="0"/>
-              <a:t>[</a:t>
-            </a:r>
-            <a:r>
-              <a:rPr lang="en-US" sz="2400" dirty="0" smtClean="0"/>
-              <a:t>2/3, 1.0].</a:t>
+              <a:t>[2/3, 1.0].</a:t>
             </a:r>
           </a:p>
           <a:p>
@@ -28963,7 +28895,6 @@
               <a:rPr lang="vi-VN" altLang="ru-RU" dirty="0" smtClean="0"/>
               <a:t>Ví dụ tính chỉ số kappa</a:t>
             </a:r>
-            <a:endParaRPr lang="vi-VN" altLang="ru-RU" dirty="0" smtClean="0"/>
           </a:p>
         </p:txBody>
       </p:sp>
@@ -29299,17 +29230,6 @@
                         </a:rPr>
                         <a:t>1</a:t>
                       </a:r>
-                      <a:endParaRPr kumimoji="0" lang="en-US" sz="2000" b="0" i="0" u="none" strike="noStrike" cap="none" normalizeH="0" baseline="0" dirty="0" smtClean="0">
-                        <a:ln>
-                          <a:noFill/>
-                        </a:ln>
-                        <a:solidFill>
-                          <a:schemeClr val="tx2"/>
-                        </a:solidFill>
-                        <a:effectLst/>
-                        <a:latin typeface="Tahoma" panose="020B0604030504040204" pitchFamily="34" charset="0"/>
-                        <a:cs typeface="Tahoma" panose="020B0604030504040204" pitchFamily="34" charset="0"/>
-                      </a:endParaRPr>
                     </a:p>
                     <a:p>
                       <a:pPr marL="0" marR="0" lvl="0" indent="0" algn="l" defTabSz="914400" rtl="0" eaLnBrk="1" fontAlgn="base" latinLnBrk="0" hangingPunct="1">
@@ -33907,19 +33827,19 @@
               <a:buNone/>
             </a:pPr>
             <a:r>
-              <a:rPr lang="de-DE" altLang="ru-RU" sz="2000" i="1"/>
+              <a:rPr lang="de-DE" altLang="ru-RU" sz="2000" i="1" dirty="0"/>
               <a:t>P</a:t>
             </a:r>
             <a:r>
-              <a:rPr lang="de-DE" altLang="ru-RU" sz="2000"/>
+              <a:rPr lang="de-DE" altLang="ru-RU" sz="2000" dirty="0"/>
               <a:t>(</a:t>
             </a:r>
             <a:r>
-              <a:rPr lang="de-DE" altLang="ru-RU" sz="2000" i="1"/>
+              <a:rPr lang="de-DE" altLang="ru-RU" sz="2000" i="1" dirty="0"/>
               <a:t>A</a:t>
             </a:r>
             <a:r>
-              <a:rPr lang="de-DE" altLang="ru-RU" sz="2000"/>
+              <a:rPr lang="de-DE" altLang="ru-RU" sz="2000" dirty="0"/>
               <a:t>) = (300 + 70)/400 = 370/400 = 0.925</a:t>
             </a:r>
           </a:p>
@@ -33934,7 +33854,7 @@
               <a:buNone/>
             </a:pPr>
             <a:r>
-              <a:rPr lang="de-DE" altLang="ru-RU" sz="2000"/>
+              <a:rPr lang="de-DE" altLang="ru-RU" sz="2000" dirty="0"/>
               <a:t>Giá trị biên tổng hợp</a:t>
             </a:r>
           </a:p>
@@ -33949,19 +33869,19 @@
               <a:buNone/>
             </a:pPr>
             <a:r>
-              <a:rPr lang="nn-NO" altLang="ru-RU" sz="2000" i="1"/>
+              <a:rPr lang="nn-NO" altLang="ru-RU" sz="2000" i="1" dirty="0"/>
               <a:t>P</a:t>
             </a:r>
             <a:r>
-              <a:rPr lang="nn-NO" altLang="ru-RU" sz="2000"/>
+              <a:rPr lang="nn-NO" altLang="ru-RU" sz="2000" dirty="0"/>
               <a:t>(</a:t>
             </a:r>
             <a:r>
-              <a:rPr lang="nn-NO" altLang="ru-RU" sz="2000" i="1"/>
+              <a:rPr lang="nn-NO" altLang="ru-RU" sz="2000" i="1" dirty="0"/>
               <a:t>không phù hợp</a:t>
             </a:r>
             <a:r>
-              <a:rPr lang="nn-NO" altLang="ru-RU" sz="2000"/>
+              <a:rPr lang="nn-NO" altLang="ru-RU" sz="2000" dirty="0"/>
               <a:t>) = (80 + 90)/(400 + 400) = 170/800 = 0.2125</a:t>
             </a:r>
           </a:p>
@@ -33976,19 +33896,19 @@
               <a:buNone/>
             </a:pPr>
             <a:r>
-              <a:rPr lang="nn-NO" altLang="ru-RU" sz="2000" i="1"/>
+              <a:rPr lang="nn-NO" altLang="ru-RU" sz="2000" i="1" dirty="0"/>
               <a:t>P</a:t>
             </a:r>
             <a:r>
-              <a:rPr lang="nn-NO" altLang="ru-RU" sz="2000"/>
+              <a:rPr lang="nn-NO" altLang="ru-RU" sz="2000" dirty="0"/>
               <a:t>(</a:t>
             </a:r>
             <a:r>
-              <a:rPr lang="nn-NO" altLang="ru-RU" sz="2000" i="1"/>
+              <a:rPr lang="nn-NO" altLang="ru-RU" sz="2000" i="1" dirty="0"/>
               <a:t>phù hợp</a:t>
             </a:r>
             <a:r>
-              <a:rPr lang="nn-NO" altLang="ru-RU" sz="2000"/>
+              <a:rPr lang="nn-NO" altLang="ru-RU" sz="2000" dirty="0"/>
               <a:t>) = (320 + 310)/(400 + 400) = 630/800 = 0.7878</a:t>
             </a:r>
           </a:p>
@@ -34003,23 +33923,99 @@
               <a:buNone/>
             </a:pPr>
             <a:r>
-              <a:rPr lang="en-US" altLang="ru-RU" sz="2000"/>
-              <a:t>Giá trị xác suất của sự thống nhất ngẫu nhiên </a:t>
-            </a:r>
-            <a:r>
-              <a:rPr lang="en-US" altLang="ru-RU" sz="2000" i="1"/>
+              <a:rPr lang="en-US" altLang="ru-RU" sz="2000" dirty="0" err="1"/>
+              <a:t>Giá</a:t>
+            </a:r>
+            <a:r>
+              <a:rPr lang="en-US" altLang="ru-RU" sz="2000" dirty="0"/>
+              <a:t> </a:t>
+            </a:r>
+            <a:r>
+              <a:rPr lang="en-US" altLang="ru-RU" sz="2000" dirty="0" err="1"/>
+              <a:t>trị</a:t>
+            </a:r>
+            <a:r>
+              <a:rPr lang="en-US" altLang="ru-RU" sz="2000" dirty="0"/>
+              <a:t> </a:t>
+            </a:r>
+            <a:r>
+              <a:rPr lang="en-US" altLang="ru-RU" sz="2000" dirty="0" err="1"/>
+              <a:t>xác</a:t>
+            </a:r>
+            <a:r>
+              <a:rPr lang="en-US" altLang="ru-RU" sz="2000" dirty="0"/>
+              <a:t> </a:t>
+            </a:r>
+            <a:r>
+              <a:rPr lang="en-US" altLang="ru-RU" sz="2000" dirty="0" err="1"/>
+              <a:t>suất</a:t>
+            </a:r>
+            <a:r>
+              <a:rPr lang="en-US" altLang="ru-RU" sz="2000" dirty="0"/>
+              <a:t> </a:t>
+            </a:r>
+            <a:r>
+              <a:rPr lang="en-US" altLang="ru-RU" sz="2000" dirty="0" err="1"/>
+              <a:t>của</a:t>
+            </a:r>
+            <a:r>
+              <a:rPr lang="en-US" altLang="ru-RU" sz="2000" dirty="0"/>
+              <a:t> </a:t>
+            </a:r>
+            <a:r>
+              <a:rPr lang="en-US" altLang="ru-RU" sz="2000" dirty="0" err="1"/>
+              <a:t>sự</a:t>
+            </a:r>
+            <a:r>
+              <a:rPr lang="en-US" altLang="ru-RU" sz="2000" dirty="0"/>
+              <a:t> </a:t>
+            </a:r>
+            <a:r>
+              <a:rPr lang="en-US" altLang="ru-RU" sz="2000" dirty="0" err="1"/>
+              <a:t>thống</a:t>
+            </a:r>
+            <a:r>
+              <a:rPr lang="en-US" altLang="ru-RU" sz="2000" dirty="0"/>
+              <a:t> </a:t>
+            </a:r>
+            <a:r>
+              <a:rPr lang="en-US" altLang="ru-RU" sz="2000" dirty="0" err="1"/>
+              <a:t>nhất</a:t>
+            </a:r>
+            <a:r>
+              <a:rPr lang="en-US" altLang="ru-RU" sz="2000" dirty="0"/>
+              <a:t> </a:t>
+            </a:r>
+            <a:r>
+              <a:rPr lang="en-US" altLang="ru-RU" sz="2000" dirty="0" err="1"/>
+              <a:t>ngẫu</a:t>
+            </a:r>
+            <a:r>
+              <a:rPr lang="en-US" altLang="ru-RU" sz="2000" dirty="0"/>
+              <a:t> </a:t>
+            </a:r>
+            <a:r>
+              <a:rPr lang="en-US" altLang="ru-RU" sz="2000" dirty="0" err="1"/>
+              <a:t>nhiên</a:t>
+            </a:r>
+            <a:r>
+              <a:rPr lang="en-US" altLang="ru-RU" sz="2000" dirty="0"/>
+              <a:t> </a:t>
+            </a:r>
+            <a:r>
+              <a:rPr lang="en-US" altLang="ru-RU" sz="2000" i="1" dirty="0"/>
               <a:t>P</a:t>
             </a:r>
             <a:r>
-              <a:rPr lang="en-US" altLang="ru-RU" sz="2000"/>
+              <a:rPr lang="en-US" altLang="ru-RU" sz="2000" dirty="0"/>
               <a:t>(</a:t>
             </a:r>
             <a:r>
-              <a:rPr lang="en-US" altLang="ru-RU" sz="2000" i="1"/>
+              <a:rPr lang="en-US" altLang="ru-RU" sz="2000" i="1" dirty="0"/>
               <a:t>E</a:t>
             </a:r>
             <a:r>
-              <a:rPr lang="en-US" altLang="ru-RU" sz="2000"/>
+              <a:rPr lang="en-US" altLang="ru-RU" sz="2000" dirty="0"/>
               <a:t>) =</a:t>
             </a:r>
           </a:p>
@@ -34034,59 +34030,59 @@
               <a:buNone/>
             </a:pPr>
             <a:r>
-              <a:rPr lang="de-DE" altLang="ru-RU" sz="2000" i="1"/>
+              <a:rPr lang="de-DE" altLang="ru-RU" sz="2000" i="1" dirty="0"/>
               <a:t>P</a:t>
             </a:r>
             <a:r>
-              <a:rPr lang="de-DE" altLang="ru-RU" sz="2000"/>
+              <a:rPr lang="de-DE" altLang="ru-RU" sz="2000" dirty="0"/>
               <a:t>(</a:t>
             </a:r>
             <a:r>
-              <a:rPr lang="de-DE" altLang="ru-RU" sz="2000" i="1"/>
+              <a:rPr lang="de-DE" altLang="ru-RU" sz="2000" i="1" dirty="0"/>
               <a:t>không phù hợp</a:t>
             </a:r>
             <a:r>
-              <a:rPr lang="de-DE" altLang="ru-RU" sz="2000"/>
+              <a:rPr lang="de-DE" altLang="ru-RU" sz="2000" dirty="0"/>
               <a:t>)</a:t>
             </a:r>
             <a:r>
-              <a:rPr lang="de-DE" altLang="ru-RU" sz="2000" baseline="30000"/>
+              <a:rPr lang="de-DE" altLang="ru-RU" sz="2000" baseline="30000" dirty="0"/>
               <a:t>2</a:t>
             </a:r>
             <a:r>
-              <a:rPr lang="de-DE" altLang="ru-RU" sz="2000"/>
+              <a:rPr lang="de-DE" altLang="ru-RU" sz="2000" dirty="0"/>
               <a:t> + </a:t>
             </a:r>
             <a:r>
-              <a:rPr lang="de-DE" altLang="ru-RU" sz="2000" i="1"/>
+              <a:rPr lang="de-DE" altLang="ru-RU" sz="2000" i="1" dirty="0"/>
               <a:t>P</a:t>
             </a:r>
             <a:r>
-              <a:rPr lang="de-DE" altLang="ru-RU" sz="2000"/>
+              <a:rPr lang="de-DE" altLang="ru-RU" sz="2000" dirty="0"/>
               <a:t>(phù hợp)</a:t>
             </a:r>
             <a:r>
-              <a:rPr lang="de-DE" altLang="ru-RU" sz="2000" baseline="30000"/>
+              <a:rPr lang="de-DE" altLang="ru-RU" sz="2000" baseline="30000" dirty="0"/>
               <a:t>2</a:t>
             </a:r>
             <a:r>
-              <a:rPr lang="de-DE" altLang="ru-RU" sz="2000"/>
+              <a:rPr lang="de-DE" altLang="ru-RU" sz="2000" dirty="0"/>
               <a:t> = 0.21252</a:t>
             </a:r>
             <a:r>
-              <a:rPr lang="de-DE" altLang="ru-RU" sz="2000" baseline="30000"/>
+              <a:rPr lang="de-DE" altLang="ru-RU" sz="2000" baseline="30000" dirty="0"/>
               <a:t>2</a:t>
             </a:r>
             <a:r>
-              <a:rPr lang="de-DE" altLang="ru-RU" sz="2000"/>
+              <a:rPr lang="de-DE" altLang="ru-RU" sz="2000" dirty="0"/>
               <a:t> + 0.78782</a:t>
             </a:r>
             <a:r>
-              <a:rPr lang="de-DE" altLang="ru-RU" sz="2000" baseline="30000"/>
+              <a:rPr lang="de-DE" altLang="ru-RU" sz="2000" baseline="30000" dirty="0"/>
               <a:t>2</a:t>
             </a:r>
             <a:r>
-              <a:rPr lang="de-DE" altLang="ru-RU" sz="2000"/>
+              <a:rPr lang="de-DE" altLang="ru-RU" sz="2000" dirty="0"/>
               <a:t> = 0.665</a:t>
             </a:r>
           </a:p>
@@ -34101,63 +34097,63 @@
               <a:buNone/>
             </a:pPr>
             <a:r>
-              <a:rPr lang="it-IT" altLang="ru-RU" sz="2000"/>
+              <a:rPr lang="it-IT" altLang="ru-RU" sz="2000" dirty="0"/>
               <a:t>Chỉ số kappa  </a:t>
             </a:r>
             <a:r>
-              <a:rPr lang="az-Cyrl-AZ" altLang="ru-RU" sz="2000" i="1"/>
+              <a:rPr lang="az-Cyrl-AZ" altLang="ru-RU" sz="2000" i="1" dirty="0"/>
               <a:t>к</a:t>
             </a:r>
             <a:r>
-              <a:rPr lang="it-IT" altLang="ru-RU" sz="2000"/>
+              <a:rPr lang="it-IT" altLang="ru-RU" sz="2000" dirty="0"/>
               <a:t> = (</a:t>
             </a:r>
             <a:r>
-              <a:rPr lang="it-IT" altLang="ru-RU" sz="2000" i="1"/>
+              <a:rPr lang="it-IT" altLang="ru-RU" sz="2000" i="1" dirty="0"/>
               <a:t>P</a:t>
             </a:r>
             <a:r>
-              <a:rPr lang="it-IT" altLang="ru-RU" sz="2000"/>
+              <a:rPr lang="it-IT" altLang="ru-RU" sz="2000" dirty="0"/>
               <a:t>(</a:t>
             </a:r>
             <a:r>
-              <a:rPr lang="it-IT" altLang="ru-RU" sz="2000" i="1"/>
+              <a:rPr lang="it-IT" altLang="ru-RU" sz="2000" i="1" dirty="0"/>
               <a:t>A</a:t>
             </a:r>
             <a:r>
-              <a:rPr lang="it-IT" altLang="ru-RU" sz="2000"/>
+              <a:rPr lang="it-IT" altLang="ru-RU" sz="2000" dirty="0"/>
               <a:t>) − </a:t>
             </a:r>
             <a:r>
-              <a:rPr lang="it-IT" altLang="ru-RU" sz="2000" i="1"/>
+              <a:rPr lang="it-IT" altLang="ru-RU" sz="2000" i="1" dirty="0"/>
               <a:t>P</a:t>
             </a:r>
             <a:r>
-              <a:rPr lang="it-IT" altLang="ru-RU" sz="2000"/>
+              <a:rPr lang="it-IT" altLang="ru-RU" sz="2000" dirty="0"/>
               <a:t>(</a:t>
             </a:r>
             <a:r>
-              <a:rPr lang="it-IT" altLang="ru-RU" sz="2000" i="1"/>
+              <a:rPr lang="it-IT" altLang="ru-RU" sz="2000" i="1" dirty="0"/>
               <a:t>E</a:t>
             </a:r>
             <a:r>
-              <a:rPr lang="it-IT" altLang="ru-RU" sz="2000"/>
+              <a:rPr lang="it-IT" altLang="ru-RU" sz="2000" dirty="0"/>
               <a:t>))/(1 − </a:t>
             </a:r>
             <a:r>
-              <a:rPr lang="it-IT" altLang="ru-RU" sz="2000" i="1"/>
+              <a:rPr lang="it-IT" altLang="ru-RU" sz="2000" i="1" dirty="0"/>
               <a:t>P</a:t>
             </a:r>
             <a:r>
-              <a:rPr lang="it-IT" altLang="ru-RU" sz="2000"/>
+              <a:rPr lang="it-IT" altLang="ru-RU" sz="2000" dirty="0"/>
               <a:t>(</a:t>
             </a:r>
             <a:r>
-              <a:rPr lang="it-IT" altLang="ru-RU" sz="2000" i="1"/>
+              <a:rPr lang="it-IT" altLang="ru-RU" sz="2000" i="1" dirty="0"/>
               <a:t>E</a:t>
             </a:r>
             <a:r>
-              <a:rPr lang="it-IT" altLang="ru-RU" sz="2000"/>
+              <a:rPr lang="it-IT" altLang="ru-RU" sz="2000" dirty="0"/>
               <a:t>)) =</a:t>
             </a:r>
           </a:p>
@@ -34172,18 +34168,98 @@
               <a:buNone/>
             </a:pPr>
             <a:r>
-              <a:rPr lang="en-US" altLang="ru-RU" sz="2000"/>
+              <a:rPr lang="en-US" altLang="ru-RU" sz="2000" dirty="0"/>
               <a:t>(0.925 − 0.665)/(1 − 0.665) = 0.776 </a:t>
             </a:r>
             <a:r>
-              <a:rPr lang="en-US" altLang="ru-RU" sz="2000">
+              <a:rPr lang="en-US" altLang="ru-RU" sz="2000" dirty="0">
                 <a:solidFill>
                   <a:srgbClr val="0070C0"/>
                 </a:solidFill>
               </a:rPr>
-              <a:t>(trong khoảng được chấp nhận)</a:t>
-            </a:r>
-            <a:endParaRPr lang="vi-VN" altLang="ru-RU" sz="2000">
+              <a:t>(</a:t>
+            </a:r>
+            <a:r>
+              <a:rPr lang="en-US" altLang="ru-RU" sz="2000" dirty="0" err="1">
+                <a:solidFill>
+                  <a:srgbClr val="0070C0"/>
+                </a:solidFill>
+              </a:rPr>
+              <a:t>trong</a:t>
+            </a:r>
+            <a:r>
+              <a:rPr lang="en-US" altLang="ru-RU" sz="2000" dirty="0">
+                <a:solidFill>
+                  <a:srgbClr val="0070C0"/>
+                </a:solidFill>
+              </a:rPr>
+              <a:t> </a:t>
+            </a:r>
+            <a:r>
+              <a:rPr lang="en-US" altLang="ru-RU" sz="2000" dirty="0" err="1">
+                <a:solidFill>
+                  <a:srgbClr val="0070C0"/>
+                </a:solidFill>
+              </a:rPr>
+              <a:t>khoảng</a:t>
+            </a:r>
+            <a:r>
+              <a:rPr lang="en-US" altLang="ru-RU" sz="2000" dirty="0">
+                <a:solidFill>
+                  <a:srgbClr val="0070C0"/>
+                </a:solidFill>
+              </a:rPr>
+              <a:t> </a:t>
+            </a:r>
+            <a:r>
+              <a:rPr lang="en-US" altLang="ru-RU" sz="2000" dirty="0" err="1">
+                <a:solidFill>
+                  <a:srgbClr val="0070C0"/>
+                </a:solidFill>
+              </a:rPr>
+              <a:t>được</a:t>
+            </a:r>
+            <a:r>
+              <a:rPr lang="en-US" altLang="ru-RU" sz="2000" dirty="0">
+                <a:solidFill>
+                  <a:srgbClr val="0070C0"/>
+                </a:solidFill>
+              </a:rPr>
+              <a:t> </a:t>
+            </a:r>
+            <a:r>
+              <a:rPr lang="en-US" altLang="ru-RU" sz="2000" dirty="0" err="1">
+                <a:solidFill>
+                  <a:srgbClr val="0070C0"/>
+                </a:solidFill>
+              </a:rPr>
+              <a:t>chấp</a:t>
+            </a:r>
+            <a:r>
+              <a:rPr lang="en-US" altLang="ru-RU" sz="2000" dirty="0">
+                <a:solidFill>
+                  <a:srgbClr val="0070C0"/>
+                </a:solidFill>
+              </a:rPr>
+              <a:t> </a:t>
+            </a:r>
+            <a:r>
+              <a:rPr lang="en-US" altLang="ru-RU" sz="2000" dirty="0" err="1">
+                <a:solidFill>
+                  <a:srgbClr val="0070C0"/>
+                </a:solidFill>
+              </a:rPr>
+              <a:t>nhận</a:t>
+            </a:r>
+            <a:r>
+              <a:rPr lang="en-US" altLang="ru-RU" sz="2000" dirty="0">
+                <a:solidFill>
+                  <a:srgbClr val="0070C0"/>
+                </a:solidFill>
+              </a:rPr>
+              <a:t>)</a:t>
+            </a:r>
+            <a:endParaRPr lang="vi-VN" altLang="ru-RU" sz="2000" dirty="0">
               <a:solidFill>
                 <a:srgbClr val="0070C0"/>
               </a:solidFill>
@@ -34952,6 +35028,594 @@
       </p:grpSpPr>
       <p:sp>
         <p:nvSpPr>
+          <p:cNvPr id="33794" name="Title 1"/>
+          <p:cNvSpPr>
+            <a:spLocks noGrp="1"/>
+          </p:cNvSpPr>
+          <p:nvPr>
+            <p:ph type="title"/>
+          </p:nvPr>
+        </p:nvSpPr>
+        <p:spPr/>
+        <p:txBody>
+          <a:bodyPr/>
+          <a:lstStyle/>
+          <a:p>
+            <a:r>
+              <a:rPr lang="vi-VN" altLang="ru-RU" dirty="0" smtClean="0"/>
+              <a:t>Bài </a:t>
+            </a:r>
+            <a:r>
+              <a:rPr lang="en-US" altLang="ru-RU" dirty="0" err="1" smtClean="0"/>
+              <a:t>tập</a:t>
+            </a:r>
+            <a:r>
+              <a:rPr lang="en-US" altLang="ru-RU" dirty="0" smtClean="0"/>
+              <a:t> 2</a:t>
+            </a:r>
+            <a:endParaRPr lang="vi-VN" altLang="ru-RU" dirty="0" smtClean="0"/>
+          </a:p>
+        </p:txBody>
+      </p:sp>
+      <p:sp>
+        <p:nvSpPr>
+          <p:cNvPr id="6" name="Rectangle 3"/>
+          <p:cNvSpPr txBox="1">
+            <a:spLocks noChangeArrowheads="1"/>
+          </p:cNvSpPr>
+          <p:nvPr/>
+        </p:nvSpPr>
+        <p:spPr>
+          <a:xfrm>
+            <a:off x="611561" y="2017713"/>
+            <a:ext cx="4968552" cy="4506912"/>
+          </a:xfrm>
+          <a:prstGeom prst="rect">
+            <a:avLst/>
+          </a:prstGeom>
+        </p:spPr>
+        <p:txBody>
+          <a:bodyPr/>
+          <a:lstStyle>
+            <a:lvl1pPr marL="342900" indent="-342900" algn="l" rtl="0" eaLnBrk="0" fontAlgn="base" hangingPunct="0">
+              <a:spcBef>
+                <a:spcPct val="20000"/>
+              </a:spcBef>
+              <a:spcAft>
+                <a:spcPct val="0"/>
+              </a:spcAft>
+              <a:buClr>
+                <a:schemeClr val="folHlink"/>
+              </a:buClr>
+              <a:buSzPct val="60000"/>
+              <a:buFont typeface="Wingdings" panose="05000000000000000000" pitchFamily="2" charset="2"/>
+              <a:buChar char="n"/>
+              <a:defRPr sz="2800" kern="1200">
+                <a:solidFill>
+                  <a:schemeClr val="tx1"/>
+                </a:solidFill>
+                <a:latin typeface="+mn-lt"/>
+                <a:ea typeface="+mn-ea"/>
+                <a:cs typeface="+mn-cs"/>
+              </a:defRPr>
+            </a:lvl1pPr>
+            <a:lvl2pPr marL="742950" indent="-285750" algn="l" rtl="0" eaLnBrk="0" fontAlgn="base" hangingPunct="0">
+              <a:spcBef>
+                <a:spcPct val="20000"/>
+              </a:spcBef>
+              <a:spcAft>
+                <a:spcPct val="0"/>
+              </a:spcAft>
+              <a:buClr>
+                <a:schemeClr val="hlink"/>
+              </a:buClr>
+              <a:buSzPct val="55000"/>
+              <a:buFont typeface="Wingdings" panose="05000000000000000000" pitchFamily="2" charset="2"/>
+              <a:buChar char="n"/>
+              <a:defRPr sz="2400" kern="1200">
+                <a:solidFill>
+                  <a:schemeClr val="tx1"/>
+                </a:solidFill>
+                <a:latin typeface="+mn-lt"/>
+                <a:ea typeface="+mn-ea"/>
+                <a:cs typeface="+mn-cs"/>
+              </a:defRPr>
+            </a:lvl2pPr>
+            <a:lvl3pPr marL="1143000" indent="-228600" algn="l" rtl="0" eaLnBrk="0" fontAlgn="base" hangingPunct="0">
+              <a:spcBef>
+                <a:spcPct val="20000"/>
+              </a:spcBef>
+              <a:spcAft>
+                <a:spcPct val="0"/>
+              </a:spcAft>
+              <a:buClr>
+                <a:schemeClr val="folHlink"/>
+              </a:buClr>
+              <a:buSzPct val="50000"/>
+              <a:buFont typeface="Wingdings" panose="05000000000000000000" pitchFamily="2" charset="2"/>
+              <a:buChar char="n"/>
+              <a:defRPr sz="2000" kern="1200">
+                <a:solidFill>
+                  <a:schemeClr val="tx1"/>
+                </a:solidFill>
+                <a:latin typeface="+mn-lt"/>
+                <a:ea typeface="+mn-ea"/>
+                <a:cs typeface="+mn-cs"/>
+              </a:defRPr>
+            </a:lvl3pPr>
+            <a:lvl4pPr marL="1600200" indent="-228600" algn="l" rtl="0" eaLnBrk="0" fontAlgn="base" hangingPunct="0">
+              <a:spcBef>
+                <a:spcPct val="20000"/>
+              </a:spcBef>
+              <a:spcAft>
+                <a:spcPct val="0"/>
+              </a:spcAft>
+              <a:buClr>
+                <a:schemeClr val="accent2"/>
+              </a:buClr>
+              <a:buSzPct val="55000"/>
+              <a:buFont typeface="Wingdings" panose="05000000000000000000" pitchFamily="2" charset="2"/>
+              <a:buChar char="n"/>
+              <a:defRPr sz="2000" kern="1200">
+                <a:solidFill>
+                  <a:schemeClr val="tx1"/>
+                </a:solidFill>
+                <a:latin typeface="+mn-lt"/>
+                <a:ea typeface="+mn-ea"/>
+                <a:cs typeface="+mn-cs"/>
+              </a:defRPr>
+            </a:lvl4pPr>
+            <a:lvl5pPr marL="2057400" indent="-228600" algn="l" rtl="0" eaLnBrk="0" fontAlgn="base" hangingPunct="0">
+              <a:spcBef>
+                <a:spcPct val="20000"/>
+              </a:spcBef>
+              <a:spcAft>
+                <a:spcPct val="0"/>
+              </a:spcAft>
+              <a:buClr>
+                <a:schemeClr val="accent1"/>
+              </a:buClr>
+              <a:buSzPct val="50000"/>
+              <a:buFont typeface="Wingdings" panose="05000000000000000000" pitchFamily="2" charset="2"/>
+              <a:buChar char="n"/>
+              <a:defRPr sz="2000" kern="1200">
+                <a:solidFill>
+                  <a:schemeClr val="tx1"/>
+                </a:solidFill>
+                <a:latin typeface="+mn-lt"/>
+                <a:ea typeface="+mn-ea"/>
+                <a:cs typeface="+mn-cs"/>
+              </a:defRPr>
+            </a:lvl5pPr>
+            <a:lvl6pPr marL="2514600" indent="-228600" algn="l" defTabSz="914400" rtl="0" eaLnBrk="1" latinLnBrk="0" hangingPunct="1">
+              <a:lnSpc>
+                <a:spcPct val="90000"/>
+              </a:lnSpc>
+              <a:spcBef>
+                <a:spcPts val="500"/>
+              </a:spcBef>
+              <a:buFont typeface="Arial" panose="020B0604020202020204" pitchFamily="34" charset="0"/>
+              <a:buChar char="•"/>
+              <a:defRPr sz="1800" kern="1200">
+                <a:solidFill>
+                  <a:schemeClr val="tx1"/>
+                </a:solidFill>
+                <a:latin typeface="+mn-lt"/>
+                <a:ea typeface="+mn-ea"/>
+                <a:cs typeface="+mn-cs"/>
+              </a:defRPr>
+            </a:lvl6pPr>
+            <a:lvl7pPr marL="2971800" indent="-228600" algn="l" defTabSz="914400" rtl="0" eaLnBrk="1" latinLnBrk="0" hangingPunct="1">
+              <a:lnSpc>
+                <a:spcPct val="90000"/>
+              </a:lnSpc>
+              <a:spcBef>
+                <a:spcPts val="500"/>
+              </a:spcBef>
+              <a:buFont typeface="Arial" panose="020B0604020202020204" pitchFamily="34" charset="0"/>
+              <a:buChar char="•"/>
+              <a:defRPr sz="1800" kern="1200">
+                <a:solidFill>
+                  <a:schemeClr val="tx1"/>
+                </a:solidFill>
+                <a:latin typeface="+mn-lt"/>
+                <a:ea typeface="+mn-ea"/>
+                <a:cs typeface="+mn-cs"/>
+              </a:defRPr>
+            </a:lvl7pPr>
+            <a:lvl8pPr marL="3429000" indent="-228600" algn="l" defTabSz="914400" rtl="0" eaLnBrk="1" latinLnBrk="0" hangingPunct="1">
+              <a:lnSpc>
+                <a:spcPct val="90000"/>
+              </a:lnSpc>
+              <a:spcBef>
+                <a:spcPts val="500"/>
+              </a:spcBef>
+              <a:buFont typeface="Arial" panose="020B0604020202020204" pitchFamily="34" charset="0"/>
+              <a:buChar char="•"/>
+              <a:defRPr sz="1800" kern="1200">
+                <a:solidFill>
+                  <a:schemeClr val="tx1"/>
+                </a:solidFill>
+                <a:latin typeface="+mn-lt"/>
+                <a:ea typeface="+mn-ea"/>
+                <a:cs typeface="+mn-cs"/>
+              </a:defRPr>
+            </a:lvl8pPr>
+            <a:lvl9pPr marL="3886200" indent="-228600" algn="l" defTabSz="914400" rtl="0" eaLnBrk="1" latinLnBrk="0" hangingPunct="1">
+              <a:lnSpc>
+                <a:spcPct val="90000"/>
+              </a:lnSpc>
+              <a:spcBef>
+                <a:spcPts val="500"/>
+              </a:spcBef>
+              <a:buFont typeface="Arial" panose="020B0604020202020204" pitchFamily="34" charset="0"/>
+              <a:buChar char="•"/>
+              <a:defRPr sz="1800" kern="1200">
+                <a:solidFill>
+                  <a:schemeClr val="tx1"/>
+                </a:solidFill>
+                <a:latin typeface="+mn-lt"/>
+                <a:ea typeface="+mn-ea"/>
+                <a:cs typeface="+mn-cs"/>
+              </a:defRPr>
+            </a:lvl9pPr>
+          </a:lstStyle>
+          <a:p>
+            <a:pPr eaLnBrk="1" hangingPunct="1">
+              <a:spcBef>
+                <a:spcPts val="700"/>
+              </a:spcBef>
+              <a:buClr>
+                <a:srgbClr val="336699"/>
+              </a:buClr>
+              <a:buSzTx/>
+              <a:buFont typeface="Wingdings" panose="05000000000000000000" pitchFamily="2" charset="2"/>
+              <a:buChar char="§"/>
+              <a:defRPr/>
+            </a:pPr>
+            <a:r>
+              <a:rPr lang="vi-VN" sz="2400" dirty="0" smtClean="0"/>
+              <a:t>Giả sử hệ thống tìm kiếm trả về tập kết quả là {4, 5, 6, 7, 8}:</a:t>
+            </a:r>
+          </a:p>
+          <a:p>
+            <a:pPr eaLnBrk="1" hangingPunct="1">
+              <a:spcBef>
+                <a:spcPts val="700"/>
+              </a:spcBef>
+              <a:buClr>
+                <a:srgbClr val="336699"/>
+              </a:buClr>
+              <a:buSzTx/>
+              <a:buFont typeface="Wingdings" panose="05000000000000000000" pitchFamily="2" charset="2"/>
+              <a:buChar char="§"/>
+              <a:defRPr/>
+            </a:pPr>
+            <a:r>
+              <a:rPr lang="vi-VN" sz="2400" dirty="0" smtClean="0"/>
+              <a:t>a) Tính kappa giữa hai đánh giá;</a:t>
+            </a:r>
+          </a:p>
+          <a:p>
+            <a:pPr eaLnBrk="1" hangingPunct="1">
+              <a:spcBef>
+                <a:spcPts val="700"/>
+              </a:spcBef>
+              <a:buClr>
+                <a:srgbClr val="336699"/>
+              </a:buClr>
+              <a:buSzTx/>
+              <a:buFont typeface="Wingdings" panose="05000000000000000000" pitchFamily="2" charset="2"/>
+              <a:buChar char="§"/>
+              <a:defRPr/>
+            </a:pPr>
+            <a:r>
+              <a:rPr lang="vi-VN" sz="2400" dirty="0" smtClean="0"/>
+              <a:t>b) Tính P, R và F1 trong trường hợp văn bản được coi là phù hợp nếu hai đánh giá thống nhất;</a:t>
+            </a:r>
+          </a:p>
+          <a:p>
+            <a:pPr eaLnBrk="1" hangingPunct="1">
+              <a:spcBef>
+                <a:spcPts val="700"/>
+              </a:spcBef>
+              <a:buClr>
+                <a:srgbClr val="336699"/>
+              </a:buClr>
+              <a:buSzTx/>
+              <a:buFont typeface="Wingdings" panose="05000000000000000000" pitchFamily="2" charset="2"/>
+              <a:buChar char="§"/>
+              <a:defRPr/>
+            </a:pPr>
+            <a:r>
+              <a:rPr lang="vi-VN" sz="2400" dirty="0" smtClean="0"/>
+              <a:t>c) Tính P, R và F1 trong trường hợp văn bản được coi là phù hợp nếu một trong hai đánh giá là phù hợp.</a:t>
+            </a:r>
+            <a:endParaRPr lang="vi-VN" sz="2400" dirty="0" smtClean="0"/>
+          </a:p>
+        </p:txBody>
+      </p:sp>
+      <p:pic>
+        <p:nvPicPr>
+          <p:cNvPr id="2" name="Picture 1"/>
+          <p:cNvPicPr>
+            <a:picLocks noChangeAspect="1"/>
+          </p:cNvPicPr>
+          <p:nvPr/>
+        </p:nvPicPr>
+        <p:blipFill>
+          <a:blip r:embed="rId2"/>
+          <a:stretch>
+            <a:fillRect/>
+          </a:stretch>
+        </p:blipFill>
+        <p:spPr>
+          <a:xfrm>
+            <a:off x="5580112" y="2017713"/>
+            <a:ext cx="3572552" cy="4506912"/>
+          </a:xfrm>
+          <a:prstGeom prst="rect">
+            <a:avLst/>
+          </a:prstGeom>
+        </p:spPr>
+      </p:pic>
+      <p:sp>
+        <p:nvSpPr>
+          <p:cNvPr id="33795" name="Slide Number Placeholder 2"/>
+          <p:cNvSpPr>
+            <a:spLocks noGrp="1"/>
+          </p:cNvSpPr>
+          <p:nvPr>
+            <p:ph type="sldNum" sz="quarter" idx="12"/>
+          </p:nvPr>
+        </p:nvSpPr>
+        <p:spPr>
+          <a:noFill/>
+        </p:spPr>
+        <p:txBody>
+          <a:bodyPr/>
+          <a:lstStyle>
+            <a:lvl1pPr>
+              <a:spcBef>
+                <a:spcPct val="20000"/>
+              </a:spcBef>
+              <a:buClr>
+                <a:schemeClr val="folHlink"/>
+              </a:buClr>
+              <a:buSzPct val="60000"/>
+              <a:buFont typeface="Wingdings" panose="05000000000000000000" pitchFamily="2" charset="2"/>
+              <a:buChar char="n"/>
+              <a:defRPr sz="2800">
+                <a:solidFill>
+                  <a:schemeClr val="tx1"/>
+                </a:solidFill>
+                <a:latin typeface="Tahoma" panose="020B0604030504040204" pitchFamily="34" charset="0"/>
+                <a:cs typeface="Tahoma" panose="020B0604030504040204" pitchFamily="34" charset="0"/>
+              </a:defRPr>
+            </a:lvl1pPr>
+            <a:lvl2pPr marL="742950" indent="-285750">
+              <a:spcBef>
+                <a:spcPct val="20000"/>
+              </a:spcBef>
+              <a:buClr>
+                <a:schemeClr val="hlink"/>
+              </a:buClr>
+              <a:buSzPct val="55000"/>
+              <a:buFont typeface="Wingdings" panose="05000000000000000000" pitchFamily="2" charset="2"/>
+              <a:buChar char="n"/>
+              <a:defRPr sz="2400">
+                <a:solidFill>
+                  <a:schemeClr val="tx1"/>
+                </a:solidFill>
+                <a:latin typeface="Tahoma" panose="020B0604030504040204" pitchFamily="34" charset="0"/>
+                <a:cs typeface="Tahoma" panose="020B0604030504040204" pitchFamily="34" charset="0"/>
+              </a:defRPr>
+            </a:lvl2pPr>
+            <a:lvl3pPr marL="1143000" indent="-228600">
+              <a:spcBef>
+                <a:spcPct val="20000"/>
+              </a:spcBef>
+              <a:buClr>
+                <a:schemeClr val="folHlink"/>
+              </a:buClr>
+              <a:buSzPct val="50000"/>
+              <a:buFont typeface="Wingdings" panose="05000000000000000000" pitchFamily="2" charset="2"/>
+              <a:buChar char="n"/>
+              <a:defRPr sz="2000">
+                <a:solidFill>
+                  <a:schemeClr val="tx1"/>
+                </a:solidFill>
+                <a:latin typeface="Tahoma" panose="020B0604030504040204" pitchFamily="34" charset="0"/>
+                <a:cs typeface="Tahoma" panose="020B0604030504040204" pitchFamily="34" charset="0"/>
+              </a:defRPr>
+            </a:lvl3pPr>
+            <a:lvl4pPr marL="1600200" indent="-228600">
+              <a:spcBef>
+                <a:spcPct val="20000"/>
+              </a:spcBef>
+              <a:buClr>
+                <a:schemeClr val="accent2"/>
+              </a:buClr>
+              <a:buSzPct val="55000"/>
+              <a:buFont typeface="Wingdings" panose="05000000000000000000" pitchFamily="2" charset="2"/>
+              <a:buChar char="n"/>
+              <a:defRPr sz="2000">
+                <a:solidFill>
+                  <a:schemeClr val="tx1"/>
+                </a:solidFill>
+                <a:latin typeface="Tahoma" panose="020B0604030504040204" pitchFamily="34" charset="0"/>
+                <a:cs typeface="Tahoma" panose="020B0604030504040204" pitchFamily="34" charset="0"/>
+              </a:defRPr>
+            </a:lvl4pPr>
+            <a:lvl5pPr marL="2057400" indent="-228600">
+              <a:spcBef>
+                <a:spcPct val="20000"/>
+              </a:spcBef>
+              <a:buClr>
+                <a:schemeClr val="accent1"/>
+              </a:buClr>
+              <a:buSzPct val="50000"/>
+              <a:buFont typeface="Wingdings" panose="05000000000000000000" pitchFamily="2" charset="2"/>
+              <a:buChar char="n"/>
+              <a:defRPr sz="2000">
+                <a:solidFill>
+                  <a:schemeClr val="tx1"/>
+                </a:solidFill>
+                <a:latin typeface="Tahoma" panose="020B0604030504040204" pitchFamily="34" charset="0"/>
+                <a:cs typeface="Tahoma" panose="020B0604030504040204" pitchFamily="34" charset="0"/>
+              </a:defRPr>
+            </a:lvl5pPr>
+            <a:lvl6pPr marL="2514600" indent="-228600" eaLnBrk="0" fontAlgn="base" hangingPunct="0">
+              <a:spcBef>
+                <a:spcPct val="20000"/>
+              </a:spcBef>
+              <a:spcAft>
+                <a:spcPct val="0"/>
+              </a:spcAft>
+              <a:buClr>
+                <a:schemeClr val="accent1"/>
+              </a:buClr>
+              <a:buSzPct val="50000"/>
+              <a:buFont typeface="Wingdings" panose="05000000000000000000" pitchFamily="2" charset="2"/>
+              <a:buChar char="n"/>
+              <a:defRPr sz="2000">
+                <a:solidFill>
+                  <a:schemeClr val="tx1"/>
+                </a:solidFill>
+                <a:latin typeface="Tahoma" panose="020B0604030504040204" pitchFamily="34" charset="0"/>
+                <a:cs typeface="Tahoma" panose="020B0604030504040204" pitchFamily="34" charset="0"/>
+              </a:defRPr>
+            </a:lvl6pPr>
+            <a:lvl7pPr marL="2971800" indent="-228600" eaLnBrk="0" fontAlgn="base" hangingPunct="0">
+              <a:spcBef>
+                <a:spcPct val="20000"/>
+              </a:spcBef>
+              <a:spcAft>
+                <a:spcPct val="0"/>
+              </a:spcAft>
+              <a:buClr>
+                <a:schemeClr val="accent1"/>
+              </a:buClr>
+              <a:buSzPct val="50000"/>
+              <a:buFont typeface="Wingdings" panose="05000000000000000000" pitchFamily="2" charset="2"/>
+              <a:buChar char="n"/>
+              <a:defRPr sz="2000">
+                <a:solidFill>
+                  <a:schemeClr val="tx1"/>
+                </a:solidFill>
+                <a:latin typeface="Tahoma" panose="020B0604030504040204" pitchFamily="34" charset="0"/>
+                <a:cs typeface="Tahoma" panose="020B0604030504040204" pitchFamily="34" charset="0"/>
+              </a:defRPr>
+            </a:lvl7pPr>
+            <a:lvl8pPr marL="3429000" indent="-228600" eaLnBrk="0" fontAlgn="base" hangingPunct="0">
+              <a:spcBef>
+                <a:spcPct val="20000"/>
+              </a:spcBef>
+              <a:spcAft>
+                <a:spcPct val="0"/>
+              </a:spcAft>
+              <a:buClr>
+                <a:schemeClr val="accent1"/>
+              </a:buClr>
+              <a:buSzPct val="50000"/>
+              <a:buFont typeface="Wingdings" panose="05000000000000000000" pitchFamily="2" charset="2"/>
+              <a:buChar char="n"/>
+              <a:defRPr sz="2000">
+                <a:solidFill>
+                  <a:schemeClr val="tx1"/>
+                </a:solidFill>
+                <a:latin typeface="Tahoma" panose="020B0604030504040204" pitchFamily="34" charset="0"/>
+                <a:cs typeface="Tahoma" panose="020B0604030504040204" pitchFamily="34" charset="0"/>
+              </a:defRPr>
+            </a:lvl8pPr>
+            <a:lvl9pPr marL="3886200" indent="-228600" eaLnBrk="0" fontAlgn="base" hangingPunct="0">
+              <a:spcBef>
+                <a:spcPct val="20000"/>
+              </a:spcBef>
+              <a:spcAft>
+                <a:spcPct val="0"/>
+              </a:spcAft>
+              <a:buClr>
+                <a:schemeClr val="accent1"/>
+              </a:buClr>
+              <a:buSzPct val="50000"/>
+              <a:buFont typeface="Wingdings" panose="05000000000000000000" pitchFamily="2" charset="2"/>
+              <a:buChar char="n"/>
+              <a:defRPr sz="2000">
+                <a:solidFill>
+                  <a:schemeClr val="tx1"/>
+                </a:solidFill>
+                <a:latin typeface="Tahoma" panose="020B0604030504040204" pitchFamily="34" charset="0"/>
+                <a:cs typeface="Tahoma" panose="020B0604030504040204" pitchFamily="34" charset="0"/>
+              </a:defRPr>
+            </a:lvl9pPr>
+          </a:lstStyle>
+          <a:p>
+            <a:pPr>
+              <a:spcBef>
+                <a:spcPct val="0"/>
+              </a:spcBef>
+              <a:buClrTx/>
+              <a:buSzTx/>
+              <a:buFontTx/>
+              <a:buNone/>
+            </a:pPr>
+            <a:fld id="{7D58D045-E409-4463-AE27-683DA9F3E293}" type="slidenum">
+              <a:rPr lang="vi-VN" altLang="ru-RU" sz="1400" smtClean="0"/>
+              <a:pPr>
+                <a:spcBef>
+                  <a:spcPct val="0"/>
+                </a:spcBef>
+                <a:buClrTx/>
+                <a:buSzTx/>
+                <a:buFontTx/>
+                <a:buNone/>
+              </a:pPr>
+              <a:t>23</a:t>
+            </a:fld>
+            <a:endParaRPr lang="vi-VN" altLang="ru-RU" sz="1400" dirty="0" smtClean="0"/>
+          </a:p>
+        </p:txBody>
+      </p:sp>
+    </p:spTree>
+    <p:extLst>
+      <p:ext uri="{BB962C8B-B14F-4D97-AF65-F5344CB8AC3E}">
+        <p14:creationId xmlns:p14="http://schemas.microsoft.com/office/powerpoint/2010/main" val="3063685905"/>
+      </p:ext>
+    </p:extLst>
+  </p:cSld>
+  <p:clrMapOvr>
+    <a:masterClrMapping/>
+  </p:clrMapOvr>
+  <p:timing>
+    <p:tnLst>
+      <p:par>
+        <p:cTn id="1" dur="indefinite" restart="never" nodeType="tmRoot"/>
+      </p:par>
+    </p:tnLst>
+  </p:timing>
+</p:sld>
+</file>
+
+<file path=ppt/slides/slide24.xml><?xml version="1.0" encoding="utf-8"?>
+<p:sld xmlns:a="http://schemas.openxmlformats.org/drawingml/2006/main" xmlns:r="http://schemas.openxmlformats.org/officeDocument/2006/relationships" xmlns:p="http://schemas.openxmlformats.org/presentationml/2006/main">
+  <p:cSld>
+    <p:spTree>
+      <p:nvGrpSpPr>
+        <p:cNvPr id="1" name=""/>
+        <p:cNvGrpSpPr/>
+        <p:nvPr/>
+      </p:nvGrpSpPr>
+      <p:grpSpPr>
+        <a:xfrm>
+          <a:off x="0" y="0"/>
+          <a:ext cx="0" cy="0"/>
+          <a:chOff x="0" y="0"/>
+          <a:chExt cx="0" cy="0"/>
+        </a:xfrm>
+      </p:grpSpPr>
+      <p:sp>
+        <p:nvSpPr>
           <p:cNvPr id="34818" name="Slide Number Placeholder 4"/>
           <p:cNvSpPr>
             <a:spLocks noGrp="1"/>
@@ -35162,7 +35826,7 @@
                 <a:buFontTx/>
                 <a:buNone/>
               </a:pPr>
-              <a:t>23</a:t>
+              <a:t>24</a:t>
             </a:fld>
             <a:endParaRPr lang="vi-VN" altLang="ru-RU" sz="1400" smtClean="0"/>
           </a:p>
@@ -35629,7 +36293,6 @@
               <a:rPr lang="vi-VN" altLang="ru-RU" dirty="0" smtClean="0"/>
               <a:t>MRR</a:t>
             </a:r>
-            <a:endParaRPr lang="vi-VN" altLang="ru-RU" dirty="0" smtClean="0"/>
           </a:p>
         </p:txBody>
       </p:sp>
@@ -36089,7 +36752,7 @@
           <a:graphicData uri="http://schemas.openxmlformats.org/presentationml/2006/ole">
             <mc:AlternateContent xmlns:mc="http://schemas.openxmlformats.org/markup-compatibility/2006">
               <mc:Choice xmlns:v="urn:schemas-microsoft-com:vml" Requires="v">
-                <p:oleObj spid="_x0000_s8378" name="Equation" r:id="rId3" imgW="736280" imgH="393529" progId="Equation.3">
+                <p:oleObj spid="_x0000_s8408" name="Equation" r:id="rId3" imgW="736280" imgH="393529" progId="Equation.3">
                   <p:embed/>
                 </p:oleObj>
               </mc:Choice>
@@ -36184,7 +36847,7 @@
           <a:graphicData uri="http://schemas.openxmlformats.org/presentationml/2006/ole">
             <mc:AlternateContent xmlns:mc="http://schemas.openxmlformats.org/markup-compatibility/2006">
               <mc:Choice xmlns:v="urn:schemas-microsoft-com:vml" Requires="v">
-                <p:oleObj spid="_x0000_s8379" name="Equation" r:id="rId5" imgW="1435100" imgH="444500" progId="Equation.3">
+                <p:oleObj spid="_x0000_s8409" name="Equation" r:id="rId5" imgW="1435100" imgH="444500" progId="Equation.3">
                   <p:embed/>
                 </p:oleObj>
               </mc:Choice>
@@ -36279,7 +36942,7 @@
           <a:graphicData uri="http://schemas.openxmlformats.org/presentationml/2006/ole">
             <mc:AlternateContent xmlns:mc="http://schemas.openxmlformats.org/markup-compatibility/2006">
               <mc:Choice xmlns:v="urn:schemas-microsoft-com:vml" Requires="v">
-                <p:oleObj spid="_x0000_s8380" name="Equation" r:id="rId7" imgW="1612900" imgH="431800" progId="Equation.3">
+                <p:oleObj spid="_x0000_s8410" name="Equation" r:id="rId7" imgW="1612900" imgH="431800" progId="Equation.3">
                   <p:embed/>
                 </p:oleObj>
               </mc:Choice>
@@ -37172,25 +37835,8 @@
                   </a:schemeClr>
                 </a:solidFill>
               </a:rPr>
-              <a:t>1. </a:t>
-            </a:r>
-            <a:r>
-              <a:rPr lang="en-US" sz="2800" dirty="0" smtClean="0">
-                <a:solidFill>
-                  <a:schemeClr val="bg1">
-                    <a:lumMod val="75000"/>
-                  </a:schemeClr>
-                </a:solidFill>
-              </a:rPr>
-              <a:t>MRR</a:t>
-            </a:r>
-            <a:endParaRPr lang="en-US" sz="2800" dirty="0" smtClean="0">
-              <a:solidFill>
-                <a:schemeClr val="bg1">
-                  <a:lumMod val="75000"/>
-                </a:schemeClr>
-              </a:solidFill>
-            </a:endParaRPr>
+              <a:t>1. MRR</a:t>
+            </a:r>
           </a:p>
           <a:p>
             <a:pPr eaLnBrk="1" hangingPunct="1">
@@ -37198,13 +37844,8 @@
             </a:pPr>
             <a:r>
               <a:rPr lang="en-US" sz="2800" dirty="0" smtClean="0"/>
-              <a:t>2. </a:t>
-            </a:r>
-            <a:r>
-              <a:rPr lang="en-US" sz="2800" dirty="0" smtClean="0"/>
-              <a:t>NDCG</a:t>
-            </a:r>
-            <a:endParaRPr lang="en-US" sz="2800" dirty="0" smtClean="0"/>
+              <a:t>2. NDCG</a:t>
+            </a:r>
           </a:p>
           <a:p>
             <a:pPr eaLnBrk="1" hangingPunct="1">
@@ -37657,7 +38298,6 @@
               <a:rPr lang="vi-VN" altLang="ru-RU" sz="2800" dirty="0" smtClean="0"/>
               <a:t>.</a:t>
             </a:r>
-            <a:endParaRPr lang="vi-VN" altLang="ru-RU" sz="2800" dirty="0" smtClean="0"/>
           </a:p>
         </p:txBody>
       </p:sp>
@@ -38205,7 +38845,6 @@
               <a:rPr lang="vi-VN" altLang="ru-RU" dirty="0" smtClean="0"/>
               <a:t>ược xây dựng dựa trên khái niệm độ hữu ích của tập kết quả.</a:t>
             </a:r>
-            <a:endParaRPr lang="vi-VN" altLang="ru-RU" dirty="0" smtClean="0"/>
           </a:p>
         </p:txBody>
       </p:sp>
@@ -40095,7 +40734,7 @@
   </a:extraClrSchemeLst>
   <a:extLst>
     <a:ext uri="{05A4C25C-085E-4340-85A3-A5531E510DB2}">
-      <thm15:themeFamily xmlns:thm15="http://schemas.microsoft.com/office/thememl/2012/main" xmlns="" name="Office Theme" id="{62F939B6-93AF-4DB8-9C6B-D6C7DFDC589F}" vid="{4A3C46E8-61CC-4603-A589-7422A47A8E4A}"/>
+      <thm15:themeFamily xmlns:thm15="http://schemas.microsoft.com/office/thememl/2012/main" name="Office Theme" id="{62F939B6-93AF-4DB8-9C6B-D6C7DFDC589F}" vid="{4A3C46E8-61CC-4603-A589-7422A47A8E4A}"/>
     </a:ext>
   </a:extLst>
 </a:theme>
@@ -40356,7 +40995,7 @@
   <a:extraClrSchemeLst/>
   <a:extLst>
     <a:ext uri="{05A4C25C-085E-4340-85A3-A5531E510DB2}">
-      <thm15:themeFamily xmlns:thm15="http://schemas.microsoft.com/office/thememl/2012/main" xmlns="" name="Office Theme" id="{62F939B6-93AF-4DB8-9C6B-D6C7DFDC589F}" vid="{4A3C46E8-61CC-4603-A589-7422A47A8E4A}"/>
+      <thm15:themeFamily xmlns:thm15="http://schemas.microsoft.com/office/thememl/2012/main" name="Office Theme" id="{62F939B6-93AF-4DB8-9C6B-D6C7DFDC589F}" vid="{4A3C46E8-61CC-4603-A589-7422A47A8E4A}"/>
     </a:ext>
   </a:extLst>
 </a:theme>

--- a/Bai 8 Đánh giá kết quả  tìm kiếm_phần 2.pptx
+++ b/Bai 8 Đánh giá kết quả  tìm kiếm_phần 2.pptx
@@ -162,7 +162,7 @@
   </p:defaultTextStyle>
   <p:extLst>
     <p:ext uri="{EFAFB233-063F-42B5-8137-9DF3F51BA10A}">
-      <p15:sldGuideLst xmlns:p15="http://schemas.microsoft.com/office/powerpoint/2012/main">
+      <p15:sldGuideLst xmlns:p15="http://schemas.microsoft.com/office/powerpoint/2012/main" xmlns="">
         <p15:guide id="1" orient="horz" pos="2160">
           <p15:clr>
             <a:srgbClr val="A4A3A4"/>
@@ -9622,8 +9622,12 @@
           <a:p>
             <a:pPr algn="just" eaLnBrk="1" hangingPunct="1"/>
             <a:r>
+              <a:rPr lang="en-US" sz="2800" smtClean="0"/>
+              <a:t>IIR.C8</a:t>
+            </a:r>
+            <a:r>
               <a:rPr lang="en-US" sz="2800" dirty="0"/>
-              <a:t>IIR.Chap8. Evaluation in information </a:t>
+              <a:t>. Evaluation in information </a:t>
             </a:r>
             <a:r>
               <a:rPr lang="en-US" sz="2800" dirty="0" smtClean="0"/>
@@ -10574,7 +10578,7 @@
                       <m:sSubPr>
                         <m:ctrlPr>
                           <a:rPr lang="en-US" sz="3200" b="0" i="1" smtClean="0">
-                            <a:latin typeface="Cambria Math" panose="02040503050406030204" pitchFamily="18" charset="0"/>
+                            <a:latin typeface="Cambria Math"/>
                           </a:rPr>
                         </m:ctrlPr>
                       </m:sSubPr>
@@ -10605,7 +10609,7 @@
                       <m:sSubPr>
                         <m:ctrlPr>
                           <a:rPr lang="en-US" sz="3200" b="0" i="1" smtClean="0">
-                            <a:latin typeface="Cambria Math" panose="02040503050406030204" pitchFamily="18" charset="0"/>
+                            <a:latin typeface="Cambria Math"/>
                           </a:rPr>
                         </m:ctrlPr>
                       </m:sSubPr>
@@ -10637,7 +10641,7 @@
                         <m:chr m:val="∑"/>
                         <m:ctrlPr>
                           <a:rPr lang="en-US" sz="3200" b="0" i="1" smtClean="0">
-                            <a:latin typeface="Cambria Math" panose="02040503050406030204" pitchFamily="18" charset="0"/>
+                            <a:latin typeface="Cambria Math"/>
                           </a:rPr>
                         </m:ctrlPr>
                       </m:naryPr>
@@ -10671,7 +10675,7 @@
                           <m:fPr>
                             <m:ctrlPr>
                               <a:rPr lang="en-US" sz="3200" b="0" i="1" smtClean="0">
-                                <a:latin typeface="Cambria Math" panose="02040503050406030204" pitchFamily="18" charset="0"/>
+                                <a:latin typeface="Cambria Math"/>
                               </a:rPr>
                             </m:ctrlPr>
                           </m:fPr>
@@ -10680,7 +10684,7 @@
                               <m:sSubPr>
                                 <m:ctrlPr>
                                   <a:rPr lang="en-US" sz="3200" b="0" i="1" smtClean="0">
-                                    <a:latin typeface="Cambria Math" panose="02040503050406030204" pitchFamily="18" charset="0"/>
+                                    <a:latin typeface="Cambria Math"/>
                                   </a:rPr>
                                 </m:ctrlPr>
                               </m:sSubPr>
@@ -10707,7 +10711,7 @@
                               <m:sSubPr>
                                 <m:ctrlPr>
                                   <a:rPr lang="en-US" sz="3200" b="0" i="1" smtClean="0">
-                                    <a:latin typeface="Cambria Math" panose="02040503050406030204" pitchFamily="18" charset="0"/>
+                                    <a:latin typeface="Cambria Math"/>
                                   </a:rPr>
                                 </m:ctrlPr>
                               </m:sSubPr>
@@ -24287,7 +24291,7 @@
           <a:graphicData uri="http://schemas.openxmlformats.org/presentationml/2006/ole">
             <mc:AlternateContent xmlns:mc="http://schemas.openxmlformats.org/markup-compatibility/2006">
               <mc:Choice xmlns:v="urn:schemas-microsoft-com:vml" Requires="v">
-                <p:oleObj spid="_x0000_s24917" name="Equation" r:id="rId4" imgW="3009900" imgH="482600" progId="Equation.3">
+                <p:oleObj spid="_x0000_s24921" name="Equation" r:id="rId4" imgW="3009900" imgH="482600" progId="Equation.3">
                   <p:embed/>
                 </p:oleObj>
               </mc:Choice>
@@ -24370,7 +24374,7 @@
           <a:graphicData uri="http://schemas.openxmlformats.org/presentationml/2006/ole">
             <mc:AlternateContent xmlns:mc="http://schemas.openxmlformats.org/markup-compatibility/2006">
               <mc:Choice xmlns:v="urn:schemas-microsoft-com:vml" Requires="v">
-                <p:oleObj spid="_x0000_s24918" name="Equation" r:id="rId6" imgW="3035300" imgH="482600" progId="Equation.3">
+                <p:oleObj spid="_x0000_s24922" name="Equation" r:id="rId6" imgW="3035300" imgH="482600" progId="Equation.3">
                   <p:embed/>
                 </p:oleObj>
               </mc:Choice>
@@ -24453,7 +24457,7 @@
           <a:graphicData uri="http://schemas.openxmlformats.org/presentationml/2006/ole">
             <mc:AlternateContent xmlns:mc="http://schemas.openxmlformats.org/markup-compatibility/2006">
               <mc:Choice xmlns:v="urn:schemas-microsoft-com:vml" Requires="v">
-                <p:oleObj spid="_x0000_s24919" name="Equation" r:id="rId8" imgW="3048000" imgH="482600" progId="Equation.3">
+                <p:oleObj spid="_x0000_s24923" name="Equation" r:id="rId8" imgW="3048000" imgH="482600" progId="Equation.3">
                   <p:embed/>
                 </p:oleObj>
               </mc:Choice>
@@ -24536,7 +24540,7 @@
           <a:graphicData uri="http://schemas.openxmlformats.org/presentationml/2006/ole">
             <mc:AlternateContent xmlns:mc="http://schemas.openxmlformats.org/markup-compatibility/2006">
               <mc:Choice xmlns:v="urn:schemas-microsoft-com:vml" Requires="v">
-                <p:oleObj spid="_x0000_s24920" name="Equation" r:id="rId10" imgW="1841500" imgH="228600" progId="Equation.3">
+                <p:oleObj spid="_x0000_s24924" name="Equation" r:id="rId10" imgW="1841500" imgH="228600" progId="Equation.3">
                   <p:embed/>
                 </p:oleObj>
               </mc:Choice>
@@ -35331,7 +35335,6 @@
               <a:rPr lang="vi-VN" sz="2400" dirty="0" smtClean="0"/>
               <a:t>c) Tính P, R và F1 trong trường hợp văn bản được coi là phù hợp nếu một trong hai đánh giá là phù hợp.</a:t>
             </a:r>
-            <a:endParaRPr lang="vi-VN" sz="2400" dirty="0" smtClean="0"/>
           </a:p>
         </p:txBody>
       </p:sp>
@@ -36752,7 +36755,7 @@
           <a:graphicData uri="http://schemas.openxmlformats.org/presentationml/2006/ole">
             <mc:AlternateContent xmlns:mc="http://schemas.openxmlformats.org/markup-compatibility/2006">
               <mc:Choice xmlns:v="urn:schemas-microsoft-com:vml" Requires="v">
-                <p:oleObj spid="_x0000_s8408" name="Equation" r:id="rId3" imgW="736280" imgH="393529" progId="Equation.3">
+                <p:oleObj spid="_x0000_s8411" name="Equation" r:id="rId3" imgW="736280" imgH="393529" progId="Equation.3">
                   <p:embed/>
                 </p:oleObj>
               </mc:Choice>
@@ -36847,7 +36850,7 @@
           <a:graphicData uri="http://schemas.openxmlformats.org/presentationml/2006/ole">
             <mc:AlternateContent xmlns:mc="http://schemas.openxmlformats.org/markup-compatibility/2006">
               <mc:Choice xmlns:v="urn:schemas-microsoft-com:vml" Requires="v">
-                <p:oleObj spid="_x0000_s8409" name="Equation" r:id="rId5" imgW="1435100" imgH="444500" progId="Equation.3">
+                <p:oleObj spid="_x0000_s8412" name="Equation" r:id="rId5" imgW="1435100" imgH="444500" progId="Equation.3">
                   <p:embed/>
                 </p:oleObj>
               </mc:Choice>
@@ -36942,7 +36945,7 @@
           <a:graphicData uri="http://schemas.openxmlformats.org/presentationml/2006/ole">
             <mc:AlternateContent xmlns:mc="http://schemas.openxmlformats.org/markup-compatibility/2006">
               <mc:Choice xmlns:v="urn:schemas-microsoft-com:vml" Requires="v">
-                <p:oleObj spid="_x0000_s8410" name="Equation" r:id="rId7" imgW="1612900" imgH="431800" progId="Equation.3">
+                <p:oleObj spid="_x0000_s8413" name="Equation" r:id="rId7" imgW="1612900" imgH="431800" progId="Equation.3">
                   <p:embed/>
                 </p:oleObj>
               </mc:Choice>
@@ -40734,7 +40737,7 @@
   </a:extraClrSchemeLst>
   <a:extLst>
     <a:ext uri="{05A4C25C-085E-4340-85A3-A5531E510DB2}">
-      <thm15:themeFamily xmlns:thm15="http://schemas.microsoft.com/office/thememl/2012/main" name="Office Theme" id="{62F939B6-93AF-4DB8-9C6B-D6C7DFDC589F}" vid="{4A3C46E8-61CC-4603-A589-7422A47A8E4A}"/>
+      <thm15:themeFamily xmlns:thm15="http://schemas.microsoft.com/office/thememl/2012/main" xmlns="" name="Office Theme" id="{62F939B6-93AF-4DB8-9C6B-D6C7DFDC589F}" vid="{4A3C46E8-61CC-4603-A589-7422A47A8E4A}"/>
     </a:ext>
   </a:extLst>
 </a:theme>
@@ -40995,7 +40998,7 @@
   <a:extraClrSchemeLst/>
   <a:extLst>
     <a:ext uri="{05A4C25C-085E-4340-85A3-A5531E510DB2}">
-      <thm15:themeFamily xmlns:thm15="http://schemas.microsoft.com/office/thememl/2012/main" name="Office Theme" id="{62F939B6-93AF-4DB8-9C6B-D6C7DFDC589F}" vid="{4A3C46E8-61CC-4603-A589-7422A47A8E4A}"/>
+      <thm15:themeFamily xmlns:thm15="http://schemas.microsoft.com/office/thememl/2012/main" xmlns="" name="Office Theme" id="{62F939B6-93AF-4DB8-9C6B-D6C7DFDC589F}" vid="{4A3C46E8-61CC-4603-A589-7422A47A8E4A}"/>
     </a:ext>
   </a:extLst>
 </a:theme>

--- a/Bai 8 Đánh giá kết quả  tìm kiếm_phần 2.pptx
+++ b/Bai 8 Đánh giá kết quả  tìm kiếm_phần 2.pptx
@@ -162,7 +162,7 @@
   </p:defaultTextStyle>
   <p:extLst>
     <p:ext uri="{EFAFB233-063F-42B5-8137-9DF3F51BA10A}">
-      <p15:sldGuideLst xmlns:p15="http://schemas.microsoft.com/office/powerpoint/2012/main" xmlns="">
+      <p15:sldGuideLst xmlns="" xmlns:p15="http://schemas.microsoft.com/office/powerpoint/2012/main">
         <p15:guide id="1" orient="horz" pos="2160">
           <p15:clr>
             <a:srgbClr val="A4A3A4"/>
@@ -9556,8 +9556,8 @@
         </p:nvSpPr>
         <p:spPr>
           <a:xfrm>
-            <a:off x="467544" y="3716338"/>
-            <a:ext cx="8496944" cy="1752600"/>
+            <a:off x="611560" y="3501008"/>
+            <a:ext cx="8352928" cy="1440880"/>
           </a:xfrm>
         </p:spPr>
         <p:txBody>
@@ -24291,7 +24291,7 @@
           <a:graphicData uri="http://schemas.openxmlformats.org/presentationml/2006/ole">
             <mc:AlternateContent xmlns:mc="http://schemas.openxmlformats.org/markup-compatibility/2006">
               <mc:Choice xmlns:v="urn:schemas-microsoft-com:vml" Requires="v">
-                <p:oleObj spid="_x0000_s24921" name="Equation" r:id="rId4" imgW="3009900" imgH="482600" progId="Equation.3">
+                <p:oleObj spid="_x0000_s24925" name="Equation" r:id="rId4" imgW="3009900" imgH="482600" progId="Equation.3">
                   <p:embed/>
                 </p:oleObj>
               </mc:Choice>
@@ -24374,7 +24374,7 @@
           <a:graphicData uri="http://schemas.openxmlformats.org/presentationml/2006/ole">
             <mc:AlternateContent xmlns:mc="http://schemas.openxmlformats.org/markup-compatibility/2006">
               <mc:Choice xmlns:v="urn:schemas-microsoft-com:vml" Requires="v">
-                <p:oleObj spid="_x0000_s24922" name="Equation" r:id="rId6" imgW="3035300" imgH="482600" progId="Equation.3">
+                <p:oleObj spid="_x0000_s24926" name="Equation" r:id="rId6" imgW="3035300" imgH="482600" progId="Equation.3">
                   <p:embed/>
                 </p:oleObj>
               </mc:Choice>
@@ -24457,7 +24457,7 @@
           <a:graphicData uri="http://schemas.openxmlformats.org/presentationml/2006/ole">
             <mc:AlternateContent xmlns:mc="http://schemas.openxmlformats.org/markup-compatibility/2006">
               <mc:Choice xmlns:v="urn:schemas-microsoft-com:vml" Requires="v">
-                <p:oleObj spid="_x0000_s24923" name="Equation" r:id="rId8" imgW="3048000" imgH="482600" progId="Equation.3">
+                <p:oleObj spid="_x0000_s24927" name="Equation" r:id="rId8" imgW="3048000" imgH="482600" progId="Equation.3">
                   <p:embed/>
                 </p:oleObj>
               </mc:Choice>
@@ -24540,7 +24540,7 @@
           <a:graphicData uri="http://schemas.openxmlformats.org/presentationml/2006/ole">
             <mc:AlternateContent xmlns:mc="http://schemas.openxmlformats.org/markup-compatibility/2006">
               <mc:Choice xmlns:v="urn:schemas-microsoft-com:vml" Requires="v">
-                <p:oleObj spid="_x0000_s24924" name="Equation" r:id="rId10" imgW="1841500" imgH="228600" progId="Equation.3">
+                <p:oleObj spid="_x0000_s24928" name="Equation" r:id="rId10" imgW="1841500" imgH="228600" progId="Equation.3">
                   <p:embed/>
                 </p:oleObj>
               </mc:Choice>
@@ -36755,7 +36755,7 @@
           <a:graphicData uri="http://schemas.openxmlformats.org/presentationml/2006/ole">
             <mc:AlternateContent xmlns:mc="http://schemas.openxmlformats.org/markup-compatibility/2006">
               <mc:Choice xmlns:v="urn:schemas-microsoft-com:vml" Requires="v">
-                <p:oleObj spid="_x0000_s8411" name="Equation" r:id="rId3" imgW="736280" imgH="393529" progId="Equation.3">
+                <p:oleObj spid="_x0000_s8414" name="Equation" r:id="rId3" imgW="736280" imgH="393529" progId="Equation.3">
                   <p:embed/>
                 </p:oleObj>
               </mc:Choice>
@@ -36850,7 +36850,7 @@
           <a:graphicData uri="http://schemas.openxmlformats.org/presentationml/2006/ole">
             <mc:AlternateContent xmlns:mc="http://schemas.openxmlformats.org/markup-compatibility/2006">
               <mc:Choice xmlns:v="urn:schemas-microsoft-com:vml" Requires="v">
-                <p:oleObj spid="_x0000_s8412" name="Equation" r:id="rId5" imgW="1435100" imgH="444500" progId="Equation.3">
+                <p:oleObj spid="_x0000_s8415" name="Equation" r:id="rId5" imgW="1435100" imgH="444500" progId="Equation.3">
                   <p:embed/>
                 </p:oleObj>
               </mc:Choice>
@@ -36945,7 +36945,7 @@
           <a:graphicData uri="http://schemas.openxmlformats.org/presentationml/2006/ole">
             <mc:AlternateContent xmlns:mc="http://schemas.openxmlformats.org/markup-compatibility/2006">
               <mc:Choice xmlns:v="urn:schemas-microsoft-com:vml" Requires="v">
-                <p:oleObj spid="_x0000_s8413" name="Equation" r:id="rId7" imgW="1612900" imgH="431800" progId="Equation.3">
+                <p:oleObj spid="_x0000_s8416" name="Equation" r:id="rId7" imgW="1612900" imgH="431800" progId="Equation.3">
                   <p:embed/>
                 </p:oleObj>
               </mc:Choice>
@@ -40737,7 +40737,7 @@
   </a:extraClrSchemeLst>
   <a:extLst>
     <a:ext uri="{05A4C25C-085E-4340-85A3-A5531E510DB2}">
-      <thm15:themeFamily xmlns:thm15="http://schemas.microsoft.com/office/thememl/2012/main" xmlns="" name="Office Theme" id="{62F939B6-93AF-4DB8-9C6B-D6C7DFDC589F}" vid="{4A3C46E8-61CC-4603-A589-7422A47A8E4A}"/>
+      <thm15:themeFamily xmlns="" xmlns:thm15="http://schemas.microsoft.com/office/thememl/2012/main" name="Office Theme" id="{62F939B6-93AF-4DB8-9C6B-D6C7DFDC589F}" vid="{4A3C46E8-61CC-4603-A589-7422A47A8E4A}"/>
     </a:ext>
   </a:extLst>
 </a:theme>
@@ -40998,7 +40998,7 @@
   <a:extraClrSchemeLst/>
   <a:extLst>
     <a:ext uri="{05A4C25C-085E-4340-85A3-A5531E510DB2}">
-      <thm15:themeFamily xmlns:thm15="http://schemas.microsoft.com/office/thememl/2012/main" xmlns="" name="Office Theme" id="{62F939B6-93AF-4DB8-9C6B-D6C7DFDC589F}" vid="{4A3C46E8-61CC-4603-A589-7422A47A8E4A}"/>
+      <thm15:themeFamily xmlns="" xmlns:thm15="http://schemas.microsoft.com/office/thememl/2012/main" name="Office Theme" id="{62F939B6-93AF-4DB8-9C6B-D6C7DFDC589F}" vid="{4A3C46E8-61CC-4603-A589-7422A47A8E4A}"/>
     </a:ext>
   </a:extLst>
 </a:theme>

--- a/Bai 8 Đánh giá kết quả  tìm kiếm_phần 2.pptx
+++ b/Bai 8 Đánh giá kết quả  tìm kiếm_phần 2.pptx
@@ -162,7 +162,7 @@
   </p:defaultTextStyle>
   <p:extLst>
     <p:ext uri="{EFAFB233-063F-42B5-8137-9DF3F51BA10A}">
-      <p15:sldGuideLst xmlns="" xmlns:p15="http://schemas.microsoft.com/office/powerpoint/2012/main">
+      <p15:sldGuideLst xmlns:p15="http://schemas.microsoft.com/office/powerpoint/2012/main" xmlns="">
         <p15:guide id="1" orient="horz" pos="2160">
           <p15:clr>
             <a:srgbClr val="A4A3A4"/>
@@ -24291,7 +24291,7 @@
           <a:graphicData uri="http://schemas.openxmlformats.org/presentationml/2006/ole">
             <mc:AlternateContent xmlns:mc="http://schemas.openxmlformats.org/markup-compatibility/2006">
               <mc:Choice xmlns:v="urn:schemas-microsoft-com:vml" Requires="v">
-                <p:oleObj spid="_x0000_s24925" name="Equation" r:id="rId4" imgW="3009900" imgH="482600" progId="Equation.3">
+                <p:oleObj spid="_x0000_s24929" name="Equation" r:id="rId4" imgW="3009900" imgH="482600" progId="Equation.3">
                   <p:embed/>
                 </p:oleObj>
               </mc:Choice>
@@ -24374,7 +24374,7 @@
           <a:graphicData uri="http://schemas.openxmlformats.org/presentationml/2006/ole">
             <mc:AlternateContent xmlns:mc="http://schemas.openxmlformats.org/markup-compatibility/2006">
               <mc:Choice xmlns:v="urn:schemas-microsoft-com:vml" Requires="v">
-                <p:oleObj spid="_x0000_s24926" name="Equation" r:id="rId6" imgW="3035300" imgH="482600" progId="Equation.3">
+                <p:oleObj spid="_x0000_s24930" name="Equation" r:id="rId6" imgW="3035300" imgH="482600" progId="Equation.3">
                   <p:embed/>
                 </p:oleObj>
               </mc:Choice>
@@ -24457,7 +24457,7 @@
           <a:graphicData uri="http://schemas.openxmlformats.org/presentationml/2006/ole">
             <mc:AlternateContent xmlns:mc="http://schemas.openxmlformats.org/markup-compatibility/2006">
               <mc:Choice xmlns:v="urn:schemas-microsoft-com:vml" Requires="v">
-                <p:oleObj spid="_x0000_s24927" name="Equation" r:id="rId8" imgW="3048000" imgH="482600" progId="Equation.3">
+                <p:oleObj spid="_x0000_s24931" name="Equation" r:id="rId8" imgW="3048000" imgH="482600" progId="Equation.3">
                   <p:embed/>
                 </p:oleObj>
               </mc:Choice>
@@ -24540,7 +24540,7 @@
           <a:graphicData uri="http://schemas.openxmlformats.org/presentationml/2006/ole">
             <mc:AlternateContent xmlns:mc="http://schemas.openxmlformats.org/markup-compatibility/2006">
               <mc:Choice xmlns:v="urn:schemas-microsoft-com:vml" Requires="v">
-                <p:oleObj spid="_x0000_s24928" name="Equation" r:id="rId10" imgW="1841500" imgH="228600" progId="Equation.3">
+                <p:oleObj spid="_x0000_s24932" name="Equation" r:id="rId10" imgW="1841500" imgH="228600" progId="Equation.3">
                   <p:embed/>
                 </p:oleObj>
               </mc:Choice>
@@ -34320,7 +34320,11 @@
           <a:p>
             <a:r>
               <a:rPr lang="en-US" altLang="ru-RU" smtClean="0"/>
-              <a:t>Bài tập</a:t>
+              <a:t>Bài </a:t>
+            </a:r>
+            <a:r>
+              <a:rPr lang="en-US" altLang="ru-RU" smtClean="0"/>
+              <a:t>tập 8.1</a:t>
             </a:r>
             <a:endParaRPr lang="vi-VN" altLang="ru-RU" smtClean="0"/>
           </a:p>
@@ -35050,12 +35054,16 @@
               <a:t>Bài </a:t>
             </a:r>
             <a:r>
-              <a:rPr lang="en-US" altLang="ru-RU" dirty="0" err="1" smtClean="0"/>
+              <a:rPr lang="en-US" altLang="ru-RU" err="1" smtClean="0"/>
               <a:t>tập</a:t>
             </a:r>
             <a:r>
-              <a:rPr lang="en-US" altLang="ru-RU" dirty="0" smtClean="0"/>
-              <a:t> 2</a:t>
+              <a:rPr lang="en-US" altLang="ru-RU" smtClean="0"/>
+              <a:t> </a:t>
+            </a:r>
+            <a:r>
+              <a:rPr lang="en-US" altLang="ru-RU" smtClean="0"/>
+              <a:t>8.2</a:t>
             </a:r>
             <a:endParaRPr lang="vi-VN" altLang="ru-RU" dirty="0" smtClean="0"/>
           </a:p>
@@ -36755,7 +36763,7 @@
           <a:graphicData uri="http://schemas.openxmlformats.org/presentationml/2006/ole">
             <mc:AlternateContent xmlns:mc="http://schemas.openxmlformats.org/markup-compatibility/2006">
               <mc:Choice xmlns:v="urn:schemas-microsoft-com:vml" Requires="v">
-                <p:oleObj spid="_x0000_s8414" name="Equation" r:id="rId3" imgW="736280" imgH="393529" progId="Equation.3">
+                <p:oleObj spid="_x0000_s8417" name="Equation" r:id="rId3" imgW="736280" imgH="393529" progId="Equation.3">
                   <p:embed/>
                 </p:oleObj>
               </mc:Choice>
@@ -36850,7 +36858,7 @@
           <a:graphicData uri="http://schemas.openxmlformats.org/presentationml/2006/ole">
             <mc:AlternateContent xmlns:mc="http://schemas.openxmlformats.org/markup-compatibility/2006">
               <mc:Choice xmlns:v="urn:schemas-microsoft-com:vml" Requires="v">
-                <p:oleObj spid="_x0000_s8415" name="Equation" r:id="rId5" imgW="1435100" imgH="444500" progId="Equation.3">
+                <p:oleObj spid="_x0000_s8418" name="Equation" r:id="rId5" imgW="1435100" imgH="444500" progId="Equation.3">
                   <p:embed/>
                 </p:oleObj>
               </mc:Choice>
@@ -36945,7 +36953,7 @@
           <a:graphicData uri="http://schemas.openxmlformats.org/presentationml/2006/ole">
             <mc:AlternateContent xmlns:mc="http://schemas.openxmlformats.org/markup-compatibility/2006">
               <mc:Choice xmlns:v="urn:schemas-microsoft-com:vml" Requires="v">
-                <p:oleObj spid="_x0000_s8416" name="Equation" r:id="rId7" imgW="1612900" imgH="431800" progId="Equation.3">
+                <p:oleObj spid="_x0000_s8419" name="Equation" r:id="rId7" imgW="1612900" imgH="431800" progId="Equation.3">
                   <p:embed/>
                 </p:oleObj>
               </mc:Choice>
@@ -40737,7 +40745,7 @@
   </a:extraClrSchemeLst>
   <a:extLst>
     <a:ext uri="{05A4C25C-085E-4340-85A3-A5531E510DB2}">
-      <thm15:themeFamily xmlns="" xmlns:thm15="http://schemas.microsoft.com/office/thememl/2012/main" name="Office Theme" id="{62F939B6-93AF-4DB8-9C6B-D6C7DFDC589F}" vid="{4A3C46E8-61CC-4603-A589-7422A47A8E4A}"/>
+      <thm15:themeFamily xmlns:thm15="http://schemas.microsoft.com/office/thememl/2012/main" xmlns="" name="Office Theme" id="{62F939B6-93AF-4DB8-9C6B-D6C7DFDC589F}" vid="{4A3C46E8-61CC-4603-A589-7422A47A8E4A}"/>
     </a:ext>
   </a:extLst>
 </a:theme>
@@ -40998,7 +41006,7 @@
   <a:extraClrSchemeLst/>
   <a:extLst>
     <a:ext uri="{05A4C25C-085E-4340-85A3-A5531E510DB2}">
-      <thm15:themeFamily xmlns="" xmlns:thm15="http://schemas.microsoft.com/office/thememl/2012/main" name="Office Theme" id="{62F939B6-93AF-4DB8-9C6B-D6C7DFDC589F}" vid="{4A3C46E8-61CC-4603-A589-7422A47A8E4A}"/>
+      <thm15:themeFamily xmlns:thm15="http://schemas.microsoft.com/office/thememl/2012/main" xmlns="" name="Office Theme" id="{62F939B6-93AF-4DB8-9C6B-D6C7DFDC589F}" vid="{4A3C46E8-61CC-4603-A589-7422A47A8E4A}"/>
     </a:ext>
   </a:extLst>
 </a:theme>

--- a/Bai 8 Đánh giá kết quả  tìm kiếm_phần 2.pptx
+++ b/Bai 8 Đánh giá kết quả  tìm kiếm_phần 2.pptx
@@ -162,7 +162,7 @@
   </p:defaultTextStyle>
   <p:extLst>
     <p:ext uri="{EFAFB233-063F-42B5-8137-9DF3F51BA10A}">
-      <p15:sldGuideLst xmlns:p15="http://schemas.microsoft.com/office/powerpoint/2012/main" xmlns="">
+      <p15:sldGuideLst xmlns="" xmlns:p15="http://schemas.microsoft.com/office/powerpoint/2012/main">
         <p15:guide id="1" orient="horz" pos="2160">
           <p15:clr>
             <a:srgbClr val="A4A3A4"/>
@@ -9567,11 +9567,11 @@
             <a:pPr algn="just" eaLnBrk="1" hangingPunct="1"/>
             <a:r>
               <a:rPr lang="en-US" altLang="ru-RU" sz="2800" dirty="0" err="1" smtClean="0"/>
-              <a:t>Chương</a:t>
+              <a:t>Bài</a:t>
             </a:r>
             <a:r>
               <a:rPr lang="en-US" altLang="ru-RU" sz="2800" dirty="0" smtClean="0"/>
-              <a:t> 7. </a:t>
+              <a:t> 8. </a:t>
             </a:r>
             <a:r>
               <a:rPr lang="en-US" altLang="ru-RU" sz="2800" dirty="0" err="1" smtClean="0"/>
@@ -9616,13 +9616,17 @@
             <a:r>
               <a:rPr lang="en-US" altLang="ru-RU" sz="2800" dirty="0" err="1" smtClean="0"/>
               <a:t>kiếm</a:t>
+            </a:r>
+            <a:r>
+              <a:rPr lang="en-US" altLang="ru-RU" sz="2800" dirty="0" smtClean="0"/>
+              <a:t> (2)</a:t>
             </a:r>
             <a:endParaRPr lang="en-US" altLang="ru-RU" sz="2800" dirty="0" smtClean="0"/>
           </a:p>
           <a:p>
             <a:pPr algn="just" eaLnBrk="1" hangingPunct="1"/>
             <a:r>
-              <a:rPr lang="en-US" sz="2800" smtClean="0"/>
+              <a:rPr lang="en-US" sz="2800" dirty="0" smtClean="0"/>
               <a:t>IIR.C8</a:t>
             </a:r>
             <a:r>
@@ -10425,15 +10429,7 @@
             </a:r>
             <a:r>
               <a:rPr lang="en-US" altLang="ru-RU" dirty="0" err="1" smtClean="0"/>
-              <a:t>mức</a:t>
-            </a:r>
-            <a:r>
-              <a:rPr lang="en-US" altLang="ru-RU" dirty="0" smtClean="0"/>
-              <a:t> </a:t>
-            </a:r>
-            <a:r>
-              <a:rPr lang="en-US" altLang="ru-RU" dirty="0" err="1" smtClean="0"/>
-              <a:t>hữu</a:t>
+              <a:t>lợi</a:t>
             </a:r>
             <a:r>
               <a:rPr lang="en-US" altLang="ru-RU" dirty="0" smtClean="0"/>
@@ -10463,8 +10459,8 @@
           </a:p>
         </p:txBody>
       </p:sp>
-      <mc:AlternateContent xmlns:mc="http://schemas.openxmlformats.org/markup-compatibility/2006" xmlns:a14="http://schemas.microsoft.com/office/drawing/2010/main">
-        <mc:Choice Requires="a14">
+      <mc:AlternateContent xmlns:mc="http://schemas.openxmlformats.org/markup-compatibility/2006">
+        <mc:Choice xmlns:a14="http://schemas.microsoft.com/office/drawing/2010/main" Requires="a14">
           <p:sp>
             <p:nvSpPr>
               <p:cNvPr id="16388" name="Rectangle 3"/>
@@ -10478,7 +10474,7 @@
             <p:spPr>
               <a:xfrm>
                 <a:off x="611560" y="1989138"/>
-                <a:ext cx="8303840" cy="2159942"/>
+                <a:ext cx="8303840" cy="3240062"/>
               </a:xfrm>
             </p:spPr>
             <p:txBody>
@@ -10487,82 +10483,146 @@
               <a:p>
                 <a:pPr eaLnBrk="1" hangingPunct="1"/>
                 <a:r>
-                  <a:rPr lang="en-US" altLang="ru-RU" dirty="0" smtClean="0"/>
+                  <a:rPr lang="vi-VN" altLang="ru-RU" sz="2400" dirty="0"/>
+                  <a:t>Kêt quả </a:t>
+                </a:r>
+                <a:r>
+                  <a:rPr lang="vi-VN" altLang="ru-RU" sz="2400" dirty="0" smtClean="0"/>
+                  <a:t>càng </a:t>
+                </a:r>
+                <a:r>
+                  <a:rPr lang="vi-VN" altLang="ru-RU" sz="2400" dirty="0"/>
+                  <a:t>xa vị trí đầu danh sách càng kém hữu ích</a:t>
+                </a:r>
+                <a:r>
+                  <a:rPr lang="en-US" altLang="ru-RU" sz="2400" dirty="0"/>
+                  <a:t> (</a:t>
+                </a:r>
+                <a:r>
+                  <a:rPr lang="en-US" altLang="ru-RU" sz="2400" dirty="0" err="1"/>
+                  <a:t>lợi</a:t>
+                </a:r>
+                <a:r>
+                  <a:rPr lang="en-US" altLang="ru-RU" sz="2400" dirty="0"/>
+                  <a:t> </a:t>
+                </a:r>
+                <a:r>
+                  <a:rPr lang="en-US" altLang="ru-RU" sz="2400" dirty="0" err="1"/>
+                  <a:t>ích</a:t>
+                </a:r>
+                <a:r>
+                  <a:rPr lang="en-US" altLang="ru-RU" sz="2400" dirty="0"/>
+                  <a:t> </a:t>
+                </a:r>
+                <a:r>
+                  <a:rPr lang="en-US" altLang="ru-RU" sz="2400" dirty="0" err="1"/>
+                  <a:t>bị</a:t>
+                </a:r>
+                <a:r>
+                  <a:rPr lang="en-US" altLang="ru-RU" sz="2400" dirty="0"/>
+                  <a:t> </a:t>
+                </a:r>
+                <a:r>
+                  <a:rPr lang="en-US" altLang="ru-RU" sz="2400" dirty="0" err="1"/>
+                  <a:t>thuyên</a:t>
+                </a:r>
+                <a:r>
+                  <a:rPr lang="en-US" altLang="ru-RU" sz="2400" dirty="0"/>
+                  <a:t> </a:t>
+                </a:r>
+                <a:r>
+                  <a:rPr lang="en-US" altLang="ru-RU" sz="2400" dirty="0" err="1"/>
+                  <a:t>giảm</a:t>
+                </a:r>
+                <a:r>
+                  <a:rPr lang="en-US" altLang="ru-RU" sz="2400" dirty="0"/>
+                  <a:t>)</a:t>
+                </a:r>
+                <a:r>
+                  <a:rPr lang="vi-VN" altLang="ru-RU" sz="2400" dirty="0" smtClean="0"/>
+                  <a:t>;</a:t>
+                </a:r>
+                <a:endParaRPr lang="en-US" altLang="ru-RU" sz="2400" dirty="0" smtClean="0"/>
+              </a:p>
+              <a:p>
+                <a:pPr eaLnBrk="1" hangingPunct="1"/>
+                <a:r>
+                  <a:rPr lang="en-US" altLang="ru-RU" sz="2400" dirty="0" smtClean="0"/>
                   <a:t>DCG </a:t>
                 </a:r>
                 <a:r>
-                  <a:rPr lang="en-US" altLang="ru-RU" dirty="0" err="1" smtClean="0"/>
+                  <a:rPr lang="en-US" altLang="ru-RU" sz="2400" dirty="0" err="1" smtClean="0"/>
                   <a:t>tại</a:t>
                 </a:r>
                 <a:r>
-                  <a:rPr lang="en-US" altLang="ru-RU" dirty="0" smtClean="0"/>
+                  <a:rPr lang="en-US" altLang="ru-RU" sz="2400" dirty="0" smtClean="0"/>
                   <a:t> </a:t>
                 </a:r>
                 <a:r>
-                  <a:rPr lang="en-US" altLang="ru-RU" dirty="0" err="1" smtClean="0"/>
+                  <a:rPr lang="en-US" altLang="ru-RU" sz="2400" dirty="0" err="1" smtClean="0"/>
                   <a:t>vị</a:t>
                 </a:r>
                 <a:r>
-                  <a:rPr lang="en-US" altLang="ru-RU" dirty="0" smtClean="0"/>
+                  <a:rPr lang="en-US" altLang="ru-RU" sz="2400" dirty="0" smtClean="0"/>
                   <a:t> </a:t>
                 </a:r>
                 <a:r>
-                  <a:rPr lang="en-US" altLang="ru-RU" dirty="0" err="1" smtClean="0"/>
+                  <a:rPr lang="en-US" altLang="ru-RU" sz="2400" dirty="0" err="1" smtClean="0"/>
                   <a:t>trí</a:t>
                 </a:r>
                 <a:r>
-                  <a:rPr lang="en-US" altLang="ru-RU" dirty="0" smtClean="0"/>
+                  <a:rPr lang="en-US" altLang="ru-RU" sz="2400" dirty="0" smtClean="0"/>
                   <a:t> n</a:t>
                 </a:r>
               </a:p>
               <a:p>
                 <a:pPr lvl="1" eaLnBrk="1" hangingPunct="1"/>
                 <a:r>
-                  <a:rPr lang="en-US" altLang="ru-RU" sz="2800" dirty="0" smtClean="0"/>
+                  <a:rPr lang="en-US" altLang="ru-RU" dirty="0" smtClean="0"/>
                   <a:t>DCG = rel</a:t>
                 </a:r>
                 <a:r>
-                  <a:rPr lang="en-US" altLang="ru-RU" sz="2800" baseline="-25000" dirty="0" smtClean="0"/>
+                  <a:rPr lang="en-US" altLang="ru-RU" baseline="-25000" dirty="0" smtClean="0"/>
                   <a:t>1</a:t>
                 </a:r>
                 <a:r>
-                  <a:rPr lang="en-US" altLang="ru-RU" sz="2800" dirty="0" smtClean="0"/>
+                  <a:rPr lang="en-US" altLang="ru-RU" dirty="0" smtClean="0"/>
                   <a:t> + rel</a:t>
                 </a:r>
                 <a:r>
-                  <a:rPr lang="en-US" altLang="ru-RU" sz="2800" baseline="-25000" dirty="0" smtClean="0"/>
+                  <a:rPr lang="en-US" altLang="ru-RU" baseline="-25000" dirty="0" smtClean="0"/>
                   <a:t>2</a:t>
                 </a:r>
                 <a:r>
-                  <a:rPr lang="en-US" altLang="ru-RU" sz="2800" dirty="0" smtClean="0"/>
+                  <a:rPr lang="en-US" altLang="ru-RU" dirty="0" smtClean="0"/>
                   <a:t>/log</a:t>
                 </a:r>
                 <a:r>
-                  <a:rPr lang="en-US" altLang="ru-RU" sz="2800" baseline="-25000" dirty="0" smtClean="0"/>
+                  <a:rPr lang="en-US" altLang="ru-RU" baseline="-25000" dirty="0" smtClean="0"/>
                   <a:t>2</a:t>
                 </a:r>
                 <a:r>
-                  <a:rPr lang="en-US" altLang="ru-RU" sz="2800" dirty="0" smtClean="0"/>
+                  <a:rPr lang="en-US" altLang="ru-RU" dirty="0" smtClean="0"/>
                   <a:t>2 + … </a:t>
                 </a:r>
                 <a:r>
-                  <a:rPr lang="en-US" altLang="ru-RU" sz="2800" dirty="0" err="1" smtClean="0"/>
+                  <a:rPr lang="en-US" altLang="ru-RU" dirty="0" err="1" smtClean="0"/>
                   <a:t>rel</a:t>
                 </a:r>
                 <a:r>
-                  <a:rPr lang="en-US" altLang="ru-RU" sz="2800" baseline="-25000" dirty="0" err="1" smtClean="0"/>
+                  <a:rPr lang="en-US" altLang="ru-RU" baseline="-25000" dirty="0" err="1" smtClean="0"/>
                   <a:t>n</a:t>
                 </a:r>
                 <a:r>
-                  <a:rPr lang="en-US" altLang="ru-RU" sz="2800" dirty="0" smtClean="0"/>
+                  <a:rPr lang="en-US" altLang="ru-RU" dirty="0" smtClean="0"/>
                   <a:t>/log</a:t>
                 </a:r>
                 <a:r>
-                  <a:rPr lang="en-US" altLang="ru-RU" sz="2800" baseline="-25000" dirty="0" smtClean="0"/>
+                  <a:rPr lang="en-US" altLang="ru-RU" baseline="-25000" dirty="0" smtClean="0"/>
                   <a:t>2</a:t>
                 </a:r>
                 <a:r>
-                  <a:rPr lang="en-US" altLang="ru-RU" sz="2800" dirty="0" smtClean="0"/>
+                  <a:rPr lang="en-US" altLang="ru-RU" dirty="0" smtClean="0"/>
                   <a:t>n</a:t>
                 </a:r>
               </a:p>
@@ -10577,14 +10637,14 @@
                     <m:sSub>
                       <m:sSubPr>
                         <m:ctrlPr>
-                          <a:rPr lang="en-US" sz="3200" b="0" i="1" smtClean="0">
+                          <a:rPr lang="en-US" b="0" i="1" smtClean="0">
                             <a:latin typeface="Cambria Math"/>
                           </a:rPr>
                         </m:ctrlPr>
                       </m:sSubPr>
                       <m:e>
                         <m:r>
-                          <a:rPr lang="en-US" sz="3200" b="0" i="1" smtClean="0">
+                          <a:rPr lang="en-US" b="0" i="1" smtClean="0">
                             <a:latin typeface="Cambria Math" panose="02040503050406030204" pitchFamily="18" charset="0"/>
                           </a:rPr>
                           <m:t>𝐷𝐶𝐺</m:t>
@@ -10592,7 +10652,7 @@
                       </m:e>
                       <m:sub>
                         <m:r>
-                          <a:rPr lang="en-US" sz="3200" b="0" i="1" smtClean="0">
+                          <a:rPr lang="en-US" b="0" i="1" smtClean="0">
                             <a:latin typeface="Cambria Math" panose="02040503050406030204" pitchFamily="18" charset="0"/>
                           </a:rPr>
                           <m:t>𝑝</m:t>
@@ -10600,7 +10660,7 @@
                       </m:sub>
                     </m:sSub>
                     <m:r>
-                      <a:rPr lang="en-US" sz="3200" b="0" i="1" smtClean="0">
+                      <a:rPr lang="en-US" b="0" i="1" smtClean="0">
                         <a:latin typeface="Cambria Math" panose="02040503050406030204" pitchFamily="18" charset="0"/>
                       </a:rPr>
                       <m:t>=</m:t>
@@ -10608,14 +10668,14 @@
                     <m:sSub>
                       <m:sSubPr>
                         <m:ctrlPr>
-                          <a:rPr lang="en-US" sz="3200" b="0" i="1" smtClean="0">
+                          <a:rPr lang="en-US" b="0" i="1" smtClean="0">
                             <a:latin typeface="Cambria Math"/>
                           </a:rPr>
                         </m:ctrlPr>
                       </m:sSubPr>
                       <m:e>
                         <m:r>
-                          <a:rPr lang="en-US" sz="3200" b="0" i="1" smtClean="0">
+                          <a:rPr lang="en-US" b="0" i="1" smtClean="0">
                             <a:latin typeface="Cambria Math" panose="02040503050406030204" pitchFamily="18" charset="0"/>
                           </a:rPr>
                           <m:t>𝑟𝑒𝑙</m:t>
@@ -10623,7 +10683,7 @@
                       </m:e>
                       <m:sub>
                         <m:r>
-                          <a:rPr lang="en-US" sz="3200" b="0" i="1" smtClean="0">
+                          <a:rPr lang="en-US" b="0" i="1" smtClean="0">
                             <a:latin typeface="Cambria Math" panose="02040503050406030204" pitchFamily="18" charset="0"/>
                           </a:rPr>
                           <m:t>1</m:t>
@@ -10631,7 +10691,7 @@
                       </m:sub>
                     </m:sSub>
                     <m:r>
-                      <a:rPr lang="en-US" sz="3200" b="0" i="1" smtClean="0">
+                      <a:rPr lang="en-US" b="0" i="1" smtClean="0">
                         <a:latin typeface="Cambria Math" panose="02040503050406030204" pitchFamily="18" charset="0"/>
                       </a:rPr>
                       <m:t>+</m:t>
@@ -10640,7 +10700,7 @@
                       <m:naryPr>
                         <m:chr m:val="∑"/>
                         <m:ctrlPr>
-                          <a:rPr lang="en-US" sz="3200" b="0" i="1" smtClean="0">
+                          <a:rPr lang="en-US" b="0" i="1" smtClean="0">
                             <a:latin typeface="Cambria Math"/>
                           </a:rPr>
                         </m:ctrlPr>
@@ -10650,21 +10710,27 @@
                           <m:rPr>
                             <m:brk m:alnAt="23"/>
                           </m:rPr>
-                          <a:rPr lang="en-US" sz="3200" b="0" i="1" smtClean="0">
+                          <a:rPr lang="en-US" b="0" i="1" smtClean="0">
                             <a:latin typeface="Cambria Math" panose="02040503050406030204" pitchFamily="18" charset="0"/>
                           </a:rPr>
                           <m:t>𝑖</m:t>
                         </m:r>
                         <m:r>
-                          <a:rPr lang="en-US" sz="3200" b="0" i="1" smtClean="0">
+                          <a:rPr lang="en-US" b="0" i="1" smtClean="0">
                             <a:latin typeface="Cambria Math" panose="02040503050406030204" pitchFamily="18" charset="0"/>
                           </a:rPr>
-                          <m:t>=2</m:t>
+                          <m:t>=</m:t>
+                        </m:r>
+                        <m:r>
+                          <a:rPr lang="en-US" b="0" i="1" smtClean="0">
+                            <a:latin typeface="Cambria Math" panose="02040503050406030204" pitchFamily="18" charset="0"/>
+                          </a:rPr>
+                          <m:t>2</m:t>
                         </m:r>
                       </m:sub>
                       <m:sup>
                         <m:r>
-                          <a:rPr lang="en-US" sz="3200" b="0" i="1" smtClean="0">
+                          <a:rPr lang="en-US" b="0" i="1" smtClean="0">
                             <a:latin typeface="Cambria Math" panose="02040503050406030204" pitchFamily="18" charset="0"/>
                           </a:rPr>
                           <m:t>𝑛</m:t>
@@ -10674,7 +10740,7 @@
                         <m:f>
                           <m:fPr>
                             <m:ctrlPr>
-                              <a:rPr lang="en-US" sz="3200" b="0" i="1" smtClean="0">
+                              <a:rPr lang="en-US" b="0" i="1" smtClean="0">
                                 <a:latin typeface="Cambria Math"/>
                               </a:rPr>
                             </m:ctrlPr>
@@ -10683,14 +10749,14 @@
                             <m:sSub>
                               <m:sSubPr>
                                 <m:ctrlPr>
-                                  <a:rPr lang="en-US" sz="3200" b="0" i="1" smtClean="0">
+                                  <a:rPr lang="en-US" b="0" i="1" smtClean="0">
                                     <a:latin typeface="Cambria Math"/>
                                   </a:rPr>
                                 </m:ctrlPr>
                               </m:sSubPr>
                               <m:e>
                                 <m:r>
-                                  <a:rPr lang="en-US" sz="3200" b="0" i="1" smtClean="0">
+                                  <a:rPr lang="en-US" b="0" i="1" smtClean="0">
                                     <a:latin typeface="Cambria Math" panose="02040503050406030204" pitchFamily="18" charset="0"/>
                                   </a:rPr>
                                   <m:t>𝑟𝑒𝑙</m:t>
@@ -10698,7 +10764,7 @@
                               </m:e>
                               <m:sub>
                                 <m:r>
-                                  <a:rPr lang="en-US" sz="3200" b="0" i="1" smtClean="0">
+                                  <a:rPr lang="en-US" b="0" i="1" smtClean="0">
                                     <a:latin typeface="Cambria Math" panose="02040503050406030204" pitchFamily="18" charset="0"/>
                                   </a:rPr>
                                   <m:t>𝑖</m:t>
@@ -10710,14 +10776,14 @@
                             <m:sSub>
                               <m:sSubPr>
                                 <m:ctrlPr>
-                                  <a:rPr lang="en-US" sz="3200" b="0" i="1" smtClean="0">
+                                  <a:rPr lang="en-US" b="0" i="1" smtClean="0">
                                     <a:latin typeface="Cambria Math"/>
                                   </a:rPr>
                                 </m:ctrlPr>
                               </m:sSubPr>
                               <m:e>
                                 <m:r>
-                                  <a:rPr lang="en-US" sz="3200" b="0" i="1" smtClean="0">
+                                  <a:rPr lang="en-US" b="0" i="1" smtClean="0">
                                     <a:latin typeface="Cambria Math" panose="02040503050406030204" pitchFamily="18" charset="0"/>
                                   </a:rPr>
                                   <m:t>𝑙𝑜𝑔</m:t>
@@ -10725,7 +10791,7 @@
                               </m:e>
                               <m:sub>
                                 <m:r>
-                                  <a:rPr lang="en-US" sz="3200" b="0" i="1" smtClean="0">
+                                  <a:rPr lang="en-US" b="0" i="1" smtClean="0">
                                     <a:latin typeface="Cambria Math" panose="02040503050406030204" pitchFamily="18" charset="0"/>
                                   </a:rPr>
                                   <m:t>2</m:t>
@@ -10733,7 +10799,7 @@
                               </m:sub>
                             </m:sSub>
                             <m:r>
-                              <a:rPr lang="en-US" sz="3200" b="0" i="1" smtClean="0">
+                              <a:rPr lang="en-US" b="0" i="1" smtClean="0">
                                 <a:latin typeface="Cambria Math" panose="02040503050406030204" pitchFamily="18" charset="0"/>
                               </a:rPr>
                               <m:t>𝑖</m:t>
@@ -10744,12 +10810,27 @@
                     </m:nary>
                   </m:oMath>
                 </a14:m>
-                <a:endParaRPr lang="en-US" altLang="ru-RU" dirty="0" smtClean="0"/>
+                <a:endParaRPr lang="en-US" altLang="ru-RU" sz="2400" dirty="0" smtClean="0">
+                  <a:solidFill>
+                    <a:schemeClr val="tx2"/>
+                  </a:solidFill>
+                </a:endParaRPr>
+              </a:p>
+              <a:p>
+                <a:pPr eaLnBrk="1" hangingPunct="1"/>
+                <a:r>
+                  <a:rPr lang="vi-VN" altLang="ru-RU" sz="2400" dirty="0" smtClean="0"/>
+                  <a:t>Có thể sử dụng hệ cơ số bất kỳ cho hàm log</a:t>
+                </a:r>
+              </a:p>
+              <a:p>
+                <a:pPr eaLnBrk="1" hangingPunct="1"/>
+                <a:endParaRPr lang="en-US" altLang="ru-RU" sz="2400" dirty="0" smtClean="0"/>
               </a:p>
             </p:txBody>
           </p:sp>
         </mc:Choice>
-        <mc:Fallback xmlns="">
+        <mc:Fallback>
           <p:sp>
             <p:nvSpPr>
               <p:cNvPr id="16388" name="Rectangle 3"/>
@@ -10763,12 +10844,12 @@
             <p:spPr>
               <a:xfrm>
                 <a:off x="611560" y="1989138"/>
-                <a:ext cx="8303840" cy="2159942"/>
+                <a:ext cx="8303840" cy="3240062"/>
               </a:xfrm>
               <a:blipFill rotWithShape="1">
                 <a:blip r:embed="rId3"/>
                 <a:stretch>
-                  <a:fillRect l="-293" t="-2817"/>
+                  <a:fillRect l="-73" t="-1504" b="-4323"/>
                 </a:stretch>
               </a:blipFill>
             </p:spPr>
@@ -10777,7 +10858,7 @@
               <a:lstStyle/>
               <a:p>
                 <a:r>
-                  <a:rPr lang="vi-VN">
+                  <a:rPr lang="en-US">
                     <a:noFill/>
                   </a:rPr>
                   <a:t> </a:t>
@@ -11008,7 +11089,7 @@
             </a:lvl9pPr>
           </a:lstStyle>
           <a:p>
-            <a:pPr algn="r">
+            <a:pPr algn="just">
               <a:spcBef>
                 <a:spcPct val="0"/>
               </a:spcBef>
@@ -11018,15 +11099,15 @@
               <a:buNone/>
             </a:pPr>
             <a:r>
-              <a:rPr lang="en-US" altLang="ru-RU" sz="2400" i="1" dirty="0" err="1">
+              <a:rPr lang="en-US" altLang="ru-RU" sz="2400" dirty="0" err="1" smtClean="0">
                 <a:solidFill>
                   <a:schemeClr val="tx2"/>
                 </a:solidFill>
               </a:rPr>
-              <a:t>Có</a:t>
-            </a:r>
-            <a:r>
-              <a:rPr lang="en-US" altLang="ru-RU" sz="2400" i="1" dirty="0">
+              <a:t>Thuật</a:t>
+            </a:r>
+            <a:r>
+              <a:rPr lang="en-US" altLang="ru-RU" sz="2400" dirty="0" smtClean="0">
                 <a:solidFill>
                   <a:schemeClr val="tx2"/>
                 </a:solidFill>
@@ -11034,172 +11115,20 @@
               <a:t> </a:t>
             </a:r>
             <a:r>
-              <a:rPr lang="en-US" altLang="ru-RU" sz="2400" i="1" dirty="0" err="1">
+              <a:rPr lang="en-US" altLang="ru-RU" sz="2400" dirty="0" err="1" smtClean="0">
                 <a:solidFill>
                   <a:schemeClr val="tx2"/>
                 </a:solidFill>
               </a:rPr>
-              <a:t>thể</a:t>
-            </a:r>
-            <a:r>
-              <a:rPr lang="en-US" altLang="ru-RU" sz="2400" i="1" dirty="0">
+              <a:t>ngữ</a:t>
+            </a:r>
+            <a:r>
+              <a:rPr lang="en-US" altLang="ru-RU" sz="2400" dirty="0" smtClean="0">
                 <a:solidFill>
                   <a:schemeClr val="tx2"/>
                 </a:solidFill>
               </a:rPr>
-              <a:t> </a:t>
-            </a:r>
-            <a:r>
-              <a:rPr lang="en-US" altLang="ru-RU" sz="2400" i="1" dirty="0" err="1">
-                <a:solidFill>
-                  <a:schemeClr val="tx2"/>
-                </a:solidFill>
-              </a:rPr>
-              <a:t>sử</a:t>
-            </a:r>
-            <a:r>
-              <a:rPr lang="en-US" altLang="ru-RU" sz="2400" i="1" dirty="0">
-                <a:solidFill>
-                  <a:schemeClr val="tx2"/>
-                </a:solidFill>
-              </a:rPr>
-              <a:t> </a:t>
-            </a:r>
-            <a:r>
-              <a:rPr lang="en-US" altLang="ru-RU" sz="2400" i="1" dirty="0" err="1">
-                <a:solidFill>
-                  <a:schemeClr val="tx2"/>
-                </a:solidFill>
-              </a:rPr>
-              <a:t>dụng</a:t>
-            </a:r>
-            <a:r>
-              <a:rPr lang="en-US" altLang="ru-RU" sz="2400" i="1" dirty="0">
-                <a:solidFill>
-                  <a:schemeClr val="tx2"/>
-                </a:solidFill>
-              </a:rPr>
-              <a:t> </a:t>
-            </a:r>
-            <a:r>
-              <a:rPr lang="en-US" altLang="ru-RU" sz="2400" i="1" dirty="0" err="1">
-                <a:solidFill>
-                  <a:schemeClr val="tx2"/>
-                </a:solidFill>
-              </a:rPr>
-              <a:t>hệ</a:t>
-            </a:r>
-            <a:r>
-              <a:rPr lang="en-US" altLang="ru-RU" sz="2400" i="1" dirty="0">
-                <a:solidFill>
-                  <a:schemeClr val="tx2"/>
-                </a:solidFill>
-              </a:rPr>
-              <a:t> </a:t>
-            </a:r>
-            <a:r>
-              <a:rPr lang="en-US" altLang="ru-RU" sz="2400" i="1" dirty="0" err="1">
-                <a:solidFill>
-                  <a:schemeClr val="tx2"/>
-                </a:solidFill>
-              </a:rPr>
-              <a:t>cơ</a:t>
-            </a:r>
-            <a:r>
-              <a:rPr lang="en-US" altLang="ru-RU" sz="2400" i="1" dirty="0">
-                <a:solidFill>
-                  <a:schemeClr val="tx2"/>
-                </a:solidFill>
-              </a:rPr>
-              <a:t> </a:t>
-            </a:r>
-            <a:r>
-              <a:rPr lang="en-US" altLang="ru-RU" sz="2400" i="1" dirty="0" err="1">
-                <a:solidFill>
-                  <a:schemeClr val="tx2"/>
-                </a:solidFill>
-              </a:rPr>
-              <a:t>số</a:t>
-            </a:r>
-            <a:r>
-              <a:rPr lang="en-US" altLang="ru-RU" sz="2400" i="1" dirty="0">
-                <a:solidFill>
-                  <a:schemeClr val="tx2"/>
-                </a:solidFill>
-              </a:rPr>
-              <a:t> </a:t>
-            </a:r>
-            <a:r>
-              <a:rPr lang="en-US" altLang="ru-RU" sz="2400" i="1" dirty="0" err="1">
-                <a:solidFill>
-                  <a:schemeClr val="tx2"/>
-                </a:solidFill>
-              </a:rPr>
-              <a:t>bất</a:t>
-            </a:r>
-            <a:r>
-              <a:rPr lang="en-US" altLang="ru-RU" sz="2400" i="1" dirty="0">
-                <a:solidFill>
-                  <a:schemeClr val="tx2"/>
-                </a:solidFill>
-              </a:rPr>
-              <a:t> </a:t>
-            </a:r>
-            <a:r>
-              <a:rPr lang="en-US" altLang="ru-RU" sz="2400" i="1" dirty="0" err="1">
-                <a:solidFill>
-                  <a:schemeClr val="tx2"/>
-                </a:solidFill>
-              </a:rPr>
-              <a:t>kỳ</a:t>
-            </a:r>
-            <a:r>
-              <a:rPr lang="en-US" altLang="ru-RU" sz="2400" i="1" dirty="0">
-                <a:solidFill>
-                  <a:schemeClr val="tx2"/>
-                </a:solidFill>
-              </a:rPr>
-              <a:t> </a:t>
-            </a:r>
-            <a:r>
-              <a:rPr lang="en-US" altLang="ru-RU" sz="2400" i="1" dirty="0" err="1">
-                <a:solidFill>
-                  <a:schemeClr val="tx2"/>
-                </a:solidFill>
-              </a:rPr>
-              <a:t>cho</a:t>
-            </a:r>
-            <a:r>
-              <a:rPr lang="en-US" altLang="ru-RU" sz="2400" i="1" dirty="0">
-                <a:solidFill>
-                  <a:schemeClr val="tx2"/>
-                </a:solidFill>
-              </a:rPr>
-              <a:t> </a:t>
-            </a:r>
-            <a:r>
-              <a:rPr lang="en-US" altLang="ru-RU" sz="2400" i="1" dirty="0" err="1">
-                <a:solidFill>
-                  <a:schemeClr val="tx2"/>
-                </a:solidFill>
-              </a:rPr>
-              <a:t>hàm</a:t>
-            </a:r>
-            <a:r>
-              <a:rPr lang="en-US" altLang="ru-RU" sz="2400" i="1" dirty="0">
-                <a:solidFill>
-                  <a:schemeClr val="tx2"/>
-                </a:solidFill>
-              </a:rPr>
-              <a:t> </a:t>
-            </a:r>
-            <a:r>
-              <a:rPr lang="en-US" altLang="ru-RU" sz="2400" i="1" dirty="0" smtClean="0">
-                <a:solidFill>
-                  <a:schemeClr val="tx2"/>
-                </a:solidFill>
-              </a:rPr>
-              <a:t>log</a:t>
+              <a:t>:</a:t>
             </a:r>
           </a:p>
           <a:p>
@@ -11213,6 +11142,14 @@
               <a:buNone/>
             </a:pPr>
             <a:r>
+              <a:rPr lang="en-US" altLang="ru-RU" sz="2400" dirty="0" smtClean="0">
+                <a:solidFill>
+                  <a:schemeClr val="tx2"/>
+                </a:solidFill>
+              </a:rPr>
+              <a:t>	</a:t>
+            </a:r>
+            <a:r>
               <a:rPr lang="en-US" altLang="ru-RU" sz="2400" dirty="0" err="1" smtClean="0">
                 <a:solidFill>
                   <a:schemeClr val="tx2"/>
@@ -11234,7 +11171,7 @@
                   <a:schemeClr val="tx2"/>
                 </a:solidFill>
               </a:rPr>
-              <a:t>mức</a:t>
+              <a:t>lợi</a:t>
             </a:r>
             <a:r>
               <a:rPr lang="en-US" altLang="ru-RU" sz="2400" dirty="0" smtClean="0">
@@ -11250,7 +11187,7 @@
                   <a:schemeClr val="tx2"/>
                 </a:solidFill>
               </a:rPr>
-              <a:t>lợi</a:t>
+              <a:t>ích</a:t>
             </a:r>
             <a:r>
               <a:rPr lang="en-US" altLang="ru-RU" sz="2400" dirty="0" smtClean="0">
@@ -11266,7 +11203,7 @@
                   <a:schemeClr val="tx2"/>
                 </a:solidFill>
               </a:rPr>
-              <a:t>ích</a:t>
+              <a:t>thuyên</a:t>
             </a:r>
             <a:r>
               <a:rPr lang="en-US" altLang="ru-RU" sz="2400" dirty="0" smtClean="0">
@@ -11282,7 +11219,7 @@
                   <a:schemeClr val="tx2"/>
                 </a:solidFill>
               </a:rPr>
-              <a:t>thuyên</a:t>
+              <a:t>giảm</a:t>
             </a:r>
             <a:r>
               <a:rPr lang="en-US" altLang="ru-RU" sz="2400" dirty="0" smtClean="0">
@@ -11290,15 +11227,26 @@
                   <a:schemeClr val="tx2"/>
                 </a:solidFill>
               </a:rPr>
-              <a:t> </a:t>
-            </a:r>
-            <a:r>
-              <a:rPr lang="en-US" altLang="ru-RU" sz="2400" dirty="0" err="1" smtClean="0">
+              <a:t>:</a:t>
+            </a:r>
+          </a:p>
+          <a:p>
+            <a:pPr algn="just">
+              <a:spcBef>
+                <a:spcPct val="0"/>
+              </a:spcBef>
+              <a:buClrTx/>
+              <a:buSzTx/>
+              <a:buFontTx/>
+              <a:buNone/>
+            </a:pPr>
+            <a:r>
+              <a:rPr lang="en-US" altLang="ru-RU" sz="2400" dirty="0">
                 <a:solidFill>
                   <a:schemeClr val="tx2"/>
                 </a:solidFill>
               </a:rPr>
-              <a:t>giảm</a:t>
+              <a:t>	</a:t>
             </a:r>
             <a:r>
               <a:rPr lang="en-US" altLang="ru-RU" sz="2400" dirty="0" smtClean="0">
@@ -11306,7 +11254,7 @@
                   <a:schemeClr val="tx2"/>
                 </a:solidFill>
               </a:rPr>
-              <a:t>: </a:t>
+              <a:t>DCG: </a:t>
             </a:r>
             <a:r>
               <a:rPr lang="en-US" altLang="ru-RU" sz="2400" dirty="0">
@@ -11314,7 +11262,7 @@
                   <a:schemeClr val="tx2"/>
                 </a:solidFill>
               </a:rPr>
-              <a:t>DCG – Discounted </a:t>
+              <a:t>Discounted </a:t>
             </a:r>
             <a:r>
               <a:rPr lang="en-US" altLang="ru-RU" sz="2400" dirty="0" smtClean="0">
@@ -11621,7 +11569,7 @@
             </a:r>
             <a:r>
               <a:rPr lang="en-US" altLang="ru-RU" dirty="0" err="1" smtClean="0"/>
-              <a:t>giảm</a:t>
+              <a:t>khấu</a:t>
             </a:r>
             <a:r>
               <a:rPr lang="en-US" altLang="ru-RU" dirty="0" smtClean="0"/>
@@ -11629,7 +11577,7 @@
             </a:r>
             <a:r>
               <a:rPr lang="en-US" altLang="ru-RU" dirty="0" err="1" smtClean="0"/>
-              <a:t>giá</a:t>
+              <a:t>trừ</a:t>
             </a:r>
             <a:r>
               <a:rPr lang="en-US" altLang="ru-RU" dirty="0" smtClean="0"/>
@@ -11637,7 +11585,31 @@
             </a:r>
             <a:r>
               <a:rPr lang="en-US" altLang="ru-RU" dirty="0" err="1" smtClean="0"/>
+              <a:t>giá</a:t>
+            </a:r>
+            <a:r>
+              <a:rPr lang="en-US" altLang="ru-RU" dirty="0" smtClean="0"/>
+              <a:t> </a:t>
+            </a:r>
+            <a:r>
+              <a:rPr lang="en-US" altLang="ru-RU" dirty="0" err="1" smtClean="0"/>
               <a:t>trị</a:t>
+            </a:r>
+            <a:r>
+              <a:rPr lang="en-US" altLang="ru-RU" dirty="0" smtClean="0"/>
+              <a:t> </a:t>
+            </a:r>
+            <a:r>
+              <a:rPr lang="en-US" altLang="ru-RU" dirty="0" err="1" smtClean="0"/>
+              <a:t>lợi</a:t>
+            </a:r>
+            <a:r>
+              <a:rPr lang="en-US" altLang="ru-RU" dirty="0" smtClean="0"/>
+              <a:t> </a:t>
+            </a:r>
+            <a:r>
+              <a:rPr lang="en-US" altLang="ru-RU" dirty="0" err="1" smtClean="0"/>
+              <a:t>ích</a:t>
             </a:r>
             <a:r>
               <a:rPr lang="en-US" altLang="ru-RU" dirty="0" smtClean="0"/>
@@ -12060,23 +12032,7 @@
                   <a:schemeClr val="tx2"/>
                 </a:solidFill>
               </a:rPr>
-              <a:t>mức</a:t>
-            </a:r>
-            <a:r>
-              <a:rPr lang="en-US" altLang="ru-RU" sz="3600" dirty="0" smtClean="0">
-                <a:solidFill>
-                  <a:schemeClr val="tx2"/>
-                </a:solidFill>
-              </a:rPr>
-              <a:t> </a:t>
-            </a:r>
-            <a:r>
-              <a:rPr lang="en-US" altLang="ru-RU" sz="3600" dirty="0" err="1" smtClean="0">
-                <a:solidFill>
-                  <a:schemeClr val="tx2"/>
-                </a:solidFill>
-              </a:rPr>
-              <a:t>hữu</a:t>
+              <a:t>lợi</a:t>
             </a:r>
             <a:r>
               <a:rPr lang="en-US" altLang="ru-RU" sz="3600" dirty="0" smtClean="0">
@@ -12905,360 +12861,29 @@
           <a:p>
             <a:pPr algn="just" eaLnBrk="1" hangingPunct="1"/>
             <a:r>
-              <a:rPr lang="en-US" altLang="ru-RU" dirty="0" smtClean="0"/>
-              <a:t>NDCG: </a:t>
-            </a:r>
-            <a:r>
-              <a:rPr lang="en-US" altLang="ru-RU" dirty="0" err="1" smtClean="0"/>
-              <a:t>là</a:t>
-            </a:r>
-            <a:r>
-              <a:rPr lang="en-US" altLang="ru-RU" dirty="0" smtClean="0"/>
-              <a:t> </a:t>
-            </a:r>
-            <a:r>
-              <a:rPr lang="en-US" altLang="ru-RU" dirty="0" err="1" smtClean="0"/>
-              <a:t>giá</a:t>
-            </a:r>
-            <a:r>
-              <a:rPr lang="en-US" altLang="ru-RU" dirty="0" smtClean="0"/>
-              <a:t> </a:t>
-            </a:r>
-            <a:r>
-              <a:rPr lang="en-US" altLang="ru-RU" dirty="0" err="1" smtClean="0"/>
-              <a:t>trị</a:t>
-            </a:r>
-            <a:r>
-              <a:rPr lang="en-US" altLang="ru-RU" dirty="0" smtClean="0"/>
-              <a:t> </a:t>
-            </a:r>
-            <a:r>
-              <a:rPr lang="en-US" altLang="ru-RU" dirty="0" err="1" smtClean="0"/>
-              <a:t>chuẩn</a:t>
-            </a:r>
-            <a:r>
-              <a:rPr lang="en-US" altLang="ru-RU" dirty="0" smtClean="0"/>
-              <a:t> </a:t>
-            </a:r>
-            <a:r>
-              <a:rPr lang="en-US" altLang="ru-RU" dirty="0" err="1" smtClean="0"/>
-              <a:t>hóa</a:t>
-            </a:r>
-            <a:r>
-              <a:rPr lang="en-US" altLang="ru-RU" dirty="0" smtClean="0"/>
-              <a:t> DCG </a:t>
-            </a:r>
-            <a:r>
-              <a:rPr lang="en-US" altLang="ru-RU" dirty="0" err="1" smtClean="0"/>
-              <a:t>bằng</a:t>
-            </a:r>
-            <a:r>
-              <a:rPr lang="en-US" altLang="ru-RU" dirty="0" smtClean="0"/>
-              <a:t> </a:t>
-            </a:r>
-            <a:r>
-              <a:rPr lang="en-US" altLang="ru-RU" dirty="0" err="1" smtClean="0"/>
-              <a:t>cách</a:t>
-            </a:r>
-            <a:r>
-              <a:rPr lang="en-US" altLang="ru-RU" dirty="0" smtClean="0"/>
-              <a:t> chia </a:t>
-            </a:r>
-            <a:r>
-              <a:rPr lang="en-US" altLang="ru-RU" dirty="0" err="1" smtClean="0"/>
-              <a:t>cho</a:t>
-            </a:r>
-            <a:r>
-              <a:rPr lang="en-US" altLang="ru-RU" dirty="0" smtClean="0"/>
-              <a:t> DCG </a:t>
-            </a:r>
-            <a:r>
-              <a:rPr lang="en-US" altLang="ru-RU" dirty="0" err="1" smtClean="0"/>
-              <a:t>của</a:t>
-            </a:r>
-            <a:r>
-              <a:rPr lang="en-US" altLang="ru-RU" dirty="0" smtClean="0"/>
-              <a:t> </a:t>
-            </a:r>
-            <a:r>
-              <a:rPr lang="en-US" altLang="ru-RU" dirty="0" err="1" smtClean="0"/>
-              <a:t>xếp</a:t>
-            </a:r>
-            <a:r>
-              <a:rPr lang="en-US" altLang="ru-RU" dirty="0" smtClean="0"/>
-              <a:t> </a:t>
-            </a:r>
-            <a:r>
-              <a:rPr lang="en-US" altLang="ru-RU" dirty="0" err="1" smtClean="0"/>
-              <a:t>hạng</a:t>
-            </a:r>
-            <a:r>
-              <a:rPr lang="en-US" altLang="ru-RU" dirty="0" smtClean="0"/>
-              <a:t> </a:t>
-            </a:r>
-            <a:r>
-              <a:rPr lang="en-US" altLang="ru-RU" dirty="0" err="1" smtClean="0"/>
-              <a:t>mẫu</a:t>
-            </a:r>
-            <a:r>
-              <a:rPr lang="en-US" altLang="ru-RU" dirty="0" smtClean="0"/>
-              <a:t>.</a:t>
+              <a:rPr lang="vi-VN" altLang="ru-RU" dirty="0" smtClean="0"/>
+              <a:t>NDCG: là giá trị chuẩn hóa bằng cách chia DCG của tập kết quả cho DCG của xếp hạng mẫu.</a:t>
             </a:r>
           </a:p>
           <a:p>
             <a:pPr lvl="1" algn="just" eaLnBrk="1" hangingPunct="1"/>
             <a:r>
-              <a:rPr lang="en-US" altLang="ru-RU" dirty="0" err="1" smtClean="0"/>
-              <a:t>Xếp</a:t>
-            </a:r>
-            <a:r>
-              <a:rPr lang="en-US" altLang="ru-RU" dirty="0" smtClean="0"/>
-              <a:t> </a:t>
-            </a:r>
-            <a:r>
-              <a:rPr lang="en-US" altLang="ru-RU" dirty="0" err="1" smtClean="0"/>
-              <a:t>hạng</a:t>
-            </a:r>
-            <a:r>
-              <a:rPr lang="en-US" altLang="ru-RU" dirty="0" smtClean="0"/>
-              <a:t> </a:t>
-            </a:r>
-            <a:r>
-              <a:rPr lang="en-US" altLang="ru-RU" dirty="0" err="1" smtClean="0"/>
-              <a:t>mẫu</a:t>
-            </a:r>
-            <a:r>
-              <a:rPr lang="en-US" altLang="ru-RU" dirty="0" smtClean="0"/>
-              <a:t> </a:t>
-            </a:r>
-            <a:r>
-              <a:rPr lang="en-US" altLang="ru-RU" dirty="0" err="1" smtClean="0"/>
-              <a:t>là</a:t>
-            </a:r>
-            <a:r>
-              <a:rPr lang="en-US" altLang="ru-RU" dirty="0" smtClean="0"/>
-              <a:t> </a:t>
-            </a:r>
-            <a:r>
-              <a:rPr lang="en-US" altLang="ru-RU" dirty="0" err="1" smtClean="0"/>
-              <a:t>thứ</a:t>
-            </a:r>
-            <a:r>
-              <a:rPr lang="en-US" altLang="ru-RU" dirty="0" smtClean="0"/>
-              <a:t> </a:t>
-            </a:r>
-            <a:r>
-              <a:rPr lang="en-US" altLang="ru-RU" dirty="0" err="1" smtClean="0"/>
-              <a:t>tự</a:t>
-            </a:r>
-            <a:r>
-              <a:rPr lang="en-US" altLang="ru-RU" dirty="0" smtClean="0"/>
-              <a:t> </a:t>
-            </a:r>
-            <a:r>
-              <a:rPr lang="en-US" altLang="ru-RU" dirty="0" err="1" smtClean="0"/>
-              <a:t>giảm</a:t>
-            </a:r>
-            <a:r>
-              <a:rPr lang="en-US" altLang="ru-RU" dirty="0" smtClean="0"/>
-              <a:t> </a:t>
-            </a:r>
-            <a:r>
-              <a:rPr lang="en-US" altLang="ru-RU" dirty="0" err="1" smtClean="0"/>
-              <a:t>dần</a:t>
-            </a:r>
-            <a:r>
-              <a:rPr lang="en-US" altLang="ru-RU" dirty="0" smtClean="0"/>
-              <a:t> </a:t>
-            </a:r>
-            <a:r>
-              <a:rPr lang="en-US" altLang="ru-RU" dirty="0" err="1" smtClean="0"/>
-              <a:t>mức</a:t>
-            </a:r>
-            <a:r>
-              <a:rPr lang="en-US" altLang="ru-RU" dirty="0" smtClean="0"/>
-              <a:t> </a:t>
-            </a:r>
-            <a:r>
-              <a:rPr lang="en-US" altLang="ru-RU" dirty="0" err="1" smtClean="0"/>
-              <a:t>phù</a:t>
-            </a:r>
-            <a:r>
-              <a:rPr lang="en-US" altLang="ru-RU" dirty="0" smtClean="0"/>
-              <a:t> </a:t>
-            </a:r>
-            <a:r>
-              <a:rPr lang="en-US" altLang="ru-RU" dirty="0" err="1" smtClean="0"/>
-              <a:t>hợp</a:t>
-            </a:r>
-            <a:r>
-              <a:rPr lang="en-US" altLang="ru-RU" dirty="0" smtClean="0"/>
-              <a:t>.</a:t>
-            </a:r>
+              <a:rPr lang="vi-VN" altLang="ru-RU" dirty="0" smtClean="0"/>
+              <a:t>Xếp hạng mẫu là thứ tự giảm dần mức phù hợp của văn bản</a:t>
+            </a:r>
+            <a:r>
+              <a:rPr lang="vi-VN" altLang="ru-RU" dirty="0" smtClean="0"/>
+              <a:t>;</a:t>
+            </a:r>
+            <a:endParaRPr lang="vi-VN" altLang="ru-RU" dirty="0" smtClean="0"/>
           </a:p>
           <a:p>
             <a:pPr lvl="1" algn="just" eaLnBrk="1" hangingPunct="1"/>
             <a:r>
-              <a:rPr lang="en-US" altLang="ru-RU" dirty="0" err="1" smtClean="0"/>
-              <a:t>Giá</a:t>
-            </a:r>
-            <a:r>
-              <a:rPr lang="en-US" altLang="ru-RU" dirty="0" smtClean="0"/>
-              <a:t> </a:t>
-            </a:r>
-            <a:r>
-              <a:rPr lang="en-US" altLang="ru-RU" dirty="0" err="1" smtClean="0"/>
-              <a:t>trị</a:t>
-            </a:r>
-            <a:r>
-              <a:rPr lang="en-US" altLang="ru-RU" dirty="0" smtClean="0"/>
-              <a:t> </a:t>
-            </a:r>
-            <a:r>
-              <a:rPr lang="en-US" altLang="ru-RU" dirty="0" err="1" smtClean="0"/>
-              <a:t>chuẩn</a:t>
-            </a:r>
-            <a:r>
-              <a:rPr lang="en-US" altLang="ru-RU" dirty="0" smtClean="0"/>
-              <a:t> </a:t>
-            </a:r>
-            <a:r>
-              <a:rPr lang="en-US" altLang="ru-RU" dirty="0" err="1" smtClean="0"/>
-              <a:t>hóa</a:t>
-            </a:r>
-            <a:r>
-              <a:rPr lang="en-US" altLang="ru-RU" dirty="0" smtClean="0"/>
-              <a:t> </a:t>
-            </a:r>
-            <a:r>
-              <a:rPr lang="en-US" altLang="ru-RU" dirty="0" err="1" smtClean="0"/>
-              <a:t>thích</a:t>
-            </a:r>
-            <a:r>
-              <a:rPr lang="en-US" altLang="ru-RU" dirty="0" smtClean="0"/>
-              <a:t> </a:t>
-            </a:r>
-            <a:r>
-              <a:rPr lang="en-US" altLang="ru-RU" dirty="0" err="1" smtClean="0"/>
-              <a:t>hợp</a:t>
-            </a:r>
-            <a:r>
-              <a:rPr lang="en-US" altLang="ru-RU" dirty="0" smtClean="0"/>
-              <a:t> </a:t>
-            </a:r>
-            <a:r>
-              <a:rPr lang="en-US" altLang="ru-RU" dirty="0" err="1" smtClean="0"/>
-              <a:t>để</a:t>
-            </a:r>
-            <a:r>
-              <a:rPr lang="en-US" altLang="ru-RU" dirty="0" smtClean="0"/>
-              <a:t> so </a:t>
-            </a:r>
-            <a:r>
-              <a:rPr lang="en-US" altLang="ru-RU" dirty="0" err="1" smtClean="0"/>
-              <a:t>sánh</a:t>
-            </a:r>
-            <a:r>
-              <a:rPr lang="en-US" altLang="ru-RU" dirty="0" smtClean="0"/>
-              <a:t> </a:t>
-            </a:r>
-            <a:r>
-              <a:rPr lang="en-US" altLang="ru-RU" dirty="0" err="1" smtClean="0"/>
-              <a:t>những</a:t>
-            </a:r>
-            <a:r>
-              <a:rPr lang="en-US" altLang="ru-RU" dirty="0" smtClean="0"/>
-              <a:t> </a:t>
-            </a:r>
-            <a:r>
-              <a:rPr lang="en-US" altLang="ru-RU" dirty="0" err="1" smtClean="0"/>
-              <a:t>xếp</a:t>
-            </a:r>
-            <a:r>
-              <a:rPr lang="en-US" altLang="ru-RU" dirty="0" smtClean="0"/>
-              <a:t> </a:t>
-            </a:r>
-            <a:r>
-              <a:rPr lang="en-US" altLang="ru-RU" dirty="0" err="1" smtClean="0"/>
-              <a:t>hạng</a:t>
-            </a:r>
-            <a:r>
-              <a:rPr lang="en-US" altLang="ru-RU" dirty="0" smtClean="0"/>
-              <a:t> </a:t>
-            </a:r>
-            <a:r>
-              <a:rPr lang="en-US" altLang="ru-RU" dirty="0" err="1" smtClean="0"/>
-              <a:t>có</a:t>
-            </a:r>
-            <a:r>
-              <a:rPr lang="en-US" altLang="ru-RU" dirty="0" smtClean="0"/>
-              <a:t> </a:t>
-            </a:r>
-            <a:r>
-              <a:rPr lang="en-US" altLang="ru-RU" dirty="0" err="1" smtClean="0"/>
-              <a:t>số</a:t>
-            </a:r>
-            <a:r>
-              <a:rPr lang="en-US" altLang="ru-RU" dirty="0" smtClean="0"/>
-              <a:t> </a:t>
-            </a:r>
-            <a:r>
-              <a:rPr lang="en-US" altLang="ru-RU" dirty="0" err="1" smtClean="0"/>
-              <a:t>lượng</a:t>
-            </a:r>
-            <a:r>
-              <a:rPr lang="en-US" altLang="ru-RU" dirty="0" smtClean="0"/>
-              <a:t> </a:t>
-            </a:r>
-            <a:r>
-              <a:rPr lang="en-US" altLang="ru-RU" dirty="0" err="1" smtClean="0"/>
-              <a:t>văn</a:t>
-            </a:r>
-            <a:r>
-              <a:rPr lang="en-US" altLang="ru-RU" dirty="0" smtClean="0"/>
-              <a:t> </a:t>
-            </a:r>
-            <a:r>
-              <a:rPr lang="en-US" altLang="ru-RU" dirty="0" err="1" smtClean="0"/>
-              <a:t>bản</a:t>
-            </a:r>
-            <a:r>
-              <a:rPr lang="en-US" altLang="ru-RU" dirty="0" smtClean="0"/>
-              <a:t> </a:t>
-            </a:r>
-            <a:r>
-              <a:rPr lang="en-US" altLang="ru-RU" dirty="0" err="1" smtClean="0"/>
-              <a:t>phù</a:t>
-            </a:r>
-            <a:r>
-              <a:rPr lang="en-US" altLang="ru-RU" dirty="0" smtClean="0"/>
-              <a:t> </a:t>
-            </a:r>
-            <a:r>
-              <a:rPr lang="en-US" altLang="ru-RU" dirty="0" err="1" smtClean="0"/>
-              <a:t>hợp</a:t>
-            </a:r>
-            <a:r>
-              <a:rPr lang="en-US" altLang="ru-RU" dirty="0" smtClean="0"/>
-              <a:t> </a:t>
-            </a:r>
-            <a:r>
-              <a:rPr lang="en-US" altLang="ru-RU" dirty="0" err="1" smtClean="0"/>
-              <a:t>khác</a:t>
-            </a:r>
-            <a:r>
-              <a:rPr lang="en-US" altLang="ru-RU" dirty="0" smtClean="0"/>
-              <a:t> </a:t>
-            </a:r>
-            <a:r>
-              <a:rPr lang="en-US" altLang="ru-RU" dirty="0" err="1" smtClean="0"/>
-              <a:t>nhau</a:t>
-            </a:r>
-            <a:r>
-              <a:rPr lang="en-US" altLang="ru-RU" dirty="0" smtClean="0"/>
-              <a:t>.</a:t>
-            </a:r>
-            <a:endParaRPr lang="en-US" altLang="ru-RU" sz="2000" dirty="0" smtClean="0"/>
+              <a:rPr lang="vi-VN" altLang="ru-RU" dirty="0" smtClean="0"/>
+              <a:t>Giá trị chuẩn hóa thích hợp để so sánh những kết quả có số lượng văn bản phù hợp khác nhau.</a:t>
+            </a:r>
+            <a:endParaRPr lang="vi-VN" altLang="ru-RU" sz="2000" dirty="0" smtClean="0"/>
           </a:p>
         </p:txBody>
       </p:sp>
@@ -24291,7 +23916,7 @@
           <a:graphicData uri="http://schemas.openxmlformats.org/presentationml/2006/ole">
             <mc:AlternateContent xmlns:mc="http://schemas.openxmlformats.org/markup-compatibility/2006">
               <mc:Choice xmlns:v="urn:schemas-microsoft-com:vml" Requires="v">
-                <p:oleObj spid="_x0000_s24929" name="Equation" r:id="rId4" imgW="3009900" imgH="482600" progId="Equation.3">
+                <p:oleObj spid="_x0000_s25157" name="Equation" r:id="rId4" imgW="3009900" imgH="482600" progId="Equation.3">
                   <p:embed/>
                 </p:oleObj>
               </mc:Choice>
@@ -24374,7 +23999,7 @@
           <a:graphicData uri="http://schemas.openxmlformats.org/presentationml/2006/ole">
             <mc:AlternateContent xmlns:mc="http://schemas.openxmlformats.org/markup-compatibility/2006">
               <mc:Choice xmlns:v="urn:schemas-microsoft-com:vml" Requires="v">
-                <p:oleObj spid="_x0000_s24930" name="Equation" r:id="rId6" imgW="3035300" imgH="482600" progId="Equation.3">
+                <p:oleObj spid="_x0000_s25158" name="Equation" r:id="rId6" imgW="3035300" imgH="482600" progId="Equation.3">
                   <p:embed/>
                 </p:oleObj>
               </mc:Choice>
@@ -24457,7 +24082,7 @@
           <a:graphicData uri="http://schemas.openxmlformats.org/presentationml/2006/ole">
             <mc:AlternateContent xmlns:mc="http://schemas.openxmlformats.org/markup-compatibility/2006">
               <mc:Choice xmlns:v="urn:schemas-microsoft-com:vml" Requires="v">
-                <p:oleObj spid="_x0000_s24931" name="Equation" r:id="rId8" imgW="3048000" imgH="482600" progId="Equation.3">
+                <p:oleObj spid="_x0000_s25159" name="Equation" r:id="rId8" imgW="3048000" imgH="482600" progId="Equation.3">
                   <p:embed/>
                 </p:oleObj>
               </mc:Choice>
@@ -24540,7 +24165,7 @@
           <a:graphicData uri="http://schemas.openxmlformats.org/presentationml/2006/ole">
             <mc:AlternateContent xmlns:mc="http://schemas.openxmlformats.org/markup-compatibility/2006">
               <mc:Choice xmlns:v="urn:schemas-microsoft-com:vml" Requires="v">
-                <p:oleObj spid="_x0000_s24932" name="Equation" r:id="rId10" imgW="1841500" imgH="228600" progId="Equation.3">
+                <p:oleObj spid="_x0000_s25160" name="Equation" r:id="rId10" imgW="1841500" imgH="228600" progId="Equation.3">
                   <p:embed/>
                 </p:oleObj>
               </mc:Choice>
@@ -25227,58 +24852,10 @@
               <a:t>3. </a:t>
             </a:r>
             <a:r>
-              <a:rPr lang="en-US" sz="2800" dirty="0" err="1" smtClean="0"/>
-              <a:t>Xây</a:t>
-            </a:r>
-            <a:r>
-              <a:rPr lang="en-US" sz="2800" dirty="0" smtClean="0"/>
-              <a:t> </a:t>
-            </a:r>
-            <a:r>
-              <a:rPr lang="en-US" sz="2800" dirty="0" err="1" smtClean="0"/>
-              <a:t>dựng</a:t>
-            </a:r>
-            <a:r>
-              <a:rPr lang="en-US" sz="2800" dirty="0" smtClean="0"/>
-              <a:t> </a:t>
-            </a:r>
-            <a:r>
-              <a:rPr lang="en-US" sz="2800" dirty="0" err="1" smtClean="0"/>
-              <a:t>bộ</a:t>
-            </a:r>
-            <a:r>
-              <a:rPr lang="en-US" sz="2800" dirty="0" smtClean="0"/>
-              <a:t> </a:t>
-            </a:r>
-            <a:r>
-              <a:rPr lang="en-US" sz="2800" dirty="0" err="1" smtClean="0"/>
-              <a:t>dữ</a:t>
-            </a:r>
-            <a:r>
-              <a:rPr lang="en-US" sz="2800" dirty="0" smtClean="0"/>
-              <a:t> </a:t>
-            </a:r>
-            <a:r>
-              <a:rPr lang="en-US" sz="2800" dirty="0" err="1" smtClean="0"/>
-              <a:t>liệu</a:t>
-            </a:r>
-            <a:r>
-              <a:rPr lang="en-US" sz="2800" dirty="0" smtClean="0"/>
-              <a:t> </a:t>
-            </a:r>
-            <a:r>
-              <a:rPr lang="en-US" sz="2800" dirty="0" err="1" smtClean="0"/>
-              <a:t>kiểm</a:t>
-            </a:r>
-            <a:r>
-              <a:rPr lang="en-US" sz="2800" dirty="0" smtClean="0"/>
-              <a:t> </a:t>
-            </a:r>
-            <a:r>
-              <a:rPr lang="en-US" sz="2800" dirty="0" err="1" smtClean="0"/>
-              <a:t>thử</a:t>
-            </a:r>
-            <a:endParaRPr lang="en-US" sz="2800" dirty="0" smtClean="0"/>
+              <a:rPr lang="vi-VN" sz="2800" dirty="0" smtClean="0"/>
+              <a:t>Xây dựng bộ dữ liệu kiểm thử</a:t>
+            </a:r>
+            <a:endParaRPr lang="vi-VN" sz="2800" dirty="0" smtClean="0"/>
           </a:p>
         </p:txBody>
       </p:sp>
@@ -25549,10 +25126,42 @@
           <a:p>
             <a:pPr eaLnBrk="1" hangingPunct="1"/>
             <a:r>
-              <a:rPr lang="en-US" altLang="ru-RU" smtClean="0"/>
-              <a:t>Xác định các văn bản phù hợp</a:t>
-            </a:r>
-            <a:endParaRPr lang="vi-VN" altLang="ru-RU" smtClean="0"/>
+              <a:rPr lang="en-US" altLang="ru-RU" dirty="0" err="1" smtClean="0"/>
+              <a:t>Đánh</a:t>
+            </a:r>
+            <a:r>
+              <a:rPr lang="en-US" altLang="ru-RU" dirty="0" smtClean="0"/>
+              <a:t> </a:t>
+            </a:r>
+            <a:r>
+              <a:rPr lang="en-US" altLang="ru-RU" dirty="0" err="1" smtClean="0"/>
+              <a:t>giá</a:t>
+            </a:r>
+            <a:r>
+              <a:rPr lang="en-US" altLang="ru-RU" dirty="0" smtClean="0"/>
+              <a:t> </a:t>
+            </a:r>
+            <a:r>
+              <a:rPr lang="en-US" altLang="ru-RU" dirty="0" err="1" smtClean="0"/>
+              <a:t>tính</a:t>
+            </a:r>
+            <a:r>
+              <a:rPr lang="en-US" altLang="ru-RU" dirty="0" smtClean="0"/>
+              <a:t> </a:t>
+            </a:r>
+            <a:r>
+              <a:rPr lang="en-US" altLang="ru-RU" dirty="0" err="1" smtClean="0"/>
+              <a:t>phù</a:t>
+            </a:r>
+            <a:r>
+              <a:rPr lang="en-US" altLang="ru-RU" dirty="0" smtClean="0"/>
+              <a:t> </a:t>
+            </a:r>
+            <a:r>
+              <a:rPr lang="en-US" altLang="ru-RU" dirty="0" err="1" smtClean="0"/>
+              <a:t>hợp</a:t>
+            </a:r>
+            <a:endParaRPr lang="vi-VN" altLang="ru-RU" dirty="0" smtClean="0"/>
           </a:p>
         </p:txBody>
       </p:sp>
@@ -25578,7 +25187,7 @@
           <a:p>
             <a:pPr algn="just" eaLnBrk="1" hangingPunct="1"/>
             <a:r>
-              <a:rPr lang="vi-VN" altLang="ru-RU" dirty="0" smtClean="0"/>
+              <a:rPr lang="vi-VN" altLang="ru-RU" dirty="0"/>
               <a:t>Sự phù hợp là rất trừu tượng</a:t>
             </a:r>
           </a:p>
@@ -27370,45 +26979,45 @@
             <a:off x="611560" y="2017713"/>
             <a:ext cx="8343528" cy="2132012"/>
           </a:xfrm>
+          <a:noFill/>
+          <a:ln>
+            <a:noFill/>
+          </a:ln>
+          <a:effectLst/>
+          <a:extLst>
+            <a:ext uri="{AF507438-7753-43E0-B8FC-AC1667EBCBE1}">
+              <a14:hiddenEffects xmlns:a14="http://schemas.microsoft.com/office/drawing/2010/main">
+                <a:effectLst>
+                  <a:outerShdw dist="35921" dir="2700000" algn="ctr" rotWithShape="0">
+                    <a:schemeClr val="bg2"/>
+                  </a:outerShdw>
+                </a:effectLst>
+              </a14:hiddenEffects>
+            </a:ext>
+          </a:extLst>
         </p:spPr>
         <p:txBody>
-          <a:bodyPr/>
+          <a:bodyPr vert="horz" wrap="square" lIns="91440" tIns="45720" rIns="91440" bIns="45720" numCol="1" anchor="t" anchorCtr="0" compatLnSpc="1">
+            <a:prstTxWarp prst="textNoShape">
+              <a:avLst/>
+            </a:prstTxWarp>
+          </a:bodyPr>
           <a:lstStyle/>
           <a:p>
-            <a:pPr algn="just" eaLnBrk="1" hangingPunct="1">
-              <a:spcBef>
-                <a:spcPts val="700"/>
-              </a:spcBef>
-              <a:buClr>
-                <a:srgbClr val="336699"/>
-              </a:buClr>
-              <a:buSzTx/>
-              <a:buFont typeface="Wingdings" panose="05000000000000000000" pitchFamily="2" charset="2"/>
-              <a:buChar char="§"/>
-            </a:pPr>
-            <a:r>
-              <a:rPr lang="vi-VN" altLang="ru-RU" dirty="0" smtClean="0"/>
+            <a:pPr algn="just" eaLnBrk="1" hangingPunct="1"/>
+            <a:r>
+              <a:rPr lang="vi-VN" altLang="ru-RU" dirty="0"/>
               <a:t>Kết quả thu được bởi các thành viên có thể được sử dụng để đánh giá kết quả tìm kiếm nếu đảm bảo tính thống nhất trên một ngưỡng xác định</a:t>
             </a:r>
           </a:p>
           <a:p>
-            <a:pPr algn="just" eaLnBrk="1" hangingPunct="1">
-              <a:spcBef>
-                <a:spcPts val="700"/>
-              </a:spcBef>
-              <a:buClr>
-                <a:srgbClr val="336699"/>
-              </a:buClr>
-              <a:buSzTx/>
-              <a:buFont typeface="Wingdings" panose="05000000000000000000" pitchFamily="2" charset="2"/>
-              <a:buChar char="§"/>
-            </a:pPr>
-            <a:r>
-              <a:rPr lang="vi-VN" altLang="ru-RU" dirty="0" smtClean="0"/>
+            <a:pPr algn="just" eaLnBrk="1" hangingPunct="1"/>
+            <a:r>
+              <a:rPr lang="vi-VN" altLang="ru-RU" dirty="0"/>
               <a:t>Đo sự thống nhất bằng cách nào</a:t>
             </a:r>
             <a:r>
-              <a:rPr lang="de-DE" altLang="ru-RU" dirty="0" smtClean="0"/>
+              <a:rPr lang="de-DE" altLang="ru-RU" dirty="0"/>
               <a:t>?</a:t>
             </a:r>
           </a:p>
@@ -34320,11 +33929,7 @@
           <a:p>
             <a:r>
               <a:rPr lang="en-US" altLang="ru-RU" smtClean="0"/>
-              <a:t>Bài </a:t>
-            </a:r>
-            <a:r>
-              <a:rPr lang="en-US" altLang="ru-RU" smtClean="0"/>
-              <a:t>tập 8.1</a:t>
+              <a:t>Bài tập 8.1</a:t>
             </a:r>
             <a:endParaRPr lang="vi-VN" altLang="ru-RU" smtClean="0"/>
           </a:p>
@@ -35059,11 +34664,7 @@
             </a:r>
             <a:r>
               <a:rPr lang="en-US" altLang="ru-RU" smtClean="0"/>
-              <a:t> </a:t>
-            </a:r>
-            <a:r>
-              <a:rPr lang="en-US" altLang="ru-RU" smtClean="0"/>
-              <a:t>8.2</a:t>
+              <a:t> 8.2</a:t>
             </a:r>
             <a:endParaRPr lang="vi-VN" altLang="ru-RU" dirty="0" smtClean="0"/>
           </a:p>
@@ -35273,7 +34874,7 @@
             </a:lvl9pPr>
           </a:lstStyle>
           <a:p>
-            <a:pPr eaLnBrk="1" hangingPunct="1">
+            <a:pPr marL="0" indent="0" eaLnBrk="1" hangingPunct="1">
               <a:spcBef>
                 <a:spcPts val="700"/>
               </a:spcBef>
@@ -35281,8 +34882,7 @@
                 <a:srgbClr val="336699"/>
               </a:buClr>
               <a:buSzTx/>
-              <a:buFont typeface="Wingdings" panose="05000000000000000000" pitchFamily="2" charset="2"/>
-              <a:buChar char="§"/>
+              <a:buNone/>
               <a:defRPr/>
             </a:pPr>
             <a:r>
@@ -35291,7 +34891,7 @@
             </a:r>
           </a:p>
           <a:p>
-            <a:pPr eaLnBrk="1" hangingPunct="1">
+            <a:pPr marL="0" indent="0" eaLnBrk="1" hangingPunct="1">
               <a:spcBef>
                 <a:spcPts val="700"/>
               </a:spcBef>
@@ -35299,8 +34899,7 @@
                 <a:srgbClr val="336699"/>
               </a:buClr>
               <a:buSzTx/>
-              <a:buFont typeface="Wingdings" panose="05000000000000000000" pitchFamily="2" charset="2"/>
-              <a:buChar char="§"/>
+              <a:buNone/>
               <a:defRPr/>
             </a:pPr>
             <a:r>
@@ -35309,7 +34908,7 @@
             </a:r>
           </a:p>
           <a:p>
-            <a:pPr eaLnBrk="1" hangingPunct="1">
+            <a:pPr marL="0" indent="0" eaLnBrk="1" hangingPunct="1">
               <a:spcBef>
                 <a:spcPts val="700"/>
               </a:spcBef>
@@ -35317,8 +34916,7 @@
                 <a:srgbClr val="336699"/>
               </a:buClr>
               <a:buSzTx/>
-              <a:buFont typeface="Wingdings" panose="05000000000000000000" pitchFamily="2" charset="2"/>
-              <a:buChar char="§"/>
+              <a:buNone/>
               <a:defRPr/>
             </a:pPr>
             <a:r>
@@ -35327,7 +34925,7 @@
             </a:r>
           </a:p>
           <a:p>
-            <a:pPr eaLnBrk="1" hangingPunct="1">
+            <a:pPr marL="0" indent="0" eaLnBrk="1" hangingPunct="1">
               <a:spcBef>
                 <a:spcPts val="700"/>
               </a:spcBef>
@@ -35335,8 +34933,7 @@
                 <a:srgbClr val="336699"/>
               </a:buClr>
               <a:buSzTx/>
-              <a:buFont typeface="Wingdings" panose="05000000000000000000" pitchFamily="2" charset="2"/>
-              <a:buChar char="§"/>
+              <a:buNone/>
               <a:defRPr/>
             </a:pPr>
             <a:r>
@@ -36329,12 +35926,108 @@
           <a:p>
             <a:pPr algn="just" eaLnBrk="1" hangingPunct="1"/>
             <a:r>
+              <a:rPr lang="vi-VN" altLang="ru-RU" dirty="0"/>
+              <a:t>MRR đánh giá cao kết quả phù hợp gần với vị trí đầu danh sách.</a:t>
+            </a:r>
+            <a:endParaRPr lang="en-US" altLang="ru-RU" dirty="0" smtClean="0"/>
+          </a:p>
+          <a:p>
+            <a:pPr algn="just" eaLnBrk="1" hangingPunct="1"/>
+            <a:r>
               <a:rPr lang="en-US" altLang="ru-RU" dirty="0" smtClean="0"/>
               <a:t>MRR </a:t>
             </a:r>
             <a:r>
               <a:rPr lang="vi-VN" altLang="ru-RU" dirty="0" smtClean="0"/>
-              <a:t>thường được sử dụng trong kịch bản tìm kiếm một văn bản phù hợp: </a:t>
+              <a:t>thường được sử dụng </a:t>
+            </a:r>
+            <a:r>
+              <a:rPr lang="en-US" altLang="ru-RU" dirty="0" err="1" smtClean="0"/>
+              <a:t>để</a:t>
+            </a:r>
+            <a:r>
+              <a:rPr lang="en-US" altLang="ru-RU" dirty="0" smtClean="0"/>
+              <a:t> </a:t>
+            </a:r>
+            <a:r>
+              <a:rPr lang="en-US" altLang="ru-RU" dirty="0" err="1" smtClean="0"/>
+              <a:t>đánh</a:t>
+            </a:r>
+            <a:r>
+              <a:rPr lang="en-US" altLang="ru-RU" dirty="0" smtClean="0"/>
+              <a:t> </a:t>
+            </a:r>
+            <a:r>
+              <a:rPr lang="en-US" altLang="ru-RU" dirty="0" err="1" smtClean="0"/>
+              <a:t>giá</a:t>
+            </a:r>
+            <a:r>
+              <a:rPr lang="en-US" altLang="ru-RU" dirty="0" smtClean="0"/>
+              <a:t> </a:t>
+            </a:r>
+            <a:r>
+              <a:rPr lang="en-US" altLang="ru-RU" dirty="0" err="1" smtClean="0"/>
+              <a:t>kết</a:t>
+            </a:r>
+            <a:r>
+              <a:rPr lang="en-US" altLang="ru-RU" dirty="0" smtClean="0"/>
+              <a:t> </a:t>
+            </a:r>
+            <a:r>
+              <a:rPr lang="en-US" altLang="ru-RU" dirty="0" err="1" smtClean="0"/>
+              <a:t>quả</a:t>
+            </a:r>
+            <a:r>
+              <a:rPr lang="en-US" altLang="ru-RU" dirty="0" smtClean="0"/>
+              <a:t> </a:t>
+            </a:r>
+            <a:r>
+              <a:rPr lang="en-US" altLang="ru-RU" dirty="0" err="1" smtClean="0"/>
+              <a:t>tìm</a:t>
+            </a:r>
+            <a:r>
+              <a:rPr lang="en-US" altLang="ru-RU" dirty="0" smtClean="0"/>
+              <a:t> </a:t>
+            </a:r>
+            <a:r>
+              <a:rPr lang="en-US" altLang="ru-RU" dirty="0" err="1" smtClean="0"/>
+              <a:t>kiếm</a:t>
+            </a:r>
+            <a:r>
+              <a:rPr lang="en-US" altLang="ru-RU" dirty="0" smtClean="0"/>
+              <a:t> </a:t>
+            </a:r>
+            <a:r>
+              <a:rPr lang="en-US" altLang="ru-RU" dirty="0" err="1" smtClean="0"/>
+              <a:t>khi</a:t>
+            </a:r>
+            <a:r>
+              <a:rPr lang="en-US" altLang="ru-RU" dirty="0" smtClean="0"/>
+              <a:t> </a:t>
+            </a:r>
+            <a:r>
+              <a:rPr lang="en-US" altLang="ru-RU" dirty="0" err="1" smtClean="0"/>
+              <a:t>chỉ</a:t>
+            </a:r>
+            <a:r>
+              <a:rPr lang="en-US" altLang="ru-RU" dirty="0" smtClean="0"/>
+              <a:t> </a:t>
+            </a:r>
+            <a:r>
+              <a:rPr lang="en-US" altLang="ru-RU" dirty="0" err="1" smtClean="0"/>
+              <a:t>có</a:t>
+            </a:r>
+            <a:r>
+              <a:rPr lang="en-US" altLang="ru-RU" dirty="0" smtClean="0"/>
+              <a:t> </a:t>
+            </a:r>
+            <a:r>
+              <a:rPr lang="vi-VN" altLang="ru-RU" dirty="0" smtClean="0"/>
+              <a:t>một </a:t>
+            </a:r>
+            <a:r>
+              <a:rPr lang="vi-VN" altLang="ru-RU" dirty="0" smtClean="0"/>
+              <a:t>văn bản phù hợp: </a:t>
             </a:r>
           </a:p>
           <a:p>
@@ -36353,10 +36046,7 @@
           </a:p>
           <a:p>
             <a:pPr lvl="1" algn="just" eaLnBrk="1" hangingPunct="1"/>
-            <a:r>
-              <a:rPr lang="vi-VN" altLang="ru-RU" dirty="0" smtClean="0"/>
-              <a:t>MRR đánh giá cao kết quả phù hợp gần với vị trí đầu danh sách.</a:t>
-            </a:r>
+            <a:endParaRPr lang="vi-VN" altLang="ru-RU" dirty="0" smtClean="0"/>
           </a:p>
           <a:p>
             <a:pPr eaLnBrk="1" hangingPunct="1">
@@ -36763,7 +36453,7 @@
           <a:graphicData uri="http://schemas.openxmlformats.org/presentationml/2006/ole">
             <mc:AlternateContent xmlns:mc="http://schemas.openxmlformats.org/markup-compatibility/2006">
               <mc:Choice xmlns:v="urn:schemas-microsoft-com:vml" Requires="v">
-                <p:oleObj spid="_x0000_s8417" name="Equation" r:id="rId3" imgW="736280" imgH="393529" progId="Equation.3">
+                <p:oleObj spid="_x0000_s8588" name="Equation" r:id="rId3" imgW="736280" imgH="393529" progId="Equation.3">
                   <p:embed/>
                 </p:oleObj>
               </mc:Choice>
@@ -36848,17 +36538,23 @@
           <p:cNvGraphicFramePr>
             <a:graphicFrameLocks noChangeAspect="1"/>
           </p:cNvGraphicFramePr>
-          <p:nvPr/>
+          <p:nvPr>
+            <p:extLst>
+              <p:ext uri="{D42A27DB-BD31-4B8C-83A1-F6EECF244321}">
+                <p14:modId xmlns:p14="http://schemas.microsoft.com/office/powerpoint/2010/main" val="1013455165"/>
+              </p:ext>
+            </p:extLst>
+          </p:nvPr>
         </p:nvGraphicFramePr>
         <p:xfrm>
-          <a:off x="1128713" y="5557838"/>
+          <a:off x="1043608" y="5557838"/>
           <a:ext cx="3587750" cy="1111250"/>
         </p:xfrm>
         <a:graphic>
           <a:graphicData uri="http://schemas.openxmlformats.org/presentationml/2006/ole">
             <mc:AlternateContent xmlns:mc="http://schemas.openxmlformats.org/markup-compatibility/2006">
               <mc:Choice xmlns:v="urn:schemas-microsoft-com:vml" Requires="v">
-                <p:oleObj spid="_x0000_s8418" name="Equation" r:id="rId5" imgW="1435100" imgH="444500" progId="Equation.3">
+                <p:oleObj spid="_x0000_s8589" name="Equation" r:id="rId5" imgW="1435100" imgH="444500" progId="Equation.3">
                   <p:embed/>
                 </p:oleObj>
               </mc:Choice>
@@ -36888,7 +36584,7 @@
                     </p:blipFill>
                     <p:spPr bwMode="auto">
                       <a:xfrm>
-                        <a:off x="1128713" y="5557838"/>
+                        <a:off x="1043608" y="5557838"/>
                         <a:ext cx="3587750" cy="1111250"/>
                       </a:xfrm>
                       <a:prstGeom prst="rect">
@@ -36953,7 +36649,7 @@
           <a:graphicData uri="http://schemas.openxmlformats.org/presentationml/2006/ole">
             <mc:AlternateContent xmlns:mc="http://schemas.openxmlformats.org/markup-compatibility/2006">
               <mc:Choice xmlns:v="urn:schemas-microsoft-com:vml" Requires="v">
-                <p:oleObj spid="_x0000_s8419" name="Equation" r:id="rId7" imgW="1612900" imgH="431800" progId="Equation.3">
+                <p:oleObj spid="_x0000_s8590" name="Equation" r:id="rId7" imgW="1612900" imgH="431800" progId="Equation.3">
                   <p:embed/>
                 </p:oleObj>
               </mc:Choice>
@@ -37528,17 +37224,66 @@
           <a:p>
             <a:pPr eaLnBrk="1" hangingPunct="1"/>
             <a:r>
-              <a:rPr lang="en-US" altLang="ru-RU" sz="2600"/>
-              <a:t>Với Q là tập truy vấn:</a:t>
-            </a:r>
+              <a:rPr lang="en-US" altLang="ru-RU" sz="2600" dirty="0" err="1" smtClean="0"/>
+              <a:t>Gọi</a:t>
+            </a:r>
+            <a:r>
+              <a:rPr lang="en-US" altLang="ru-RU" sz="2600" dirty="0" smtClean="0"/>
+              <a:t> </a:t>
+            </a:r>
+            <a:r>
+              <a:rPr lang="en-US" altLang="ru-RU" sz="2600" dirty="0"/>
+              <a:t>Q </a:t>
+            </a:r>
+            <a:r>
+              <a:rPr lang="en-US" altLang="ru-RU" sz="2600" dirty="0" err="1"/>
+              <a:t>là</a:t>
+            </a:r>
+            <a:r>
+              <a:rPr lang="en-US" altLang="ru-RU" sz="2600" dirty="0"/>
+              <a:t> </a:t>
+            </a:r>
+            <a:r>
+              <a:rPr lang="en-US" altLang="ru-RU" sz="2600" dirty="0" err="1"/>
+              <a:t>tập</a:t>
+            </a:r>
+            <a:r>
+              <a:rPr lang="en-US" altLang="ru-RU" sz="2600" dirty="0"/>
+              <a:t> </a:t>
+            </a:r>
+            <a:r>
+              <a:rPr lang="en-US" altLang="ru-RU" sz="2600" dirty="0" err="1"/>
+              <a:t>truy</a:t>
+            </a:r>
+            <a:r>
+              <a:rPr lang="en-US" altLang="ru-RU" sz="2600" dirty="0"/>
+              <a:t> </a:t>
+            </a:r>
+            <a:r>
+              <a:rPr lang="en-US" altLang="ru-RU" sz="2600" dirty="0" err="1" smtClean="0"/>
+              <a:t>vấn</a:t>
+            </a:r>
+            <a:r>
+              <a:rPr lang="en-US" altLang="ru-RU" sz="2600" dirty="0" smtClean="0"/>
+              <a:t> </a:t>
+            </a:r>
+            <a:r>
+              <a:rPr lang="en-US" altLang="ru-RU" sz="2600" dirty="0" err="1" smtClean="0"/>
+              <a:t>mẫu</a:t>
+            </a:r>
+            <a:r>
+              <a:rPr lang="en-US" altLang="ru-RU" sz="2600" dirty="0" smtClean="0"/>
+              <a:t>:</a:t>
+            </a:r>
+            <a:endParaRPr lang="en-US" altLang="ru-RU" sz="2600" dirty="0"/>
           </a:p>
           <a:p>
             <a:pPr lvl="1" eaLnBrk="1" hangingPunct="1"/>
-            <a:endParaRPr lang="en-US" altLang="ru-RU"/>
+            <a:endParaRPr lang="en-US" altLang="ru-RU" dirty="0"/>
           </a:p>
           <a:p>
             <a:pPr eaLnBrk="1" hangingPunct="1"/>
-            <a:endParaRPr lang="en-US" altLang="ru-RU" sz="2600"/>
+            <a:endParaRPr lang="en-US" altLang="ru-RU" sz="2600" dirty="0"/>
           </a:p>
         </p:txBody>
       </p:sp>
@@ -38234,8 +37979,8 @@
         </p:nvSpPr>
         <p:spPr>
           <a:xfrm>
-            <a:off x="684213" y="2060575"/>
-            <a:ext cx="8002587" cy="4492625"/>
+            <a:off x="684213" y="1988841"/>
+            <a:ext cx="8002587" cy="4564360"/>
           </a:xfrm>
         </p:spPr>
         <p:txBody>
@@ -38541,12 +38286,28 @@
               <a:buNone/>
             </a:pPr>
             <a:r>
+              <a:rPr lang="en-US" altLang="ru-RU" sz="3600" dirty="0" smtClean="0">
+                <a:solidFill>
+                  <a:schemeClr val="tx2"/>
+                </a:solidFill>
+              </a:rPr>
+              <a:t>P</a:t>
+            </a:r>
+            <a:r>
               <a:rPr lang="vi-VN" altLang="ru-RU" sz="3600" dirty="0" smtClean="0">
                 <a:solidFill>
                   <a:schemeClr val="tx2"/>
                 </a:solidFill>
               </a:rPr>
-              <a:t>Sự phù hợp đa mức</a:t>
+              <a:t>hù </a:t>
+            </a:r>
+            <a:r>
+              <a:rPr lang="vi-VN" altLang="ru-RU" sz="3600" dirty="0" smtClean="0">
+                <a:solidFill>
+                  <a:schemeClr val="tx2"/>
+                </a:solidFill>
+              </a:rPr>
+              <a:t>hợp đa mức</a:t>
             </a:r>
             <a:endParaRPr lang="vi-VN" altLang="ru-RU" sz="3600" dirty="0">
               <a:solidFill>
@@ -38818,8 +38579,8 @@
         </p:nvSpPr>
         <p:spPr>
           <a:xfrm>
-            <a:off x="684213" y="2060575"/>
-            <a:ext cx="8259762" cy="3312641"/>
+            <a:off x="684213" y="1988841"/>
+            <a:ext cx="8259762" cy="3384376"/>
           </a:xfrm>
         </p:spPr>
         <p:txBody>
@@ -38835,8 +38596,40 @@
           <a:p>
             <a:pPr lvl="1" algn="just" eaLnBrk="1" hangingPunct="1"/>
             <a:r>
+              <a:rPr lang="en-US" altLang="ru-RU" dirty="0" err="1" smtClean="0"/>
+              <a:t>Được</a:t>
+            </a:r>
+            <a:r>
+              <a:rPr lang="en-US" altLang="ru-RU" dirty="0" smtClean="0"/>
+              <a:t> </a:t>
+            </a:r>
+            <a:r>
+              <a:rPr lang="en-US" altLang="ru-RU" dirty="0" err="1" smtClean="0"/>
+              <a:t>đo</a:t>
+            </a:r>
+            <a:r>
+              <a:rPr lang="en-US" altLang="ru-RU" dirty="0" smtClean="0"/>
+              <a:t> </a:t>
+            </a:r>
+            <a:r>
+              <a:rPr lang="en-US" altLang="ru-RU" dirty="0" err="1" smtClean="0"/>
+              <a:t>trên</a:t>
+            </a:r>
+            <a:r>
               <a:rPr lang="vi-VN" altLang="ru-RU" dirty="0" smtClean="0"/>
-              <a:t>Sử dụng bộ dữ liệu kiểm thử với độ phù hợp đa mức;</a:t>
+              <a:t> </a:t>
+            </a:r>
+            <a:r>
+              <a:rPr lang="vi-VN" altLang="ru-RU" dirty="0" smtClean="0"/>
+              <a:t>bộ dữ liệu kiểm thử </a:t>
+            </a:r>
+            <a:r>
+              <a:rPr lang="vi-VN" altLang="ru-RU" dirty="0" smtClean="0"/>
+              <a:t>phù </a:t>
+            </a:r>
+            <a:r>
+              <a:rPr lang="vi-VN" altLang="ru-RU" dirty="0" smtClean="0"/>
+              <a:t>hợp đa mức;</a:t>
             </a:r>
           </a:p>
           <a:p>
@@ -38849,13 +38642,82 @@
           <a:p>
             <a:pPr lvl="1" algn="just" eaLnBrk="1" hangingPunct="1"/>
             <a:r>
-              <a:rPr lang="vi-VN" altLang="ru-RU" dirty="0"/>
-              <a:t>Đ</a:t>
+              <a:rPr lang="en-US" altLang="ru-RU" dirty="0" smtClean="0"/>
+              <a:t>K</a:t>
             </a:r>
             <a:r>
               <a:rPr lang="vi-VN" altLang="ru-RU" dirty="0" smtClean="0"/>
-              <a:t>ược xây dựng dựa trên khái niệm độ hữu ích của tập kết quả.</a:t>
-            </a:r>
+              <a:t>hái </a:t>
+            </a:r>
+            <a:r>
+              <a:rPr lang="vi-VN" altLang="ru-RU" dirty="0" smtClean="0"/>
+              <a:t>niệm </a:t>
+            </a:r>
+            <a:r>
+              <a:rPr lang="en-US" altLang="ru-RU" dirty="0" err="1" smtClean="0"/>
+              <a:t>cơ</a:t>
+            </a:r>
+            <a:r>
+              <a:rPr lang="en-US" altLang="ru-RU" dirty="0" smtClean="0"/>
+              <a:t> </a:t>
+            </a:r>
+            <a:r>
+              <a:rPr lang="en-US" altLang="ru-RU" dirty="0" err="1" smtClean="0"/>
+              <a:t>bản</a:t>
+            </a:r>
+            <a:r>
+              <a:rPr lang="en-US" altLang="ru-RU" dirty="0" smtClean="0"/>
+              <a:t> </a:t>
+            </a:r>
+            <a:r>
+              <a:rPr lang="en-US" altLang="ru-RU" dirty="0" err="1" smtClean="0"/>
+              <a:t>của</a:t>
+            </a:r>
+            <a:r>
+              <a:rPr lang="en-US" altLang="ru-RU" dirty="0" smtClean="0"/>
+              <a:t> NDCG </a:t>
+            </a:r>
+            <a:r>
+              <a:rPr lang="en-US" altLang="ru-RU" dirty="0" err="1" smtClean="0"/>
+              <a:t>là</a:t>
+            </a:r>
+            <a:r>
+              <a:rPr lang="en-US" altLang="ru-RU" dirty="0" smtClean="0"/>
+              <a:t> </a:t>
+            </a:r>
+            <a:r>
+              <a:rPr lang="en-US" altLang="ru-RU" dirty="0" err="1" smtClean="0"/>
+              <a:t>khái</a:t>
+            </a:r>
+            <a:r>
+              <a:rPr lang="en-US" altLang="ru-RU" dirty="0" smtClean="0"/>
+              <a:t> </a:t>
+            </a:r>
+            <a:r>
+              <a:rPr lang="en-US" altLang="ru-RU" dirty="0" err="1" smtClean="0"/>
+              <a:t>niệm</a:t>
+            </a:r>
+            <a:r>
+              <a:rPr lang="en-US" altLang="ru-RU" dirty="0" smtClean="0"/>
+              <a:t> </a:t>
+            </a:r>
+            <a:r>
+              <a:rPr lang="en-US" altLang="ru-RU" dirty="0" err="1" smtClean="0"/>
+              <a:t>lợi</a:t>
+            </a:r>
+            <a:r>
+              <a:rPr lang="en-US" altLang="ru-RU" dirty="0" smtClean="0"/>
+              <a:t> </a:t>
+            </a:r>
+            <a:r>
+              <a:rPr lang="en-US" altLang="ru-RU" dirty="0" err="1" smtClean="0"/>
+              <a:t>ich</a:t>
+            </a:r>
+            <a:r>
+              <a:rPr lang="vi-VN" altLang="ru-RU" dirty="0" smtClean="0"/>
+              <a:t>.</a:t>
+            </a:r>
+            <a:endParaRPr lang="vi-VN" altLang="ru-RU" dirty="0" smtClean="0"/>
           </a:p>
         </p:txBody>
       </p:sp>
@@ -39045,8 +38907,8 @@
         </p:nvSpPr>
         <p:spPr>
           <a:xfrm>
-            <a:off x="611560" y="5589240"/>
-            <a:ext cx="8208912" cy="830997"/>
+            <a:off x="611560" y="4725144"/>
+            <a:ext cx="8208912" cy="1569660"/>
           </a:xfrm>
           <a:prstGeom prst="rect">
             <a:avLst/>
@@ -39061,12 +38923,229 @@
           <a:p>
             <a:pPr algn="just"/>
             <a:r>
+              <a:rPr lang="en-US" sz="2400" dirty="0" err="1" smtClean="0">
+                <a:solidFill>
+                  <a:schemeClr val="tx2"/>
+                </a:solidFill>
+              </a:rPr>
+              <a:t>Thuật</a:t>
+            </a:r>
+            <a:r>
+              <a:rPr lang="en-US" sz="2400" dirty="0" smtClean="0">
+                <a:solidFill>
+                  <a:schemeClr val="tx2"/>
+                </a:solidFill>
+              </a:rPr>
+              <a:t> </a:t>
+            </a:r>
+            <a:r>
+              <a:rPr lang="en-US" sz="2400" dirty="0" err="1" smtClean="0">
+                <a:solidFill>
+                  <a:schemeClr val="tx2"/>
+                </a:solidFill>
+              </a:rPr>
+              <a:t>ngữ</a:t>
+            </a:r>
+            <a:r>
+              <a:rPr lang="en-US" sz="2400" dirty="0" smtClean="0">
+                <a:solidFill>
+                  <a:schemeClr val="tx2"/>
+                </a:solidFill>
+              </a:rPr>
+              <a:t>: </a:t>
+            </a:r>
+          </a:p>
+          <a:p>
+            <a:pPr lvl="1" algn="just"/>
+            <a:r>
+              <a:rPr lang="en-US" sz="2400" dirty="0" smtClean="0">
+                <a:solidFill>
+                  <a:schemeClr val="tx2"/>
+                </a:solidFill>
+              </a:rPr>
+              <a:t>N: Normalized: </a:t>
+            </a:r>
+            <a:r>
+              <a:rPr lang="en-US" sz="2400" dirty="0" err="1" smtClean="0">
+                <a:solidFill>
+                  <a:schemeClr val="tx2"/>
+                </a:solidFill>
+              </a:rPr>
+              <a:t>Chuẩn</a:t>
+            </a:r>
+            <a:r>
+              <a:rPr lang="en-US" sz="2400" dirty="0" smtClean="0">
+                <a:solidFill>
+                  <a:schemeClr val="tx2"/>
+                </a:solidFill>
+              </a:rPr>
+              <a:t> </a:t>
+            </a:r>
+            <a:r>
+              <a:rPr lang="en-US" sz="2400" dirty="0" err="1" smtClean="0">
+                <a:solidFill>
+                  <a:schemeClr val="tx2"/>
+                </a:solidFill>
+              </a:rPr>
+              <a:t>hóa</a:t>
+            </a:r>
+            <a:r>
+              <a:rPr lang="en-US" sz="2400" dirty="0" smtClean="0">
+                <a:solidFill>
+                  <a:schemeClr val="tx2"/>
+                </a:solidFill>
+              </a:rPr>
+              <a:t>; D</a:t>
+            </a:r>
+            <a:r>
               <a:rPr lang="vi-VN" sz="2400" dirty="0" smtClean="0">
                 <a:solidFill>
                   <a:schemeClr val="tx2"/>
                 </a:solidFill>
               </a:rPr>
-              <a:t>Giá trị chuẩn hóa của tổng mức hữu ích thuyên giảm: NDCG: </a:t>
+              <a:t>: </a:t>
+            </a:r>
+            <a:r>
+              <a:rPr lang="en-US" sz="2400" dirty="0" smtClean="0">
+                <a:solidFill>
+                  <a:schemeClr val="tx2"/>
+                </a:solidFill>
+              </a:rPr>
+              <a:t>Discounted: </a:t>
+            </a:r>
+            <a:r>
+              <a:rPr lang="en-US" sz="2400" dirty="0" err="1" smtClean="0">
+                <a:solidFill>
+                  <a:schemeClr val="tx2"/>
+                </a:solidFill>
+              </a:rPr>
+              <a:t>cắt</a:t>
+            </a:r>
+            <a:r>
+              <a:rPr lang="en-US" sz="2400" dirty="0" smtClean="0">
+                <a:solidFill>
+                  <a:schemeClr val="tx2"/>
+                </a:solidFill>
+              </a:rPr>
+              <a:t> </a:t>
+            </a:r>
+            <a:r>
+              <a:rPr lang="en-US" sz="2400" dirty="0" err="1" smtClean="0">
+                <a:solidFill>
+                  <a:schemeClr val="tx2"/>
+                </a:solidFill>
+              </a:rPr>
+              <a:t>giảm</a:t>
+            </a:r>
+            <a:r>
+              <a:rPr lang="en-US" sz="2400" dirty="0" smtClean="0">
+                <a:solidFill>
+                  <a:schemeClr val="tx2"/>
+                </a:solidFill>
+              </a:rPr>
+              <a:t>; </a:t>
+            </a:r>
+          </a:p>
+          <a:p>
+            <a:pPr lvl="1" algn="just"/>
+            <a:r>
+              <a:rPr lang="en-US" sz="2400" dirty="0" smtClean="0">
+                <a:solidFill>
+                  <a:schemeClr val="tx2"/>
+                </a:solidFill>
+              </a:rPr>
+              <a:t>C: Cumulative: </a:t>
+            </a:r>
+            <a:r>
+              <a:rPr lang="en-US" sz="2400" dirty="0" err="1" smtClean="0">
+                <a:solidFill>
+                  <a:schemeClr val="tx2"/>
+                </a:solidFill>
+              </a:rPr>
+              <a:t>Tổng</a:t>
+            </a:r>
+            <a:r>
+              <a:rPr lang="en-US" sz="2400" dirty="0" smtClean="0">
+                <a:solidFill>
+                  <a:schemeClr val="tx2"/>
+                </a:solidFill>
+              </a:rPr>
+              <a:t> </a:t>
+            </a:r>
+            <a:r>
+              <a:rPr lang="en-US" sz="2400" dirty="0" err="1" smtClean="0">
+                <a:solidFill>
+                  <a:schemeClr val="tx2"/>
+                </a:solidFill>
+              </a:rPr>
+              <a:t>hợp</a:t>
+            </a:r>
+            <a:r>
+              <a:rPr lang="en-US" sz="2400" dirty="0" smtClean="0">
+                <a:solidFill>
+                  <a:schemeClr val="tx2"/>
+                </a:solidFill>
+              </a:rPr>
+              <a:t>; </a:t>
+            </a:r>
+            <a:r>
+              <a:rPr lang="en-US" sz="2400" dirty="0" smtClean="0">
+                <a:solidFill>
+                  <a:schemeClr val="tx2"/>
+                </a:solidFill>
+              </a:rPr>
+              <a:t>G: Gain: </a:t>
+            </a:r>
+            <a:r>
+              <a:rPr lang="en-US" sz="2400" dirty="0" err="1" smtClean="0">
+                <a:solidFill>
+                  <a:schemeClr val="tx2"/>
+                </a:solidFill>
+              </a:rPr>
+              <a:t>Lợi</a:t>
+            </a:r>
+            <a:r>
+              <a:rPr lang="en-US" sz="2400" dirty="0" smtClean="0">
+                <a:solidFill>
+                  <a:schemeClr val="tx2"/>
+                </a:solidFill>
+              </a:rPr>
+              <a:t> </a:t>
+            </a:r>
+            <a:r>
+              <a:rPr lang="en-US" sz="2400" dirty="0" err="1" smtClean="0">
+                <a:solidFill>
+                  <a:schemeClr val="tx2"/>
+                </a:solidFill>
+              </a:rPr>
+              <a:t>ích</a:t>
+            </a:r>
+            <a:r>
+              <a:rPr lang="en-US" sz="2400" dirty="0" smtClean="0">
+                <a:solidFill>
+                  <a:schemeClr val="tx2"/>
+                </a:solidFill>
+              </a:rPr>
+              <a:t>;</a:t>
+            </a:r>
+          </a:p>
+          <a:p>
+            <a:pPr lvl="1" algn="just"/>
+            <a:r>
+              <a:rPr lang="vi-VN" sz="2400" dirty="0" smtClean="0">
+                <a:solidFill>
+                  <a:schemeClr val="tx2"/>
+                </a:solidFill>
+              </a:rPr>
+              <a:t>NDCG</a:t>
+            </a:r>
+            <a:r>
+              <a:rPr lang="vi-VN" sz="2400" dirty="0" smtClean="0">
+                <a:solidFill>
+                  <a:schemeClr val="tx2"/>
+                </a:solidFill>
+              </a:rPr>
+              <a:t>: </a:t>
             </a:r>
             <a:r>
               <a:rPr lang="vi-VN" altLang="ru-RU" sz="2400" b="1" dirty="0" smtClean="0">
@@ -39131,6 +39210,14 @@
                 </a:solidFill>
               </a:rPr>
               <a:t>ain</a:t>
+            </a:r>
+            <a:r>
+              <a:rPr lang="en-US" altLang="ru-RU" sz="2400" dirty="0" smtClean="0">
+                <a:solidFill>
+                  <a:schemeClr val="tx2"/>
+                </a:solidFill>
+              </a:rPr>
+              <a:t>.</a:t>
             </a:r>
             <a:endParaRPr lang="vi-VN" altLang="ru-RU" sz="2400" dirty="0">
               <a:solidFill>
@@ -39402,8 +39489,8 @@
         </p:nvSpPr>
         <p:spPr>
           <a:xfrm>
-            <a:off x="684213" y="2060575"/>
-            <a:ext cx="8002587" cy="4492625"/>
+            <a:off x="611561" y="1988841"/>
+            <a:ext cx="8075240" cy="4564360"/>
           </a:xfrm>
         </p:spPr>
         <p:txBody>
@@ -39412,23 +39499,170 @@
           <a:p>
             <a:pPr algn="just" eaLnBrk="1" hangingPunct="1"/>
             <a:r>
+              <a:rPr lang="en-US" altLang="ru-RU" dirty="0" err="1" smtClean="0"/>
+              <a:t>Lợi</a:t>
+            </a:r>
+            <a:r>
+              <a:rPr lang="en-US" altLang="ru-RU" dirty="0" smtClean="0"/>
+              <a:t> </a:t>
+            </a:r>
+            <a:r>
+              <a:rPr lang="en-US" altLang="ru-RU" dirty="0" err="1" smtClean="0"/>
+              <a:t>ích</a:t>
+            </a:r>
+            <a:r>
               <a:rPr lang="vi-VN" altLang="ru-RU" dirty="0" smtClean="0"/>
-              <a:t>Mức hữu ích của một kết quả tìm kiếm phụ thuộc vào:</a:t>
-            </a:r>
-          </a:p>
-          <a:p>
-            <a:pPr lvl="1" algn="just" eaLnBrk="1" hangingPunct="1"/>
+              <a:t> </a:t>
+            </a:r>
             <a:r>
               <a:rPr lang="vi-VN" altLang="ru-RU" dirty="0" smtClean="0"/>
-              <a:t>Mức phù hợp của kết quả: Kết quả càng phù hợp thì càng hữu ích với người dùng;</a:t>
-            </a:r>
-          </a:p>
-          <a:p>
-            <a:pPr lvl="1" algn="just" eaLnBrk="1" hangingPunct="1"/>
+              <a:t>của một kết quả tìm kiếm </a:t>
+            </a:r>
+            <a:r>
+              <a:rPr lang="en-US" altLang="ru-RU" dirty="0" err="1" smtClean="0"/>
+              <a:t>tỉ</a:t>
+            </a:r>
+            <a:r>
+              <a:rPr lang="en-US" altLang="ru-RU" dirty="0" smtClean="0"/>
+              <a:t> </a:t>
+            </a:r>
+            <a:r>
+              <a:rPr lang="en-US" altLang="ru-RU" dirty="0" err="1" smtClean="0"/>
+              <a:t>lệ</a:t>
+            </a:r>
+            <a:r>
+              <a:rPr lang="en-US" altLang="ru-RU" dirty="0" smtClean="0"/>
+              <a:t> </a:t>
+            </a:r>
+            <a:r>
+              <a:rPr lang="en-US" altLang="ru-RU" dirty="0" err="1" smtClean="0"/>
+              <a:t>thuận</a:t>
+            </a:r>
+            <a:r>
+              <a:rPr lang="en-US" altLang="ru-RU" dirty="0" smtClean="0"/>
+              <a:t> </a:t>
+            </a:r>
+            <a:r>
+              <a:rPr lang="en-US" altLang="ru-RU" dirty="0" err="1" smtClean="0"/>
+              <a:t>với</a:t>
+            </a:r>
+            <a:r>
+              <a:rPr lang="en-US" altLang="ru-RU" dirty="0" smtClean="0"/>
+              <a:t> m</a:t>
+            </a:r>
             <a:r>
               <a:rPr lang="vi-VN" altLang="ru-RU" dirty="0" smtClean="0"/>
-              <a:t>Vị trí của văn bản trong danh sách kết quả: Khoảng cách đến đầu danh sách càng tăng thì tính hữu ích càng giảm.</a:t>
-            </a:r>
+              <a:t>ức </a:t>
+            </a:r>
+            <a:r>
+              <a:rPr lang="vi-VN" altLang="ru-RU" dirty="0" smtClean="0"/>
+              <a:t>phù hợp của kết quả: Kết quả càng phù hợp thì càng hữu ích với người </a:t>
+            </a:r>
+            <a:r>
+              <a:rPr lang="vi-VN" altLang="ru-RU" dirty="0" smtClean="0"/>
+              <a:t>dùng</a:t>
+            </a:r>
+            <a:r>
+              <a:rPr lang="en-US" altLang="ru-RU" dirty="0" smtClean="0"/>
+              <a:t>, </a:t>
+            </a:r>
+            <a:r>
+              <a:rPr lang="en-US" altLang="ru-RU" dirty="0" err="1" smtClean="0"/>
+              <a:t>và</a:t>
+            </a:r>
+            <a:r>
+              <a:rPr lang="en-US" altLang="ru-RU" dirty="0" smtClean="0"/>
+              <a:t> </a:t>
+            </a:r>
+            <a:r>
+              <a:rPr lang="en-US" altLang="ru-RU" dirty="0" err="1" smtClean="0"/>
+              <a:t>càng</a:t>
+            </a:r>
+            <a:r>
+              <a:rPr lang="en-US" altLang="ru-RU" dirty="0" smtClean="0"/>
+              <a:t> </a:t>
+            </a:r>
+            <a:r>
+              <a:rPr lang="en-US" altLang="ru-RU" dirty="0" err="1" smtClean="0"/>
+              <a:t>đóng</a:t>
+            </a:r>
+            <a:r>
+              <a:rPr lang="en-US" altLang="ru-RU" dirty="0" smtClean="0"/>
+              <a:t> </a:t>
+            </a:r>
+            <a:r>
+              <a:rPr lang="en-US" altLang="ru-RU" dirty="0" err="1" smtClean="0"/>
+              <a:t>góp</a:t>
+            </a:r>
+            <a:r>
+              <a:rPr lang="en-US" altLang="ru-RU" dirty="0" smtClean="0"/>
+              <a:t> </a:t>
+            </a:r>
+            <a:r>
+              <a:rPr lang="en-US" altLang="ru-RU" dirty="0" err="1" smtClean="0"/>
+              <a:t>nhiều</a:t>
+            </a:r>
+            <a:r>
+              <a:rPr lang="en-US" altLang="ru-RU" dirty="0" smtClean="0"/>
+              <a:t> </a:t>
+            </a:r>
+            <a:r>
+              <a:rPr lang="en-US" altLang="ru-RU" dirty="0" err="1" smtClean="0"/>
+              <a:t>vào</a:t>
+            </a:r>
+            <a:r>
+              <a:rPr lang="en-US" altLang="ru-RU" dirty="0" smtClean="0"/>
+              <a:t> </a:t>
+            </a:r>
+            <a:r>
+              <a:rPr lang="en-US" altLang="ru-RU" dirty="0" err="1" smtClean="0"/>
+              <a:t>lợi</a:t>
+            </a:r>
+            <a:r>
+              <a:rPr lang="en-US" altLang="ru-RU" dirty="0" smtClean="0"/>
+              <a:t> </a:t>
+            </a:r>
+            <a:r>
+              <a:rPr lang="en-US" altLang="ru-RU" dirty="0" err="1" smtClean="0"/>
+              <a:t>ích</a:t>
+            </a:r>
+            <a:r>
+              <a:rPr lang="en-US" altLang="ru-RU" dirty="0" smtClean="0"/>
+              <a:t> </a:t>
+            </a:r>
+            <a:r>
+              <a:rPr lang="en-US" altLang="ru-RU" dirty="0" err="1" smtClean="0"/>
+              <a:t>của</a:t>
+            </a:r>
+            <a:r>
+              <a:rPr lang="en-US" altLang="ru-RU" dirty="0" smtClean="0"/>
+              <a:t> </a:t>
+            </a:r>
+            <a:r>
+              <a:rPr lang="en-US" altLang="ru-RU" dirty="0" err="1" smtClean="0"/>
+              <a:t>tập</a:t>
+            </a:r>
+            <a:r>
+              <a:rPr lang="en-US" altLang="ru-RU" dirty="0" smtClean="0"/>
+              <a:t> </a:t>
+            </a:r>
+            <a:r>
+              <a:rPr lang="en-US" altLang="ru-RU" dirty="0" err="1" smtClean="0"/>
+              <a:t>kết</a:t>
+            </a:r>
+            <a:r>
+              <a:rPr lang="en-US" altLang="ru-RU" dirty="0" smtClean="0"/>
+              <a:t> </a:t>
+            </a:r>
+            <a:r>
+              <a:rPr lang="en-US" altLang="ru-RU" dirty="0" err="1" smtClean="0"/>
+              <a:t>quả</a:t>
+            </a:r>
+            <a:r>
+              <a:rPr lang="en-US" altLang="ru-RU" dirty="0" smtClean="0"/>
+              <a:t>.</a:t>
+            </a:r>
+            <a:endParaRPr lang="vi-VN" altLang="ru-RU" dirty="0" smtClean="0"/>
           </a:p>
           <a:p>
             <a:pPr algn="just" eaLnBrk="1" hangingPunct="1"/>
@@ -39665,12 +39899,28 @@
               <a:buNone/>
             </a:pPr>
             <a:r>
-              <a:rPr lang="vi-VN" altLang="ru-RU" sz="4000" dirty="0" smtClean="0">
+              <a:rPr lang="en-US" altLang="ru-RU" sz="4000" dirty="0" err="1" smtClean="0">
                 <a:solidFill>
                   <a:schemeClr val="tx2"/>
                 </a:solidFill>
               </a:rPr>
-              <a:t>Mức hữu ích</a:t>
+              <a:t>Lợi</a:t>
+            </a:r>
+            <a:r>
+              <a:rPr lang="en-US" altLang="ru-RU" sz="4000" dirty="0" smtClean="0">
+                <a:solidFill>
+                  <a:schemeClr val="tx2"/>
+                </a:solidFill>
+              </a:rPr>
+              <a:t> </a:t>
+            </a:r>
+            <a:r>
+              <a:rPr lang="en-US" altLang="ru-RU" sz="4000" dirty="0" err="1" smtClean="0">
+                <a:solidFill>
+                  <a:schemeClr val="tx2"/>
+                </a:solidFill>
+              </a:rPr>
+              <a:t>ích</a:t>
             </a:r>
             <a:endParaRPr lang="vi-VN" altLang="ru-RU" sz="4000" dirty="0">
               <a:solidFill>
@@ -39689,7 +39939,7 @@
         <p:spPr>
           <a:xfrm>
             <a:off x="611560" y="5589240"/>
-            <a:ext cx="8208912" cy="461665"/>
+            <a:ext cx="8208912" cy="830997"/>
           </a:xfrm>
           <a:prstGeom prst="rect">
             <a:avLst/>
@@ -39704,12 +39954,87 @@
           <a:p>
             <a:pPr algn="just"/>
             <a:r>
+              <a:rPr lang="en-US" sz="2400" dirty="0" err="1" smtClean="0">
+                <a:solidFill>
+                  <a:schemeClr val="tx2"/>
+                </a:solidFill>
+              </a:rPr>
+              <a:t>Thuật</a:t>
+            </a:r>
+            <a:r>
+              <a:rPr lang="en-US" sz="2400" dirty="0" smtClean="0">
+                <a:solidFill>
+                  <a:schemeClr val="tx2"/>
+                </a:solidFill>
+              </a:rPr>
+              <a:t> </a:t>
+            </a:r>
+            <a:r>
+              <a:rPr lang="en-US" sz="2400" dirty="0" err="1" smtClean="0">
+                <a:solidFill>
+                  <a:schemeClr val="tx2"/>
+                </a:solidFill>
+              </a:rPr>
+              <a:t>ngữ</a:t>
+            </a:r>
+            <a:r>
+              <a:rPr lang="en-US" sz="2400" dirty="0" smtClean="0">
+                <a:solidFill>
+                  <a:schemeClr val="tx2"/>
+                </a:solidFill>
+              </a:rPr>
+              <a:t>:</a:t>
+            </a:r>
+          </a:p>
+          <a:p>
+            <a:pPr algn="just"/>
+            <a:r>
+              <a:rPr lang="en-US" sz="2400" dirty="0" smtClean="0">
+                <a:solidFill>
+                  <a:schemeClr val="tx2"/>
+                </a:solidFill>
+              </a:rPr>
+              <a:t>	</a:t>
+            </a:r>
+            <a:r>
+              <a:rPr lang="en-US" sz="2400" dirty="0" err="1" smtClean="0">
+                <a:solidFill>
+                  <a:schemeClr val="tx2"/>
+                </a:solidFill>
+              </a:rPr>
+              <a:t>Lợi</a:t>
+            </a:r>
+            <a:r>
+              <a:rPr lang="en-US" sz="2400" dirty="0" smtClean="0">
+                <a:solidFill>
+                  <a:schemeClr val="tx2"/>
+                </a:solidFill>
+              </a:rPr>
+              <a:t> </a:t>
+            </a:r>
+            <a:r>
+              <a:rPr lang="en-US" sz="2400" dirty="0" err="1" smtClean="0">
+                <a:solidFill>
+                  <a:schemeClr val="tx2"/>
+                </a:solidFill>
+              </a:rPr>
+              <a:t>ích</a:t>
+            </a:r>
+            <a:r>
               <a:rPr lang="vi-VN" sz="2400" dirty="0" smtClean="0">
                 <a:solidFill>
                   <a:schemeClr val="tx2"/>
                 </a:solidFill>
               </a:rPr>
-              <a:t>Mức hữu ích: G: Gain</a:t>
+              <a:t>: </a:t>
+            </a:r>
+            <a:r>
+              <a:rPr lang="vi-VN" sz="2400" dirty="0" smtClean="0">
+                <a:solidFill>
+                  <a:schemeClr val="tx2"/>
+                </a:solidFill>
+              </a:rPr>
+              <a:t>G: Gain</a:t>
             </a:r>
             <a:endParaRPr lang="vi-VN" altLang="ru-RU" sz="2400" dirty="0">
               <a:solidFill>
@@ -40000,15 +40325,7 @@
             </a:r>
             <a:r>
               <a:rPr lang="en-US" altLang="ru-RU" dirty="0" err="1" smtClean="0"/>
-              <a:t>mức</a:t>
-            </a:r>
-            <a:r>
-              <a:rPr lang="en-US" altLang="ru-RU" dirty="0" smtClean="0"/>
-              <a:t> </a:t>
-            </a:r>
-            <a:r>
-              <a:rPr lang="en-US" altLang="ru-RU" dirty="0" err="1" smtClean="0"/>
-              <a:t>hữu</a:t>
+              <a:t>lợi</a:t>
             </a:r>
             <a:r>
               <a:rPr lang="en-US" altLang="ru-RU" dirty="0" smtClean="0"/>
@@ -40248,7 +40565,7 @@
         <p:spPr>
           <a:xfrm>
             <a:off x="611560" y="5589240"/>
-            <a:ext cx="8208912" cy="461665"/>
+            <a:ext cx="8208912" cy="830997"/>
           </a:xfrm>
           <a:prstGeom prst="rect">
             <a:avLst/>
@@ -40263,12 +40580,95 @@
           <a:p>
             <a:pPr algn="just"/>
             <a:r>
+              <a:rPr lang="en-US" sz="2400" dirty="0" err="1" smtClean="0">
+                <a:solidFill>
+                  <a:schemeClr val="tx2"/>
+                </a:solidFill>
+              </a:rPr>
+              <a:t>Thuật</a:t>
+            </a:r>
+            <a:r>
+              <a:rPr lang="en-US" sz="2400" dirty="0" smtClean="0">
+                <a:solidFill>
+                  <a:schemeClr val="tx2"/>
+                </a:solidFill>
+              </a:rPr>
+              <a:t> </a:t>
+            </a:r>
+            <a:r>
+              <a:rPr lang="en-US" sz="2400" dirty="0" err="1" smtClean="0">
+                <a:solidFill>
+                  <a:schemeClr val="tx2"/>
+                </a:solidFill>
+              </a:rPr>
+              <a:t>ngữ</a:t>
+            </a:r>
+            <a:r>
+              <a:rPr lang="en-US" sz="2400" dirty="0" smtClean="0">
+                <a:solidFill>
+                  <a:schemeClr val="tx2"/>
+                </a:solidFill>
+              </a:rPr>
+              <a:t>:</a:t>
+            </a:r>
+          </a:p>
+          <a:p>
+            <a:pPr algn="just"/>
+            <a:r>
+              <a:rPr lang="en-US" sz="2400" dirty="0">
+                <a:solidFill>
+                  <a:schemeClr val="tx2"/>
+                </a:solidFill>
+              </a:rPr>
+              <a:t>	</a:t>
+            </a:r>
+            <a:r>
               <a:rPr lang="vi-VN" sz="2400" dirty="0" smtClean="0">
                 <a:solidFill>
                   <a:schemeClr val="tx2"/>
                 </a:solidFill>
               </a:rPr>
-              <a:t>Tổng mức hữu ích: CG: Cumulative Gain</a:t>
+              <a:t>Tổng </a:t>
+            </a:r>
+            <a:r>
+              <a:rPr lang="en-US" sz="2400" dirty="0" err="1" smtClean="0">
+                <a:solidFill>
+                  <a:schemeClr val="tx2"/>
+                </a:solidFill>
+              </a:rPr>
+              <a:t>lợi</a:t>
+            </a:r>
+            <a:r>
+              <a:rPr lang="en-US" sz="2400" dirty="0" smtClean="0">
+                <a:solidFill>
+                  <a:schemeClr val="tx2"/>
+                </a:solidFill>
+              </a:rPr>
+              <a:t> </a:t>
+            </a:r>
+            <a:r>
+              <a:rPr lang="en-US" sz="2400" dirty="0" err="1" smtClean="0">
+                <a:solidFill>
+                  <a:schemeClr val="tx2"/>
+                </a:solidFill>
+              </a:rPr>
+              <a:t>ích</a:t>
+            </a:r>
+            <a:r>
+              <a:rPr lang="vi-VN" sz="2400" dirty="0" smtClean="0">
+                <a:solidFill>
+                  <a:schemeClr val="tx2"/>
+                </a:solidFill>
+              </a:rPr>
+              <a:t>: </a:t>
+            </a:r>
+            <a:r>
+              <a:rPr lang="vi-VN" sz="2400" dirty="0" smtClean="0">
+                <a:solidFill>
+                  <a:schemeClr val="tx2"/>
+                </a:solidFill>
+              </a:rPr>
+              <a:t>CG: Cumulative Gain</a:t>
             </a:r>
             <a:endParaRPr lang="vi-VN" altLang="ru-RU" sz="2400" dirty="0">
               <a:solidFill>
@@ -40745,7 +41145,7 @@
   </a:extraClrSchemeLst>
   <a:extLst>
     <a:ext uri="{05A4C25C-085E-4340-85A3-A5531E510DB2}">
-      <thm15:themeFamily xmlns:thm15="http://schemas.microsoft.com/office/thememl/2012/main" xmlns="" name="Office Theme" id="{62F939B6-93AF-4DB8-9C6B-D6C7DFDC589F}" vid="{4A3C46E8-61CC-4603-A589-7422A47A8E4A}"/>
+      <thm15:themeFamily xmlns="" xmlns:thm15="http://schemas.microsoft.com/office/thememl/2012/main" name="Office Theme" id="{62F939B6-93AF-4DB8-9C6B-D6C7DFDC589F}" vid="{4A3C46E8-61CC-4603-A589-7422A47A8E4A}"/>
     </a:ext>
   </a:extLst>
 </a:theme>
@@ -40794,7 +41194,7 @@
     </a:clrScheme>
     <a:fontScheme name="Office">
       <a:majorFont>
-        <a:latin typeface="Calibri Light" panose="020F0302020204030204"/>
+        <a:latin typeface="Calibri Light"/>
         <a:ea typeface=""/>
         <a:cs typeface=""/>
         <a:font script="Jpan" typeface="ＭＳ Ｐゴシック"/>
@@ -40829,7 +41229,7 @@
         <a:font script="Geor" typeface="Sylfaen"/>
       </a:majorFont>
       <a:minorFont>
-        <a:latin typeface="Calibri" panose="020F0502020204030204"/>
+        <a:latin typeface="Calibri"/>
         <a:ea typeface=""/>
         <a:cs typeface=""/>
         <a:font script="Jpan" typeface="ＭＳ Ｐゴシック"/>
@@ -41006,7 +41406,7 @@
   <a:extraClrSchemeLst/>
   <a:extLst>
     <a:ext uri="{05A4C25C-085E-4340-85A3-A5531E510DB2}">
-      <thm15:themeFamily xmlns:thm15="http://schemas.microsoft.com/office/thememl/2012/main" xmlns="" name="Office Theme" id="{62F939B6-93AF-4DB8-9C6B-D6C7DFDC589F}" vid="{4A3C46E8-61CC-4603-A589-7422A47A8E4A}"/>
+      <thm15:themeFamily xmlns="" xmlns:thm15="http://schemas.microsoft.com/office/thememl/2012/main" name="Office Theme" id="{62F939B6-93AF-4DB8-9C6B-D6C7DFDC589F}" vid="{4A3C46E8-61CC-4603-A589-7422A47A8E4A}"/>
     </a:ext>
   </a:extLst>
 </a:theme>

--- a/Bai 8 Đánh giá kết quả  tìm kiếm_phần 2.pptx
+++ b/Bai 8 Đánh giá kết quả  tìm kiếm_phần 2.pptx
@@ -1157,6 +1157,96 @@
     <p:extLst>
       <p:ext uri="{BB962C8B-B14F-4D97-AF65-F5344CB8AC3E}">
         <p14:creationId xmlns:p14="http://schemas.microsoft.com/office/powerpoint/2010/main" val="1386185615"/>
+      </p:ext>
+    </p:extLst>
+  </p:cSld>
+  <p:clrMapOvr>
+    <a:masterClrMapping/>
+  </p:clrMapOvr>
+</p:notes>
+</file>
+
+<file path=ppt/notesSlides/notesSlide10.xml><?xml version="1.0" encoding="utf-8"?>
+<p:notes xmlns:a="http://schemas.openxmlformats.org/drawingml/2006/main" xmlns:r="http://schemas.openxmlformats.org/officeDocument/2006/relationships" xmlns:p="http://schemas.openxmlformats.org/presentationml/2006/main">
+  <p:cSld>
+    <p:spTree>
+      <p:nvGrpSpPr>
+        <p:cNvPr id="1" name=""/>
+        <p:cNvGrpSpPr/>
+        <p:nvPr/>
+      </p:nvGrpSpPr>
+      <p:grpSpPr>
+        <a:xfrm>
+          <a:off x="0" y="0"/>
+          <a:ext cx="0" cy="0"/>
+          <a:chOff x="0" y="0"/>
+          <a:chExt cx="0" cy="0"/>
+        </a:xfrm>
+      </p:grpSpPr>
+      <p:sp>
+        <p:nvSpPr>
+          <p:cNvPr id="2" name="Slide Image Placeholder 1"/>
+          <p:cNvSpPr>
+            <a:spLocks noGrp="1" noRot="1" noChangeAspect="1"/>
+          </p:cNvSpPr>
+          <p:nvPr>
+            <p:ph type="sldImg"/>
+          </p:nvPr>
+        </p:nvSpPr>
+        <p:spPr/>
+      </p:sp>
+      <p:sp>
+        <p:nvSpPr>
+          <p:cNvPr id="3" name="Notes Placeholder 2"/>
+          <p:cNvSpPr>
+            <a:spLocks noGrp="1"/>
+          </p:cNvSpPr>
+          <p:nvPr>
+            <p:ph type="body" idx="1"/>
+          </p:nvPr>
+        </p:nvSpPr>
+        <p:spPr/>
+        <p:txBody>
+          <a:bodyPr/>
+          <a:lstStyle/>
+          <a:p>
+            <a:endParaRPr lang="vi-VN"/>
+          </a:p>
+        </p:txBody>
+      </p:sp>
+      <p:sp>
+        <p:nvSpPr>
+          <p:cNvPr id="4" name="Slide Number Placeholder 3"/>
+          <p:cNvSpPr>
+            <a:spLocks noGrp="1"/>
+          </p:cNvSpPr>
+          <p:nvPr>
+            <p:ph type="sldNum" sz="quarter" idx="10"/>
+          </p:nvPr>
+        </p:nvSpPr>
+        <p:spPr/>
+        <p:txBody>
+          <a:bodyPr/>
+          <a:lstStyle/>
+          <a:p>
+            <a:pPr>
+              <a:defRPr/>
+            </a:pPr>
+            <a:fld id="{29C61E85-EA67-49D1-A124-A4E128A4243F}" type="slidenum">
+              <a:rPr lang="vi-VN" smtClean="0"/>
+              <a:pPr>
+                <a:defRPr/>
+              </a:pPr>
+              <a:t>16</a:t>
+            </a:fld>
+            <a:endParaRPr lang="vi-VN"/>
+          </a:p>
+        </p:txBody>
+      </p:sp>
+    </p:spTree>
+    <p:extLst>
+      <p:ext uri="{BB962C8B-B14F-4D97-AF65-F5344CB8AC3E}">
+        <p14:creationId xmlns:p14="http://schemas.microsoft.com/office/powerpoint/2010/main" val="3612054614"/>
       </p:ext>
     </p:extLst>
   </p:cSld>
@@ -9621,7 +9711,6 @@
               <a:rPr lang="en-US" altLang="ru-RU" sz="2800" dirty="0" smtClean="0"/>
               <a:t> (2)</a:t>
             </a:r>
-            <a:endParaRPr lang="en-US" altLang="ru-RU" sz="2800" dirty="0" smtClean="0"/>
           </a:p>
           <a:p>
             <a:pPr algn="just" eaLnBrk="1" hangingPunct="1"/>
@@ -10459,8 +10548,8 @@
           </a:p>
         </p:txBody>
       </p:sp>
-      <mc:AlternateContent xmlns:mc="http://schemas.openxmlformats.org/markup-compatibility/2006">
-        <mc:Choice xmlns:a14="http://schemas.microsoft.com/office/drawing/2010/main" Requires="a14">
+      <mc:AlternateContent xmlns:mc="http://schemas.openxmlformats.org/markup-compatibility/2006" xmlns:a14="http://schemas.microsoft.com/office/drawing/2010/main">
+        <mc:Choice Requires="a14">
           <p:sp>
             <p:nvSpPr>
               <p:cNvPr id="16388" name="Rectangle 3"/>
@@ -10719,13 +10808,7 @@
                           <a:rPr lang="en-US" b="0" i="1" smtClean="0">
                             <a:latin typeface="Cambria Math" panose="02040503050406030204" pitchFamily="18" charset="0"/>
                           </a:rPr>
-                          <m:t>=</m:t>
-                        </m:r>
-                        <m:r>
-                          <a:rPr lang="en-US" b="0" i="1" smtClean="0">
-                            <a:latin typeface="Cambria Math" panose="02040503050406030204" pitchFamily="18" charset="0"/>
-                          </a:rPr>
-                          <m:t>2</m:t>
+                          <m:t>=2</m:t>
                         </m:r>
                       </m:sub>
                       <m:sup>
@@ -10830,7 +10913,7 @@
             </p:txBody>
           </p:sp>
         </mc:Choice>
-        <mc:Fallback>
+        <mc:Fallback xmlns="">
           <p:sp>
             <p:nvSpPr>
               <p:cNvPr id="16388" name="Rectangle 3"/>
@@ -12869,13 +12952,8 @@
             <a:pPr lvl="1" algn="just" eaLnBrk="1" hangingPunct="1"/>
             <a:r>
               <a:rPr lang="vi-VN" altLang="ru-RU" dirty="0" smtClean="0"/>
-              <a:t>Xếp hạng mẫu là thứ tự giảm dần mức phù hợp của văn bản</a:t>
-            </a:r>
-            <a:r>
-              <a:rPr lang="vi-VN" altLang="ru-RU" dirty="0" smtClean="0"/>
-              <a:t>;</a:t>
-            </a:r>
-            <a:endParaRPr lang="vi-VN" altLang="ru-RU" dirty="0" smtClean="0"/>
+              <a:t>Xếp hạng mẫu là thứ tự giảm dần mức phù hợp của văn bản;</a:t>
+            </a:r>
           </a:p>
           <a:p>
             <a:pPr lvl="1" algn="just" eaLnBrk="1" hangingPunct="1"/>
@@ -23916,7 +23994,7 @@
           <a:graphicData uri="http://schemas.openxmlformats.org/presentationml/2006/ole">
             <mc:AlternateContent xmlns:mc="http://schemas.openxmlformats.org/markup-compatibility/2006">
               <mc:Choice xmlns:v="urn:schemas-microsoft-com:vml" Requires="v">
-                <p:oleObj spid="_x0000_s25157" name="Equation" r:id="rId4" imgW="3009900" imgH="482600" progId="Equation.3">
+                <p:oleObj spid="_x0000_s25177" name="Equation" r:id="rId4" imgW="3009900" imgH="482600" progId="Equation.3">
                   <p:embed/>
                 </p:oleObj>
               </mc:Choice>
@@ -23999,7 +24077,7 @@
           <a:graphicData uri="http://schemas.openxmlformats.org/presentationml/2006/ole">
             <mc:AlternateContent xmlns:mc="http://schemas.openxmlformats.org/markup-compatibility/2006">
               <mc:Choice xmlns:v="urn:schemas-microsoft-com:vml" Requires="v">
-                <p:oleObj spid="_x0000_s25158" name="Equation" r:id="rId6" imgW="3035300" imgH="482600" progId="Equation.3">
+                <p:oleObj spid="_x0000_s25178" name="Equation" r:id="rId6" imgW="3035300" imgH="482600" progId="Equation.3">
                   <p:embed/>
                 </p:oleObj>
               </mc:Choice>
@@ -24082,7 +24160,7 @@
           <a:graphicData uri="http://schemas.openxmlformats.org/presentationml/2006/ole">
             <mc:AlternateContent xmlns:mc="http://schemas.openxmlformats.org/markup-compatibility/2006">
               <mc:Choice xmlns:v="urn:schemas-microsoft-com:vml" Requires="v">
-                <p:oleObj spid="_x0000_s25159" name="Equation" r:id="rId8" imgW="3048000" imgH="482600" progId="Equation.3">
+                <p:oleObj spid="_x0000_s25179" name="Equation" r:id="rId8" imgW="3048000" imgH="482600" progId="Equation.3">
                   <p:embed/>
                 </p:oleObj>
               </mc:Choice>
@@ -24165,7 +24243,7 @@
           <a:graphicData uri="http://schemas.openxmlformats.org/presentationml/2006/ole">
             <mc:AlternateContent xmlns:mc="http://schemas.openxmlformats.org/markup-compatibility/2006">
               <mc:Choice xmlns:v="urn:schemas-microsoft-com:vml" Requires="v">
-                <p:oleObj spid="_x0000_s25160" name="Equation" r:id="rId10" imgW="1841500" imgH="228600" progId="Equation.3">
+                <p:oleObj spid="_x0000_s25180" name="Equation" r:id="rId10" imgW="1841500" imgH="228600" progId="Equation.3">
                   <p:embed/>
                 </p:oleObj>
               </mc:Choice>
@@ -24855,7 +24933,6 @@
               <a:rPr lang="vi-VN" sz="2800" dirty="0" smtClean="0"/>
               <a:t>Xây dựng bộ dữ liệu kiểm thử</a:t>
             </a:r>
-            <a:endParaRPr lang="vi-VN" sz="2800" dirty="0" smtClean="0"/>
           </a:p>
         </p:txBody>
       </p:sp>
@@ -25187,8 +25264,12 @@
           <a:p>
             <a:pPr algn="just" eaLnBrk="1" hangingPunct="1"/>
             <a:r>
+              <a:rPr lang="vi-VN" altLang="ru-RU" smtClean="0"/>
+              <a:t>Khó khăn: Sự </a:t>
+            </a:r>
+            <a:r>
               <a:rPr lang="vi-VN" altLang="ru-RU" dirty="0"/>
-              <a:t>Sự phù hợp là rất trừu tượng</a:t>
+              <a:t>phù hợp là rất trừu tượng</a:t>
             </a:r>
           </a:p>
           <a:p>
@@ -25208,8 +25289,12 @@
           <a:p>
             <a:pPr algn="just" eaLnBrk="1" hangingPunct="1"/>
             <a:r>
+              <a:rPr lang="vi-VN" altLang="ru-RU" smtClean="0"/>
+              <a:t>Hướng khắc phục: Cần </a:t>
+            </a:r>
+            <a:r>
               <a:rPr lang="vi-VN" altLang="ru-RU" dirty="0" smtClean="0"/>
-              <a:t>Cần sử dụng chung một định nghĩa tường minh thế nào là văn bản phù hợp cho cả nhóm xây dựng tập kết quả mẫu.</a:t>
+              <a:t>sử dụng chung một định nghĩa tường minh thế nào là văn bản phù hợp cho cả nhóm xây dựng tập kết quả mẫu.</a:t>
             </a:r>
           </a:p>
         </p:txBody>
@@ -34938,8 +35023,51 @@
             </a:pPr>
             <a:r>
               <a:rPr lang="vi-VN" sz="2400" dirty="0" smtClean="0"/>
-              <a:t>c) Tính P, R và F1 trong trường hợp văn bản được coi là phù hợp nếu một trong hai đánh giá là phù hợp.</a:t>
-            </a:r>
+              <a:t>c) Tính P, R và F1 trong trường hợp văn bản được coi là phù hợp nếu một trong hai đánh giá là phù </a:t>
+            </a:r>
+            <a:r>
+              <a:rPr lang="vi-VN" sz="2400" smtClean="0"/>
+              <a:t>hợp.</a:t>
+            </a:r>
+          </a:p>
+          <a:p>
+            <a:pPr marL="0" indent="0" eaLnBrk="1" hangingPunct="1">
+              <a:spcBef>
+                <a:spcPts val="700"/>
+              </a:spcBef>
+              <a:buClr>
+                <a:srgbClr val="336699"/>
+              </a:buClr>
+              <a:buSzTx/>
+              <a:buNone/>
+              <a:defRPr/>
+            </a:pPr>
+            <a:r>
+              <a:rPr lang="vi-VN" sz="2400" smtClean="0"/>
+              <a:t>d) Thiết </a:t>
+            </a:r>
+            <a:r>
+              <a:rPr lang="en-US" sz="2400" smtClean="0"/>
+              <a:t>lập hai dãy bất kỳ để:</a:t>
+            </a:r>
+          </a:p>
+          <a:p>
+            <a:pPr marL="0" indent="0" eaLnBrk="1" hangingPunct="1">
+              <a:spcBef>
+                <a:spcPts val="700"/>
+              </a:spcBef>
+              <a:buClr>
+                <a:srgbClr val="336699"/>
+              </a:buClr>
+              <a:buSzTx/>
+              <a:buNone/>
+              <a:defRPr/>
+            </a:pPr>
+            <a:r>
+              <a:rPr lang="en-US" sz="2400" smtClean="0"/>
+              <a:t>kappa = -1; kappa = 1;</a:t>
+            </a:r>
+            <a:endParaRPr lang="vi-VN" sz="2400" dirty="0" smtClean="0"/>
           </a:p>
         </p:txBody>
       </p:sp>
@@ -35927,7 +36055,19 @@
             <a:pPr algn="just" eaLnBrk="1" hangingPunct="1"/>
             <a:r>
               <a:rPr lang="vi-VN" altLang="ru-RU" dirty="0"/>
-              <a:t>MRR đánh giá cao kết quả phù hợp gần với vị trí đầu danh sách.</a:t>
+              <a:t>MRR đánh giá cao kết quả phù </a:t>
+            </a:r>
+            <a:r>
+              <a:rPr lang="vi-VN" altLang="ru-RU"/>
+              <a:t>hợp </a:t>
+            </a:r>
+            <a:r>
+              <a:rPr lang="vi-VN" altLang="ru-RU" smtClean="0"/>
+              <a:t>ở đầu </a:t>
+            </a:r>
+            <a:r>
+              <a:rPr lang="vi-VN" altLang="ru-RU" dirty="0"/>
+              <a:t>danh sách.</a:t>
             </a:r>
             <a:endParaRPr lang="en-US" altLang="ru-RU" dirty="0" smtClean="0"/>
           </a:p>
@@ -36023,11 +36163,7 @@
             </a:r>
             <a:r>
               <a:rPr lang="vi-VN" altLang="ru-RU" dirty="0" smtClean="0"/>
-              <a:t>một </a:t>
-            </a:r>
-            <a:r>
-              <a:rPr lang="vi-VN" altLang="ru-RU" dirty="0" smtClean="0"/>
-              <a:t>văn bản phù hợp: </a:t>
+              <a:t>một văn bản phù hợp: </a:t>
             </a:r>
           </a:p>
           <a:p>
@@ -36453,7 +36589,7 @@
           <a:graphicData uri="http://schemas.openxmlformats.org/presentationml/2006/ole">
             <mc:AlternateContent xmlns:mc="http://schemas.openxmlformats.org/markup-compatibility/2006">
               <mc:Choice xmlns:v="urn:schemas-microsoft-com:vml" Requires="v">
-                <p:oleObj spid="_x0000_s8588" name="Equation" r:id="rId3" imgW="736280" imgH="393529" progId="Equation.3">
+                <p:oleObj spid="_x0000_s8603" name="Equation" r:id="rId3" imgW="736280" imgH="393529" progId="Equation.3">
                   <p:embed/>
                 </p:oleObj>
               </mc:Choice>
@@ -36554,7 +36690,7 @@
           <a:graphicData uri="http://schemas.openxmlformats.org/presentationml/2006/ole">
             <mc:AlternateContent xmlns:mc="http://schemas.openxmlformats.org/markup-compatibility/2006">
               <mc:Choice xmlns:v="urn:schemas-microsoft-com:vml" Requires="v">
-                <p:oleObj spid="_x0000_s8589" name="Equation" r:id="rId5" imgW="1435100" imgH="444500" progId="Equation.3">
+                <p:oleObj spid="_x0000_s8604" name="Equation" r:id="rId5" imgW="1435100" imgH="444500" progId="Equation.3">
                   <p:embed/>
                 </p:oleObj>
               </mc:Choice>
@@ -36649,7 +36785,7 @@
           <a:graphicData uri="http://schemas.openxmlformats.org/presentationml/2006/ole">
             <mc:AlternateContent xmlns:mc="http://schemas.openxmlformats.org/markup-compatibility/2006">
               <mc:Choice xmlns:v="urn:schemas-microsoft-com:vml" Requires="v">
-                <p:oleObj spid="_x0000_s8590" name="Equation" r:id="rId7" imgW="1612900" imgH="431800" progId="Equation.3">
+                <p:oleObj spid="_x0000_s8605" name="Equation" r:id="rId7" imgW="1612900" imgH="431800" progId="Equation.3">
                   <p:embed/>
                 </p:oleObj>
               </mc:Choice>
@@ -38299,15 +38435,7 @@
                   <a:schemeClr val="tx2"/>
                 </a:solidFill>
               </a:rPr>
-              <a:t>hù </a:t>
-            </a:r>
-            <a:r>
-              <a:rPr lang="vi-VN" altLang="ru-RU" sz="3600" dirty="0" smtClean="0">
-                <a:solidFill>
-                  <a:schemeClr val="tx2"/>
-                </a:solidFill>
-              </a:rPr>
-              <a:t>hợp đa mức</a:t>
+              <a:t>hù hợp đa mức</a:t>
             </a:r>
             <a:endParaRPr lang="vi-VN" altLang="ru-RU" sz="3600" dirty="0">
               <a:solidFill>
@@ -38617,19 +38745,7 @@
             </a:r>
             <a:r>
               <a:rPr lang="vi-VN" altLang="ru-RU" dirty="0" smtClean="0"/>
-              <a:t> </a:t>
-            </a:r>
-            <a:r>
-              <a:rPr lang="vi-VN" altLang="ru-RU" dirty="0" smtClean="0"/>
-              <a:t>bộ dữ liệu kiểm thử </a:t>
-            </a:r>
-            <a:r>
-              <a:rPr lang="vi-VN" altLang="ru-RU" dirty="0" smtClean="0"/>
-              <a:t>phù </a:t>
-            </a:r>
-            <a:r>
-              <a:rPr lang="vi-VN" altLang="ru-RU" dirty="0" smtClean="0"/>
-              <a:t>hợp đa mức;</a:t>
+              <a:t> bộ dữ liệu kiểm thử phù hợp đa mức;</a:t>
             </a:r>
           </a:p>
           <a:p>
@@ -38647,11 +38763,7 @@
             </a:r>
             <a:r>
               <a:rPr lang="vi-VN" altLang="ru-RU" dirty="0" smtClean="0"/>
-              <a:t>hái </a:t>
-            </a:r>
-            <a:r>
-              <a:rPr lang="vi-VN" altLang="ru-RU" dirty="0" smtClean="0"/>
-              <a:t>niệm </a:t>
+              <a:t>hái niệm </a:t>
             </a:r>
             <a:r>
               <a:rPr lang="en-US" altLang="ru-RU" dirty="0" err="1" smtClean="0"/>
@@ -38717,7 +38829,6 @@
               <a:rPr lang="vi-VN" altLang="ru-RU" dirty="0" smtClean="0"/>
               <a:t>.</a:t>
             </a:r>
-            <a:endParaRPr lang="vi-VN" altLang="ru-RU" dirty="0" smtClean="0"/>
           </a:p>
         </p:txBody>
       </p:sp>
@@ -39086,15 +39197,7 @@
                   <a:schemeClr val="tx2"/>
                 </a:solidFill>
               </a:rPr>
-              <a:t>; </a:t>
-            </a:r>
-            <a:r>
-              <a:rPr lang="en-US" sz="2400" dirty="0" smtClean="0">
-                <a:solidFill>
-                  <a:schemeClr val="tx2"/>
-                </a:solidFill>
-              </a:rPr>
-              <a:t>G: Gain: </a:t>
+              <a:t>; G: Gain: </a:t>
             </a:r>
             <a:r>
               <a:rPr lang="en-US" sz="2400" dirty="0" err="1" smtClean="0">
@@ -39137,15 +39240,7 @@
                   <a:schemeClr val="tx2"/>
                 </a:solidFill>
               </a:rPr>
-              <a:t>NDCG</a:t>
-            </a:r>
-            <a:r>
-              <a:rPr lang="vi-VN" sz="2400" dirty="0" smtClean="0">
-                <a:solidFill>
-                  <a:schemeClr val="tx2"/>
-                </a:solidFill>
-              </a:rPr>
-              <a:t>: </a:t>
+              <a:t>NDCG: </a:t>
             </a:r>
             <a:r>
               <a:rPr lang="vi-VN" altLang="ru-RU" sz="2400" b="1" dirty="0" smtClean="0">
@@ -39512,11 +39607,7 @@
             </a:r>
             <a:r>
               <a:rPr lang="vi-VN" altLang="ru-RU" dirty="0" smtClean="0"/>
-              <a:t> </a:t>
-            </a:r>
-            <a:r>
-              <a:rPr lang="vi-VN" altLang="ru-RU" dirty="0" smtClean="0"/>
-              <a:t>của một kết quả tìm kiếm </a:t>
+              <a:t> của một kết quả tìm kiếm </a:t>
             </a:r>
             <a:r>
               <a:rPr lang="en-US" altLang="ru-RU" dirty="0" err="1" smtClean="0"/>
@@ -39552,15 +39643,7 @@
             </a:r>
             <a:r>
               <a:rPr lang="vi-VN" altLang="ru-RU" dirty="0" smtClean="0"/>
-              <a:t>ức </a:t>
-            </a:r>
-            <a:r>
-              <a:rPr lang="vi-VN" altLang="ru-RU" dirty="0" smtClean="0"/>
-              <a:t>phù hợp của kết quả: Kết quả càng phù hợp thì càng hữu ích với người </a:t>
-            </a:r>
-            <a:r>
-              <a:rPr lang="vi-VN" altLang="ru-RU" dirty="0" smtClean="0"/>
-              <a:t>dùng</a:t>
+              <a:t>ức phù hợp của kết quả: Kết quả càng phù hợp thì càng hữu ích với người dùng</a:t>
             </a:r>
             <a:r>
               <a:rPr lang="en-US" altLang="ru-RU" dirty="0" smtClean="0"/>
@@ -40026,15 +40109,7 @@
                   <a:schemeClr val="tx2"/>
                 </a:solidFill>
               </a:rPr>
-              <a:t>: </a:t>
-            </a:r>
-            <a:r>
-              <a:rPr lang="vi-VN" sz="2400" dirty="0" smtClean="0">
-                <a:solidFill>
-                  <a:schemeClr val="tx2"/>
-                </a:solidFill>
-              </a:rPr>
-              <a:t>G: Gain</a:t>
+              <a:t>: G: Gain</a:t>
             </a:r>
             <a:endParaRPr lang="vi-VN" altLang="ru-RU" sz="2400" dirty="0">
               <a:solidFill>
@@ -40660,15 +40735,7 @@
                   <a:schemeClr val="tx2"/>
                 </a:solidFill>
               </a:rPr>
-              <a:t>: </a:t>
-            </a:r>
-            <a:r>
-              <a:rPr lang="vi-VN" sz="2400" dirty="0" smtClean="0">
-                <a:solidFill>
-                  <a:schemeClr val="tx2"/>
-                </a:solidFill>
-              </a:rPr>
-              <a:t>CG: Cumulative Gain</a:t>
+              <a:t>: CG: Cumulative Gain</a:t>
             </a:r>
             <a:endParaRPr lang="vi-VN" altLang="ru-RU" sz="2400" dirty="0">
               <a:solidFill>

--- a/Bai 8 Đánh giá kết quả  tìm kiếm_phần 2.pptx
+++ b/Bai 8 Đánh giá kết quả  tìm kiếm_phần 2.pptx
@@ -162,7 +162,7 @@
   </p:defaultTextStyle>
   <p:extLst>
     <p:ext uri="{EFAFB233-063F-42B5-8137-9DF3F51BA10A}">
-      <p15:sldGuideLst xmlns="" xmlns:p15="http://schemas.microsoft.com/office/powerpoint/2012/main">
+      <p15:sldGuideLst xmlns:p15="http://schemas.microsoft.com/office/powerpoint/2012/main" xmlns="">
         <p15:guide id="1" orient="horz" pos="2160">
           <p15:clr>
             <a:srgbClr val="A4A3A4"/>
@@ -23994,7 +23994,7 @@
           <a:graphicData uri="http://schemas.openxmlformats.org/presentationml/2006/ole">
             <mc:AlternateContent xmlns:mc="http://schemas.openxmlformats.org/markup-compatibility/2006">
               <mc:Choice xmlns:v="urn:schemas-microsoft-com:vml" Requires="v">
-                <p:oleObj spid="_x0000_s25177" name="Equation" r:id="rId4" imgW="3009900" imgH="482600" progId="Equation.3">
+                <p:oleObj spid="_x0000_s25205" name="Equation" r:id="rId4" imgW="3009900" imgH="482600" progId="Equation.3">
                   <p:embed/>
                 </p:oleObj>
               </mc:Choice>
@@ -24077,7 +24077,7 @@
           <a:graphicData uri="http://schemas.openxmlformats.org/presentationml/2006/ole">
             <mc:AlternateContent xmlns:mc="http://schemas.openxmlformats.org/markup-compatibility/2006">
               <mc:Choice xmlns:v="urn:schemas-microsoft-com:vml" Requires="v">
-                <p:oleObj spid="_x0000_s25178" name="Equation" r:id="rId6" imgW="3035300" imgH="482600" progId="Equation.3">
+                <p:oleObj spid="_x0000_s25206" name="Equation" r:id="rId6" imgW="3035300" imgH="482600" progId="Equation.3">
                   <p:embed/>
                 </p:oleObj>
               </mc:Choice>
@@ -24160,7 +24160,7 @@
           <a:graphicData uri="http://schemas.openxmlformats.org/presentationml/2006/ole">
             <mc:AlternateContent xmlns:mc="http://schemas.openxmlformats.org/markup-compatibility/2006">
               <mc:Choice xmlns:v="urn:schemas-microsoft-com:vml" Requires="v">
-                <p:oleObj spid="_x0000_s25179" name="Equation" r:id="rId8" imgW="3048000" imgH="482600" progId="Equation.3">
+                <p:oleObj spid="_x0000_s25207" name="Equation" r:id="rId8" imgW="3048000" imgH="482600" progId="Equation.3">
                   <p:embed/>
                 </p:oleObj>
               </mc:Choice>
@@ -24243,7 +24243,7 @@
           <a:graphicData uri="http://schemas.openxmlformats.org/presentationml/2006/ole">
             <mc:AlternateContent xmlns:mc="http://schemas.openxmlformats.org/markup-compatibility/2006">
               <mc:Choice xmlns:v="urn:schemas-microsoft-com:vml" Requires="v">
-                <p:oleObj spid="_x0000_s25180" name="Equation" r:id="rId10" imgW="1841500" imgH="228600" progId="Equation.3">
+                <p:oleObj spid="_x0000_s25208" name="Equation" r:id="rId10" imgW="1841500" imgH="228600" progId="Equation.3">
                   <p:embed/>
                 </p:oleObj>
               </mc:Choice>
@@ -34765,8 +34765,8 @@
         </p:nvSpPr>
         <p:spPr>
           <a:xfrm>
-            <a:off x="611561" y="2017713"/>
-            <a:ext cx="4968552" cy="4506912"/>
+            <a:off x="683568" y="1973089"/>
+            <a:ext cx="5112568" cy="4840287"/>
           </a:xfrm>
           <a:prstGeom prst="rect">
             <a:avLst/>
@@ -34971,7 +34971,7 @@
               <a:defRPr/>
             </a:pPr>
             <a:r>
-              <a:rPr lang="vi-VN" sz="2400" dirty="0" smtClean="0"/>
+              <a:rPr lang="vi-VN" sz="2200" dirty="0" smtClean="0"/>
               <a:t>Giả sử hệ thống tìm kiếm trả về tập kết quả là {4, 5, 6, 7, 8}:</a:t>
             </a:r>
           </a:p>
@@ -34988,8 +34988,48 @@
               <a:defRPr/>
             </a:pPr>
             <a:r>
-              <a:rPr lang="vi-VN" sz="2400" dirty="0" smtClean="0"/>
-              <a:t>a) Tính kappa giữa hai đánh giá;</a:t>
+              <a:rPr lang="vi-VN" sz="2200" dirty="0" smtClean="0"/>
+              <a:t>a) Tính kappa giữa hai </a:t>
+            </a:r>
+            <a:r>
+              <a:rPr lang="en-US" sz="2200" dirty="0" err="1" smtClean="0"/>
+              <a:t>danh</a:t>
+            </a:r>
+            <a:r>
+              <a:rPr lang="en-US" sz="2200" dirty="0" smtClean="0"/>
+              <a:t> </a:t>
+            </a:r>
+            <a:r>
+              <a:rPr lang="en-US" sz="2200" dirty="0" err="1" smtClean="0"/>
+              <a:t>sách</a:t>
+            </a:r>
+            <a:r>
+              <a:rPr lang="en-US" sz="2200" dirty="0" smtClean="0"/>
+              <a:t> </a:t>
+            </a:r>
+            <a:r>
+              <a:rPr lang="en-US" sz="2200" dirty="0" err="1" smtClean="0"/>
+              <a:t>kết</a:t>
+            </a:r>
+            <a:r>
+              <a:rPr lang="en-US" sz="2200" dirty="0" smtClean="0"/>
+              <a:t> </a:t>
+            </a:r>
+            <a:r>
+              <a:rPr lang="en-US" sz="2200" dirty="0" err="1" smtClean="0"/>
+              <a:t>quả</a:t>
+            </a:r>
+            <a:r>
+              <a:rPr lang="en-US" sz="2200" dirty="0" smtClean="0"/>
+              <a:t> </a:t>
+            </a:r>
+            <a:r>
+              <a:rPr lang="vi-VN" sz="2200" dirty="0" smtClean="0"/>
+              <a:t>đánh </a:t>
+            </a:r>
+            <a:r>
+              <a:rPr lang="vi-VN" sz="2200" dirty="0" smtClean="0"/>
+              <a:t>giá;</a:t>
             </a:r>
           </a:p>
           <a:p>
@@ -35005,9 +35045,70 @@
               <a:defRPr/>
             </a:pPr>
             <a:r>
-              <a:rPr lang="vi-VN" sz="2400" dirty="0" smtClean="0"/>
-              <a:t>b) Tính P, R và F1 trong trường hợp văn bản được coi là phù hợp nếu hai đánh giá thống nhất;</a:t>
-            </a:r>
+              <a:rPr lang="vi-VN" sz="2200" dirty="0" smtClean="0"/>
+              <a:t>b) Tính P, R và F1 trong trường hợp văn bản được coi là phù hợp nếu </a:t>
+            </a:r>
+            <a:r>
+              <a:rPr lang="en-US" sz="2200" dirty="0" err="1" smtClean="0"/>
+              <a:t>cả</a:t>
+            </a:r>
+            <a:r>
+              <a:rPr lang="en-US" sz="2200" dirty="0" smtClean="0"/>
+              <a:t> </a:t>
+            </a:r>
+            <a:r>
+              <a:rPr lang="vi-VN" sz="2200" dirty="0" smtClean="0"/>
+              <a:t>hai </a:t>
+            </a:r>
+            <a:r>
+              <a:rPr lang="en-US" sz="2200" dirty="0" err="1" smtClean="0"/>
+              <a:t>cùng</a:t>
+            </a:r>
+            <a:r>
+              <a:rPr lang="en-US" sz="2200" dirty="0" smtClean="0"/>
+              <a:t> </a:t>
+            </a:r>
+            <a:r>
+              <a:rPr lang="en-US" sz="2200" dirty="0" err="1" smtClean="0"/>
+              <a:t>đánh</a:t>
+            </a:r>
+            <a:r>
+              <a:rPr lang="en-US" sz="2200" dirty="0" smtClean="0"/>
+              <a:t> </a:t>
+            </a:r>
+            <a:r>
+              <a:rPr lang="en-US" sz="2200" dirty="0" err="1" smtClean="0"/>
+              <a:t>giá</a:t>
+            </a:r>
+            <a:r>
+              <a:rPr lang="en-US" sz="2200" dirty="0" smtClean="0"/>
+              <a:t> </a:t>
+            </a:r>
+            <a:r>
+              <a:rPr lang="en-US" sz="2200" dirty="0" err="1" smtClean="0"/>
+              <a:t>là</a:t>
+            </a:r>
+            <a:r>
+              <a:rPr lang="en-US" sz="2200" dirty="0" smtClean="0"/>
+              <a:t> </a:t>
+            </a:r>
+            <a:r>
+              <a:rPr lang="en-US" sz="2200" dirty="0" err="1" smtClean="0"/>
+              <a:t>phù</a:t>
+            </a:r>
+            <a:r>
+              <a:rPr lang="en-US" sz="2200" dirty="0" smtClean="0"/>
+              <a:t> </a:t>
+            </a:r>
+            <a:r>
+              <a:rPr lang="en-US" sz="2200" dirty="0" err="1" smtClean="0"/>
+              <a:t>hợp</a:t>
+            </a:r>
+            <a:r>
+              <a:rPr lang="vi-VN" sz="2200" dirty="0" smtClean="0"/>
+              <a:t>;</a:t>
+            </a:r>
+            <a:endParaRPr lang="vi-VN" sz="2200" dirty="0" smtClean="0"/>
           </a:p>
           <a:p>
             <a:pPr marL="0" indent="0" eaLnBrk="1" hangingPunct="1">
@@ -35022,12 +35123,8 @@
               <a:defRPr/>
             </a:pPr>
             <a:r>
-              <a:rPr lang="vi-VN" sz="2400" dirty="0" smtClean="0"/>
-              <a:t>c) Tính P, R và F1 trong trường hợp văn bản được coi là phù hợp nếu một trong hai đánh giá là phù </a:t>
-            </a:r>
-            <a:r>
-              <a:rPr lang="vi-VN" sz="2400" smtClean="0"/>
-              <a:t>hợp.</a:t>
+              <a:rPr lang="vi-VN" sz="2200" dirty="0" smtClean="0"/>
+              <a:t>c) Tính P, R và F1 trong trường hợp văn bản được coi là phù hợp nếu một trong hai đánh giá là phù hợp.</a:t>
             </a:r>
           </a:p>
           <a:p>
@@ -35043,12 +35140,80 @@
               <a:defRPr/>
             </a:pPr>
             <a:r>
-              <a:rPr lang="vi-VN" sz="2400" smtClean="0"/>
+              <a:rPr lang="vi-VN" sz="2200" dirty="0" smtClean="0"/>
               <a:t>d) Thiết </a:t>
             </a:r>
             <a:r>
-              <a:rPr lang="en-US" sz="2400" smtClean="0"/>
-              <a:t>lập hai dãy bất kỳ để:</a:t>
+              <a:rPr lang="en-US" sz="2200" dirty="0" err="1" smtClean="0"/>
+              <a:t>lập</a:t>
+            </a:r>
+            <a:r>
+              <a:rPr lang="en-US" sz="2200" dirty="0" smtClean="0"/>
+              <a:t> </a:t>
+            </a:r>
+            <a:r>
+              <a:rPr lang="en-US" sz="2200" dirty="0" err="1" smtClean="0"/>
+              <a:t>hai</a:t>
+            </a:r>
+            <a:r>
+              <a:rPr lang="en-US" sz="2200" dirty="0" smtClean="0"/>
+              <a:t> </a:t>
+            </a:r>
+            <a:r>
+              <a:rPr lang="en-US" sz="2200" dirty="0" err="1" smtClean="0"/>
+              <a:t>danh</a:t>
+            </a:r>
+            <a:r>
+              <a:rPr lang="en-US" sz="2200" dirty="0" smtClean="0"/>
+              <a:t> </a:t>
+            </a:r>
+            <a:r>
+              <a:rPr lang="en-US" sz="2200" dirty="0" err="1" smtClean="0"/>
+              <a:t>sách</a:t>
+            </a:r>
+            <a:r>
+              <a:rPr lang="en-US" sz="2200" dirty="0" smtClean="0"/>
+              <a:t> </a:t>
+            </a:r>
+            <a:r>
+              <a:rPr lang="en-US" sz="2200" dirty="0" err="1" smtClean="0"/>
+              <a:t>kết</a:t>
+            </a:r>
+            <a:r>
+              <a:rPr lang="en-US" sz="2200" dirty="0" smtClean="0"/>
+              <a:t> </a:t>
+            </a:r>
+            <a:r>
+              <a:rPr lang="en-US" sz="2200" dirty="0" err="1" smtClean="0"/>
+              <a:t>quả</a:t>
+            </a:r>
+            <a:r>
+              <a:rPr lang="en-US" sz="2200" dirty="0" smtClean="0"/>
+              <a:t> </a:t>
+            </a:r>
+            <a:r>
+              <a:rPr lang="en-US" sz="2200" dirty="0" err="1" smtClean="0"/>
+              <a:t>bất</a:t>
+            </a:r>
+            <a:r>
+              <a:rPr lang="en-US" sz="2200" dirty="0" smtClean="0"/>
+              <a:t> </a:t>
+            </a:r>
+            <a:r>
+              <a:rPr lang="en-US" sz="2200" dirty="0" err="1" smtClean="0"/>
+              <a:t>kỳ</a:t>
+            </a:r>
+            <a:r>
+              <a:rPr lang="en-US" sz="2200" dirty="0" smtClean="0"/>
+              <a:t> </a:t>
+            </a:r>
+            <a:r>
+              <a:rPr lang="en-US" sz="2200" dirty="0" err="1" smtClean="0"/>
+              <a:t>để</a:t>
+            </a:r>
+            <a:r>
+              <a:rPr lang="en-US" sz="2200" dirty="0" smtClean="0"/>
+              <a:t>:</a:t>
             </a:r>
           </a:p>
           <a:p>
@@ -35064,10 +35229,30 @@
               <a:defRPr/>
             </a:pPr>
             <a:r>
-              <a:rPr lang="en-US" sz="2400" smtClean="0"/>
-              <a:t>kappa = -1; kappa = 1;</a:t>
-            </a:r>
-            <a:endParaRPr lang="vi-VN" sz="2400" dirty="0" smtClean="0"/>
+              <a:rPr lang="en-US" sz="2200" dirty="0"/>
+              <a:t> </a:t>
+            </a:r>
+            <a:r>
+              <a:rPr lang="en-US" sz="2200" dirty="0" smtClean="0"/>
+              <a:t>   d1) </a:t>
+            </a:r>
+            <a:r>
+              <a:rPr lang="en-US" sz="2200" dirty="0" smtClean="0"/>
+              <a:t>kappa </a:t>
+            </a:r>
+            <a:r>
+              <a:rPr lang="en-US" sz="2200" dirty="0" smtClean="0"/>
+              <a:t>= -1; </a:t>
+            </a:r>
+            <a:r>
+              <a:rPr lang="en-US" sz="2200" dirty="0" smtClean="0"/>
+              <a:t>d2) kappa </a:t>
+            </a:r>
+            <a:r>
+              <a:rPr lang="en-US" sz="2200" dirty="0" smtClean="0"/>
+              <a:t>= 1;</a:t>
+            </a:r>
+            <a:endParaRPr lang="vi-VN" sz="2200" dirty="0" smtClean="0"/>
           </a:p>
         </p:txBody>
       </p:sp>
@@ -35087,8 +35272,8 @@
         </p:blipFill>
         <p:spPr>
           <a:xfrm>
-            <a:off x="5580112" y="2017713"/>
-            <a:ext cx="3572552" cy="4506912"/>
+            <a:off x="5751977" y="2017713"/>
+            <a:ext cx="3287724" cy="4147591"/>
           </a:xfrm>
           <a:prstGeom prst="rect">
             <a:avLst/>
@@ -36589,7 +36774,7 @@
           <a:graphicData uri="http://schemas.openxmlformats.org/presentationml/2006/ole">
             <mc:AlternateContent xmlns:mc="http://schemas.openxmlformats.org/markup-compatibility/2006">
               <mc:Choice xmlns:v="urn:schemas-microsoft-com:vml" Requires="v">
-                <p:oleObj spid="_x0000_s8603" name="Equation" r:id="rId3" imgW="736280" imgH="393529" progId="Equation.3">
+                <p:oleObj spid="_x0000_s8624" name="Equation" r:id="rId3" imgW="736280" imgH="393529" progId="Equation.3">
                   <p:embed/>
                 </p:oleObj>
               </mc:Choice>
@@ -36690,7 +36875,7 @@
           <a:graphicData uri="http://schemas.openxmlformats.org/presentationml/2006/ole">
             <mc:AlternateContent xmlns:mc="http://schemas.openxmlformats.org/markup-compatibility/2006">
               <mc:Choice xmlns:v="urn:schemas-microsoft-com:vml" Requires="v">
-                <p:oleObj spid="_x0000_s8604" name="Equation" r:id="rId5" imgW="1435100" imgH="444500" progId="Equation.3">
+                <p:oleObj spid="_x0000_s8625" name="Equation" r:id="rId5" imgW="1435100" imgH="444500" progId="Equation.3">
                   <p:embed/>
                 </p:oleObj>
               </mc:Choice>
@@ -36785,7 +36970,7 @@
           <a:graphicData uri="http://schemas.openxmlformats.org/presentationml/2006/ole">
             <mc:AlternateContent xmlns:mc="http://schemas.openxmlformats.org/markup-compatibility/2006">
               <mc:Choice xmlns:v="urn:schemas-microsoft-com:vml" Requires="v">
-                <p:oleObj spid="_x0000_s8605" name="Equation" r:id="rId7" imgW="1612900" imgH="431800" progId="Equation.3">
+                <p:oleObj spid="_x0000_s8626" name="Equation" r:id="rId7" imgW="1612900" imgH="431800" progId="Equation.3">
                   <p:embed/>
                 </p:oleObj>
               </mc:Choice>
@@ -41212,7 +41397,7 @@
   </a:extraClrSchemeLst>
   <a:extLst>
     <a:ext uri="{05A4C25C-085E-4340-85A3-A5531E510DB2}">
-      <thm15:themeFamily xmlns="" xmlns:thm15="http://schemas.microsoft.com/office/thememl/2012/main" name="Office Theme" id="{62F939B6-93AF-4DB8-9C6B-D6C7DFDC589F}" vid="{4A3C46E8-61CC-4603-A589-7422A47A8E4A}"/>
+      <thm15:themeFamily xmlns:thm15="http://schemas.microsoft.com/office/thememl/2012/main" xmlns="" name="Office Theme" id="{62F939B6-93AF-4DB8-9C6B-D6C7DFDC589F}" vid="{4A3C46E8-61CC-4603-A589-7422A47A8E4A}"/>
     </a:ext>
   </a:extLst>
 </a:theme>
@@ -41473,7 +41658,7 @@
   <a:extraClrSchemeLst/>
   <a:extLst>
     <a:ext uri="{05A4C25C-085E-4340-85A3-A5531E510DB2}">
-      <thm15:themeFamily xmlns="" xmlns:thm15="http://schemas.microsoft.com/office/thememl/2012/main" name="Office Theme" id="{62F939B6-93AF-4DB8-9C6B-D6C7DFDC589F}" vid="{4A3C46E8-61CC-4603-A589-7422A47A8E4A}"/>
+      <thm15:themeFamily xmlns:thm15="http://schemas.microsoft.com/office/thememl/2012/main" xmlns="" name="Office Theme" id="{62F939B6-93AF-4DB8-9C6B-D6C7DFDC589F}" vid="{4A3C46E8-61CC-4603-A589-7422A47A8E4A}"/>
     </a:ext>
   </a:extLst>
 </a:theme>
